--- a/StoryboardingSECRETARY.pptx
+++ b/StoryboardingSECRETARY.pptx
@@ -8294,10 +8294,10 @@
         </p:grpSp>
         <p:grpSp>
           <p:nvGrpSpPr>
-            <p:cNvPr id="46" name="Group 45">
+            <p:cNvPr id="48" name="Group 47">
               <a:extLst>
                 <a:ext uri="{FF2B5EF4-FFF2-40B4-BE49-F238E27FC236}">
-                  <a16:creationId xmlns:a16="http://schemas.microsoft.com/office/drawing/2014/main" id="{8BC08941-FF7F-2C86-DCD4-F18136448069}"/>
+                  <a16:creationId xmlns:a16="http://schemas.microsoft.com/office/drawing/2014/main" id="{E0FF4317-84AC-0D61-01DB-EF34804C2811}"/>
                 </a:ext>
               </a:extLst>
             </p:cNvPr>
@@ -8306,29 +8306,44 @@
           </p:nvGrpSpPr>
           <p:grpSpPr>
             <a:xfrm>
-              <a:off x="923925" y="340846"/>
-              <a:ext cx="7142930" cy="228600"/>
-              <a:chOff x="923925" y="340846"/>
-              <a:chExt cx="7142930" cy="228600"/>
+              <a:off x="7260350" y="363706"/>
+              <a:ext cx="744325" cy="182880"/>
+              <a:chOff x="7260350" y="363706"/>
+              <a:chExt cx="744325" cy="182880"/>
             </a:xfrm>
             <a:grpFill/>
           </p:grpSpPr>
-          <p:sp>
-            <p:nvSpPr>
-              <p:cNvPr id="47" name="UrlBar">
+          <p:pic>
+            <p:nvPicPr>
+              <p:cNvPr id="49" name="Search" descr="C:\Users\t-dantay\Documents\Placeholders\search.png">
                 <a:extLst>
                   <a:ext uri="{FF2B5EF4-FFF2-40B4-BE49-F238E27FC236}">
-                    <a16:creationId xmlns:a16="http://schemas.microsoft.com/office/drawing/2014/main" id="{DFA4182D-DE04-583E-C15F-D4AF238DB634}"/>
+                    <a16:creationId xmlns:a16="http://schemas.microsoft.com/office/drawing/2014/main" id="{FD82769E-3CDB-07BF-9A02-9A4686FF6587}"/>
                   </a:ext>
                 </a:extLst>
               </p:cNvPr>
-              <p:cNvSpPr/>
+              <p:cNvPicPr>
+                <a:picLocks noChangeAspect="1" noChangeArrowheads="1"/>
+              </p:cNvPicPr>
               <p:nvPr/>
-            </p:nvSpPr>
-            <p:spPr>
-              <a:xfrm>
-                <a:off x="923925" y="340846"/>
-                <a:ext cx="7142930" cy="228600"/>
+            </p:nvPicPr>
+            <p:blipFill>
+              <a:blip r:embed="rId6" cstate="print">
+                <a:extLst>
+                  <a:ext uri="{28A0092B-C50C-407E-A947-70E740481C1C}">
+                    <a14:useLocalDpi xmlns:a14="http://schemas.microsoft.com/office/drawing/2010/main" val="0"/>
+                  </a:ext>
+                </a:extLst>
+              </a:blip>
+              <a:srcRect/>
+              <a:stretch>
+                <a:fillRect/>
+              </a:stretch>
+            </p:blipFill>
+            <p:spPr bwMode="auto">
+              <a:xfrm flipH="1">
+                <a:off x="7260350" y="363706"/>
+                <a:ext cx="182880" cy="182880"/>
               </a:xfrm>
               <a:prstGeom prst="rect">
                 <a:avLst/>
@@ -8350,28 +8365,119 @@
                 <a:schemeClr val="lt1"/>
               </a:fontRef>
             </p:style>
-            <p:txBody>
-              <a:bodyPr rtlCol="0" anchor="ctr"/>
-              <a:lstStyle/>
-              <a:p>
-                <a:r>
-                  <a:rPr lang="en-US" sz="1200" kern="0" dirty="0">
-                    <a:solidFill>
-                      <a:schemeClr val="bg1"/>
-                    </a:solidFill>
-                    <a:latin typeface="Segoe UI"/>
-                  </a:rPr>
-                  <a:t>http://www.gd-opticalclinic-login.com</a:t>
-                </a:r>
-              </a:p>
-            </p:txBody>
-          </p:sp>
+          </p:pic>
+          <p:pic>
+            <p:nvPicPr>
+              <p:cNvPr id="50" name="Refresh" descr="C:\Users\t-dantay\Documents\First24\arrowrepeat1.png">
+                <a:extLst>
+                  <a:ext uri="{FF2B5EF4-FFF2-40B4-BE49-F238E27FC236}">
+                    <a16:creationId xmlns:a16="http://schemas.microsoft.com/office/drawing/2014/main" id="{430EDECB-06B4-7D1F-C284-A31DF1AD8F56}"/>
+                  </a:ext>
+                </a:extLst>
+              </p:cNvPr>
+              <p:cNvPicPr>
+                <a:picLocks noChangeAspect="1" noChangeArrowheads="1"/>
+              </p:cNvPicPr>
+              <p:nvPr/>
+            </p:nvPicPr>
+            <p:blipFill>
+              <a:blip r:embed="rId7" cstate="print">
+                <a:extLst>
+                  <a:ext uri="{28A0092B-C50C-407E-A947-70E740481C1C}">
+                    <a14:useLocalDpi xmlns:a14="http://schemas.microsoft.com/office/drawing/2010/main" val="0"/>
+                  </a:ext>
+                </a:extLst>
+              </a:blip>
+              <a:srcRect/>
+              <a:stretch>
+                <a:fillRect/>
+              </a:stretch>
+            </p:blipFill>
+            <p:spPr bwMode="auto">
+              <a:xfrm>
+                <a:off x="7644400" y="363706"/>
+                <a:ext cx="182880" cy="182880"/>
+              </a:xfrm>
+              <a:prstGeom prst="rect">
+                <a:avLst/>
+              </a:prstGeom>
+              <a:grpFill/>
+              <a:ln/>
+            </p:spPr>
+            <p:style>
+              <a:lnRef idx="0">
+                <a:schemeClr val="accent3"/>
+              </a:lnRef>
+              <a:fillRef idx="3">
+                <a:schemeClr val="accent3"/>
+              </a:fillRef>
+              <a:effectRef idx="3">
+                <a:schemeClr val="accent3"/>
+              </a:effectRef>
+              <a:fontRef idx="minor">
+                <a:schemeClr val="lt1"/>
+              </a:fontRef>
+            </p:style>
+          </p:pic>
+          <p:pic>
+            <p:nvPicPr>
+              <p:cNvPr id="51" name="Drop Down" descr="C:\Users\t-dantay\Documents\First24\arrowsimple1.png">
+                <a:extLst>
+                  <a:ext uri="{FF2B5EF4-FFF2-40B4-BE49-F238E27FC236}">
+                    <a16:creationId xmlns:a16="http://schemas.microsoft.com/office/drawing/2014/main" id="{ADBDEF7C-A3CF-A387-36D4-F4731FCF067D}"/>
+                  </a:ext>
+                </a:extLst>
+              </p:cNvPr>
+              <p:cNvPicPr>
+                <a:picLocks noChangeAspect="1" noChangeArrowheads="1"/>
+              </p:cNvPicPr>
+              <p:nvPr/>
+            </p:nvPicPr>
+            <p:blipFill>
+              <a:blip r:embed="rId8" cstate="print">
+                <a:extLst>
+                  <a:ext uri="{28A0092B-C50C-407E-A947-70E740481C1C}">
+                    <a14:useLocalDpi xmlns:a14="http://schemas.microsoft.com/office/drawing/2010/main" val="0"/>
+                  </a:ext>
+                </a:extLst>
+              </a:blip>
+              <a:srcRect/>
+              <a:stretch>
+                <a:fillRect/>
+              </a:stretch>
+            </p:blipFill>
+            <p:spPr bwMode="auto">
+              <a:xfrm rot="5400000">
+                <a:off x="7476150" y="409426"/>
+                <a:ext cx="91440" cy="91440"/>
+              </a:xfrm>
+              <a:prstGeom prst="rect">
+                <a:avLst/>
+              </a:prstGeom>
+              <a:grpFill/>
+              <a:ln/>
+            </p:spPr>
+            <p:style>
+              <a:lnRef idx="0">
+                <a:schemeClr val="accent3"/>
+              </a:lnRef>
+              <a:fillRef idx="3">
+                <a:schemeClr val="accent3"/>
+              </a:fillRef>
+              <a:effectRef idx="3">
+                <a:schemeClr val="accent3"/>
+              </a:effectRef>
+              <a:fontRef idx="minor">
+                <a:schemeClr val="lt1"/>
+              </a:fontRef>
+            </p:style>
+          </p:pic>
           <p:grpSp>
             <p:nvGrpSpPr>
-              <p:cNvPr id="48" name="Group 47">
+              <p:cNvPr id="52" name="X">
                 <a:extLst>
                   <a:ext uri="{FF2B5EF4-FFF2-40B4-BE49-F238E27FC236}">
-                    <a16:creationId xmlns:a16="http://schemas.microsoft.com/office/drawing/2014/main" id="{E0FF4317-84AC-0D61-01DB-EF34804C2811}"/>
+                    <a16:creationId xmlns:a16="http://schemas.microsoft.com/office/drawing/2014/main" id="{CE2C1DF4-C371-5DB0-4170-9A638BB586C2}"/>
                   </a:ext>
                 </a:extLst>
               </p:cNvPr>
@@ -8380,274 +8486,93 @@
             </p:nvGrpSpPr>
             <p:grpSpPr>
               <a:xfrm>
-                <a:off x="7260350" y="363706"/>
-                <a:ext cx="744325" cy="182880"/>
-                <a:chOff x="7260350" y="363706"/>
-                <a:chExt cx="744325" cy="182880"/>
+                <a:off x="7913235" y="409426"/>
+                <a:ext cx="91440" cy="91440"/>
+                <a:chOff x="4687215" y="1739180"/>
+                <a:chExt cx="91440" cy="91440"/>
               </a:xfrm>
               <a:grpFill/>
             </p:grpSpPr>
-            <p:pic>
-              <p:nvPicPr>
-                <p:cNvPr id="49" name="Search" descr="C:\Users\t-dantay\Documents\Placeholders\search.png">
+            <p:cxnSp>
+              <p:nvCxnSpPr>
+                <p:cNvPr id="53" name="Straight Connector 52">
                   <a:extLst>
                     <a:ext uri="{FF2B5EF4-FFF2-40B4-BE49-F238E27FC236}">
-                      <a16:creationId xmlns:a16="http://schemas.microsoft.com/office/drawing/2014/main" id="{FD82769E-3CDB-07BF-9A02-9A4686FF6587}"/>
+                      <a16:creationId xmlns:a16="http://schemas.microsoft.com/office/drawing/2014/main" id="{7798EED9-2F8E-2CA0-4855-5C0508C5362C}"/>
                     </a:ext>
                   </a:extLst>
                 </p:cNvPr>
-                <p:cNvPicPr>
-                  <a:picLocks noChangeAspect="1" noChangeArrowheads="1"/>
-                </p:cNvPicPr>
+                <p:cNvCxnSpPr/>
                 <p:nvPr/>
-              </p:nvPicPr>
-              <p:blipFill>
-                <a:blip r:embed="rId6" cstate="print">
-                  <a:extLst>
-                    <a:ext uri="{28A0092B-C50C-407E-A947-70E740481C1C}">
-                      <a14:useLocalDpi xmlns:a14="http://schemas.microsoft.com/office/drawing/2010/main" val="0"/>
-                    </a:ext>
-                  </a:extLst>
-                </a:blip>
-                <a:srcRect/>
-                <a:stretch>
-                  <a:fillRect/>
-                </a:stretch>
-              </p:blipFill>
-              <p:spPr bwMode="auto">
-                <a:xfrm flipH="1">
-                  <a:off x="7260350" y="363706"/>
-                  <a:ext cx="182880" cy="182880"/>
+              </p:nvCxnSpPr>
+              <p:spPr>
+                <a:xfrm flipV="1">
+                  <a:off x="4687215" y="1739180"/>
+                  <a:ext cx="91440" cy="91440"/>
                 </a:xfrm>
-                <a:prstGeom prst="rect">
+                <a:prstGeom prst="line">
                   <a:avLst/>
                 </a:prstGeom>
                 <a:grpFill/>
                 <a:ln/>
               </p:spPr>
               <p:style>
-                <a:lnRef idx="0">
-                  <a:schemeClr val="accent3"/>
+                <a:lnRef idx="2">
+                  <a:schemeClr val="accent3">
+                    <a:shade val="50000"/>
+                  </a:schemeClr>
                 </a:lnRef>
-                <a:fillRef idx="3">
+                <a:fillRef idx="1">
                   <a:schemeClr val="accent3"/>
                 </a:fillRef>
-                <a:effectRef idx="3">
+                <a:effectRef idx="0">
                   <a:schemeClr val="accent3"/>
                 </a:effectRef>
                 <a:fontRef idx="minor">
                   <a:schemeClr val="lt1"/>
                 </a:fontRef>
               </p:style>
-            </p:pic>
-            <p:pic>
-              <p:nvPicPr>
-                <p:cNvPr id="50" name="Refresh" descr="C:\Users\t-dantay\Documents\First24\arrowrepeat1.png">
+            </p:cxnSp>
+            <p:cxnSp>
+              <p:nvCxnSpPr>
+                <p:cNvPr id="54" name="Straight Connector 53">
                   <a:extLst>
                     <a:ext uri="{FF2B5EF4-FFF2-40B4-BE49-F238E27FC236}">
-                      <a16:creationId xmlns:a16="http://schemas.microsoft.com/office/drawing/2014/main" id="{430EDECB-06B4-7D1F-C284-A31DF1AD8F56}"/>
+                      <a16:creationId xmlns:a16="http://schemas.microsoft.com/office/drawing/2014/main" id="{C04AE3B0-0B4A-10F4-9102-FA7B8E6FF8C5}"/>
                     </a:ext>
                   </a:extLst>
                 </p:cNvPr>
-                <p:cNvPicPr>
-                  <a:picLocks noChangeAspect="1" noChangeArrowheads="1"/>
-                </p:cNvPicPr>
+                <p:cNvCxnSpPr/>
                 <p:nvPr/>
-              </p:nvPicPr>
-              <p:blipFill>
-                <a:blip r:embed="rId7" cstate="print">
-                  <a:extLst>
-                    <a:ext uri="{28A0092B-C50C-407E-A947-70E740481C1C}">
-                      <a14:useLocalDpi xmlns:a14="http://schemas.microsoft.com/office/drawing/2010/main" val="0"/>
-                    </a:ext>
-                  </a:extLst>
-                </a:blip>
-                <a:srcRect/>
-                <a:stretch>
-                  <a:fillRect/>
-                </a:stretch>
-              </p:blipFill>
-              <p:spPr bwMode="auto">
+              </p:nvCxnSpPr>
+              <p:spPr>
                 <a:xfrm>
-                  <a:off x="7644400" y="363706"/>
-                  <a:ext cx="182880" cy="182880"/>
+                  <a:off x="4687215" y="1739180"/>
+                  <a:ext cx="91440" cy="91440"/>
                 </a:xfrm>
-                <a:prstGeom prst="rect">
+                <a:prstGeom prst="line">
                   <a:avLst/>
                 </a:prstGeom>
                 <a:grpFill/>
                 <a:ln/>
               </p:spPr>
               <p:style>
-                <a:lnRef idx="0">
-                  <a:schemeClr val="accent3"/>
+                <a:lnRef idx="2">
+                  <a:schemeClr val="accent3">
+                    <a:shade val="50000"/>
+                  </a:schemeClr>
                 </a:lnRef>
-                <a:fillRef idx="3">
+                <a:fillRef idx="1">
                   <a:schemeClr val="accent3"/>
                 </a:fillRef>
-                <a:effectRef idx="3">
+                <a:effectRef idx="0">
                   <a:schemeClr val="accent3"/>
                 </a:effectRef>
                 <a:fontRef idx="minor">
                   <a:schemeClr val="lt1"/>
                 </a:fontRef>
               </p:style>
-            </p:pic>
-            <p:pic>
-              <p:nvPicPr>
-                <p:cNvPr id="51" name="Drop Down" descr="C:\Users\t-dantay\Documents\First24\arrowsimple1.png">
-                  <a:extLst>
-                    <a:ext uri="{FF2B5EF4-FFF2-40B4-BE49-F238E27FC236}">
-                      <a16:creationId xmlns:a16="http://schemas.microsoft.com/office/drawing/2014/main" id="{ADBDEF7C-A3CF-A387-36D4-F4731FCF067D}"/>
-                    </a:ext>
-                  </a:extLst>
-                </p:cNvPr>
-                <p:cNvPicPr>
-                  <a:picLocks noChangeAspect="1" noChangeArrowheads="1"/>
-                </p:cNvPicPr>
-                <p:nvPr/>
-              </p:nvPicPr>
-              <p:blipFill>
-                <a:blip r:embed="rId8" cstate="print">
-                  <a:extLst>
-                    <a:ext uri="{28A0092B-C50C-407E-A947-70E740481C1C}">
-                      <a14:useLocalDpi xmlns:a14="http://schemas.microsoft.com/office/drawing/2010/main" val="0"/>
-                    </a:ext>
-                  </a:extLst>
-                </a:blip>
-                <a:srcRect/>
-                <a:stretch>
-                  <a:fillRect/>
-                </a:stretch>
-              </p:blipFill>
-              <p:spPr bwMode="auto">
-                <a:xfrm rot="5400000">
-                  <a:off x="7476150" y="409426"/>
-                  <a:ext cx="91440" cy="91440"/>
-                </a:xfrm>
-                <a:prstGeom prst="rect">
-                  <a:avLst/>
-                </a:prstGeom>
-                <a:grpFill/>
-                <a:ln/>
-              </p:spPr>
-              <p:style>
-                <a:lnRef idx="0">
-                  <a:schemeClr val="accent3"/>
-                </a:lnRef>
-                <a:fillRef idx="3">
-                  <a:schemeClr val="accent3"/>
-                </a:fillRef>
-                <a:effectRef idx="3">
-                  <a:schemeClr val="accent3"/>
-                </a:effectRef>
-                <a:fontRef idx="minor">
-                  <a:schemeClr val="lt1"/>
-                </a:fontRef>
-              </p:style>
-            </p:pic>
-            <p:grpSp>
-              <p:nvGrpSpPr>
-                <p:cNvPr id="52" name="X">
-                  <a:extLst>
-                    <a:ext uri="{FF2B5EF4-FFF2-40B4-BE49-F238E27FC236}">
-                      <a16:creationId xmlns:a16="http://schemas.microsoft.com/office/drawing/2014/main" id="{CE2C1DF4-C371-5DB0-4170-9A638BB586C2}"/>
-                    </a:ext>
-                  </a:extLst>
-                </p:cNvPr>
-                <p:cNvGrpSpPr/>
-                <p:nvPr/>
-              </p:nvGrpSpPr>
-              <p:grpSpPr>
-                <a:xfrm>
-                  <a:off x="7913235" y="409426"/>
-                  <a:ext cx="91440" cy="91440"/>
-                  <a:chOff x="4687215" y="1739180"/>
-                  <a:chExt cx="91440" cy="91440"/>
-                </a:xfrm>
-                <a:grpFill/>
-              </p:grpSpPr>
-              <p:cxnSp>
-                <p:nvCxnSpPr>
-                  <p:cNvPr id="53" name="Straight Connector 52">
-                    <a:extLst>
-                      <a:ext uri="{FF2B5EF4-FFF2-40B4-BE49-F238E27FC236}">
-                        <a16:creationId xmlns:a16="http://schemas.microsoft.com/office/drawing/2014/main" id="{7798EED9-2F8E-2CA0-4855-5C0508C5362C}"/>
-                      </a:ext>
-                    </a:extLst>
-                  </p:cNvPr>
-                  <p:cNvCxnSpPr/>
-                  <p:nvPr/>
-                </p:nvCxnSpPr>
-                <p:spPr>
-                  <a:xfrm flipV="1">
-                    <a:off x="4687215" y="1739180"/>
-                    <a:ext cx="91440" cy="91440"/>
-                  </a:xfrm>
-                  <a:prstGeom prst="line">
-                    <a:avLst/>
-                  </a:prstGeom>
-                  <a:grpFill/>
-                  <a:ln/>
-                </p:spPr>
-                <p:style>
-                  <a:lnRef idx="2">
-                    <a:schemeClr val="accent3">
-                      <a:shade val="50000"/>
-                    </a:schemeClr>
-                  </a:lnRef>
-                  <a:fillRef idx="1">
-                    <a:schemeClr val="accent3"/>
-                  </a:fillRef>
-                  <a:effectRef idx="0">
-                    <a:schemeClr val="accent3"/>
-                  </a:effectRef>
-                  <a:fontRef idx="minor">
-                    <a:schemeClr val="lt1"/>
-                  </a:fontRef>
-                </p:style>
-              </p:cxnSp>
-              <p:cxnSp>
-                <p:nvCxnSpPr>
-                  <p:cNvPr id="54" name="Straight Connector 53">
-                    <a:extLst>
-                      <a:ext uri="{FF2B5EF4-FFF2-40B4-BE49-F238E27FC236}">
-                        <a16:creationId xmlns:a16="http://schemas.microsoft.com/office/drawing/2014/main" id="{C04AE3B0-0B4A-10F4-9102-FA7B8E6FF8C5}"/>
-                      </a:ext>
-                    </a:extLst>
-                  </p:cNvPr>
-                  <p:cNvCxnSpPr/>
-                  <p:nvPr/>
-                </p:nvCxnSpPr>
-                <p:spPr>
-                  <a:xfrm>
-                    <a:off x="4687215" y="1739180"/>
-                    <a:ext cx="91440" cy="91440"/>
-                  </a:xfrm>
-                  <a:prstGeom prst="line">
-                    <a:avLst/>
-                  </a:prstGeom>
-                  <a:grpFill/>
-                  <a:ln/>
-                </p:spPr>
-                <p:style>
-                  <a:lnRef idx="2">
-                    <a:schemeClr val="accent3">
-                      <a:shade val="50000"/>
-                    </a:schemeClr>
-                  </a:lnRef>
-                  <a:fillRef idx="1">
-                    <a:schemeClr val="accent3"/>
-                  </a:fillRef>
-                  <a:effectRef idx="0">
-                    <a:schemeClr val="accent3"/>
-                  </a:effectRef>
-                  <a:fontRef idx="minor">
-                    <a:schemeClr val="lt1"/>
-                  </a:fontRef>
-                </p:style>
-              </p:cxnSp>
-            </p:grpSp>
+            </p:cxnSp>
           </p:grpSp>
         </p:grpSp>
       </p:grpSp>
@@ -9727,6 +9652,61 @@
                 </a:schemeClr>
               </a:solidFill>
             </a:endParaRPr>
+          </a:p>
+        </p:txBody>
+      </p:sp>
+      <p:sp>
+        <p:nvSpPr>
+          <p:cNvPr id="67" name="UrlBar">
+            <a:extLst>
+              <a:ext uri="{FF2B5EF4-FFF2-40B4-BE49-F238E27FC236}">
+                <a16:creationId xmlns:a16="http://schemas.microsoft.com/office/drawing/2014/main" id="{114151A3-867D-C976-E2F9-08C8740AABB8}"/>
+              </a:ext>
+            </a:extLst>
+          </p:cNvPr>
+          <p:cNvSpPr/>
+          <p:nvPr/>
+        </p:nvSpPr>
+        <p:spPr>
+          <a:xfrm>
+            <a:off x="1221472" y="318505"/>
+            <a:ext cx="9532968" cy="228600"/>
+          </a:xfrm>
+          <a:prstGeom prst="rect">
+            <a:avLst/>
+          </a:prstGeom>
+          <a:solidFill>
+            <a:srgbClr val="671627"/>
+          </a:solidFill>
+          <a:ln/>
+        </p:spPr>
+        <p:style>
+          <a:lnRef idx="0">
+            <a:schemeClr val="accent3"/>
+          </a:lnRef>
+          <a:fillRef idx="3">
+            <a:schemeClr val="accent3"/>
+          </a:fillRef>
+          <a:effectRef idx="3">
+            <a:schemeClr val="accent3"/>
+          </a:effectRef>
+          <a:fontRef idx="minor">
+            <a:schemeClr val="lt1"/>
+          </a:fontRef>
+        </p:style>
+        <p:txBody>
+          <a:bodyPr rtlCol="0" anchor="ctr"/>
+          <a:lstStyle/>
+          <a:p>
+            <a:r>
+              <a:rPr lang="en-US" sz="1200" kern="0" dirty="0">
+                <a:solidFill>
+                  <a:schemeClr val="bg1"/>
+                </a:solidFill>
+                <a:latin typeface="Segoe UI"/>
+              </a:rPr>
+              <a:t>http://www.gd-opticalclinic.com/login</a:t>
+            </a:r>
           </a:p>
         </p:txBody>
       </p:sp>
@@ -10649,10 +10629,10 @@
         </p:grpSp>
         <p:grpSp>
           <p:nvGrpSpPr>
-            <p:cNvPr id="46" name="Group 45">
+            <p:cNvPr id="48" name="Group 47">
               <a:extLst>
                 <a:ext uri="{FF2B5EF4-FFF2-40B4-BE49-F238E27FC236}">
-                  <a16:creationId xmlns:a16="http://schemas.microsoft.com/office/drawing/2014/main" id="{8BC08941-FF7F-2C86-DCD4-F18136448069}"/>
+                  <a16:creationId xmlns:a16="http://schemas.microsoft.com/office/drawing/2014/main" id="{E0FF4317-84AC-0D61-01DB-EF34804C2811}"/>
                 </a:ext>
               </a:extLst>
             </p:cNvPr>
@@ -10661,29 +10641,44 @@
           </p:nvGrpSpPr>
           <p:grpSpPr>
             <a:xfrm>
-              <a:off x="923925" y="340846"/>
-              <a:ext cx="7142930" cy="228600"/>
-              <a:chOff x="923925" y="340846"/>
-              <a:chExt cx="7142930" cy="228600"/>
+              <a:off x="7260350" y="363706"/>
+              <a:ext cx="744325" cy="182880"/>
+              <a:chOff x="7260350" y="363706"/>
+              <a:chExt cx="744325" cy="182880"/>
             </a:xfrm>
             <a:grpFill/>
           </p:grpSpPr>
-          <p:sp>
-            <p:nvSpPr>
-              <p:cNvPr id="47" name="UrlBar">
+          <p:pic>
+            <p:nvPicPr>
+              <p:cNvPr id="49" name="Search" descr="C:\Users\t-dantay\Documents\Placeholders\search.png">
                 <a:extLst>
                   <a:ext uri="{FF2B5EF4-FFF2-40B4-BE49-F238E27FC236}">
-                    <a16:creationId xmlns:a16="http://schemas.microsoft.com/office/drawing/2014/main" id="{DFA4182D-DE04-583E-C15F-D4AF238DB634}"/>
+                    <a16:creationId xmlns:a16="http://schemas.microsoft.com/office/drawing/2014/main" id="{FD82769E-3CDB-07BF-9A02-9A4686FF6587}"/>
                   </a:ext>
                 </a:extLst>
               </p:cNvPr>
-              <p:cNvSpPr/>
+              <p:cNvPicPr>
+                <a:picLocks noChangeAspect="1" noChangeArrowheads="1"/>
+              </p:cNvPicPr>
               <p:nvPr/>
-            </p:nvSpPr>
-            <p:spPr>
-              <a:xfrm>
-                <a:off x="923925" y="340846"/>
-                <a:ext cx="7142930" cy="228600"/>
+            </p:nvPicPr>
+            <p:blipFill>
+              <a:blip r:embed="rId6" cstate="print">
+                <a:extLst>
+                  <a:ext uri="{28A0092B-C50C-407E-A947-70E740481C1C}">
+                    <a14:useLocalDpi xmlns:a14="http://schemas.microsoft.com/office/drawing/2010/main" val="0"/>
+                  </a:ext>
+                </a:extLst>
+              </a:blip>
+              <a:srcRect/>
+              <a:stretch>
+                <a:fillRect/>
+              </a:stretch>
+            </p:blipFill>
+            <p:spPr bwMode="auto">
+              <a:xfrm flipH="1">
+                <a:off x="7260350" y="363706"/>
+                <a:ext cx="182880" cy="182880"/>
               </a:xfrm>
               <a:prstGeom prst="rect">
                 <a:avLst/>
@@ -10705,28 +10700,119 @@
                 <a:schemeClr val="lt1"/>
               </a:fontRef>
             </p:style>
-            <p:txBody>
-              <a:bodyPr rtlCol="0" anchor="ctr"/>
-              <a:lstStyle/>
-              <a:p>
-                <a:r>
-                  <a:rPr lang="en-US" sz="1200" kern="0" dirty="0">
-                    <a:solidFill>
-                      <a:schemeClr val="bg1"/>
-                    </a:solidFill>
-                    <a:latin typeface="Segoe UI"/>
-                  </a:rPr>
-                  <a:t>http://www.gd-opticalclinic-login.com</a:t>
-                </a:r>
-              </a:p>
-            </p:txBody>
-          </p:sp>
+          </p:pic>
+          <p:pic>
+            <p:nvPicPr>
+              <p:cNvPr id="50" name="Refresh" descr="C:\Users\t-dantay\Documents\First24\arrowrepeat1.png">
+                <a:extLst>
+                  <a:ext uri="{FF2B5EF4-FFF2-40B4-BE49-F238E27FC236}">
+                    <a16:creationId xmlns:a16="http://schemas.microsoft.com/office/drawing/2014/main" id="{430EDECB-06B4-7D1F-C284-A31DF1AD8F56}"/>
+                  </a:ext>
+                </a:extLst>
+              </p:cNvPr>
+              <p:cNvPicPr>
+                <a:picLocks noChangeAspect="1" noChangeArrowheads="1"/>
+              </p:cNvPicPr>
+              <p:nvPr/>
+            </p:nvPicPr>
+            <p:blipFill>
+              <a:blip r:embed="rId7" cstate="print">
+                <a:extLst>
+                  <a:ext uri="{28A0092B-C50C-407E-A947-70E740481C1C}">
+                    <a14:useLocalDpi xmlns:a14="http://schemas.microsoft.com/office/drawing/2010/main" val="0"/>
+                  </a:ext>
+                </a:extLst>
+              </a:blip>
+              <a:srcRect/>
+              <a:stretch>
+                <a:fillRect/>
+              </a:stretch>
+            </p:blipFill>
+            <p:spPr bwMode="auto">
+              <a:xfrm>
+                <a:off x="7644400" y="363706"/>
+                <a:ext cx="182880" cy="182880"/>
+              </a:xfrm>
+              <a:prstGeom prst="rect">
+                <a:avLst/>
+              </a:prstGeom>
+              <a:grpFill/>
+              <a:ln/>
+            </p:spPr>
+            <p:style>
+              <a:lnRef idx="0">
+                <a:schemeClr val="accent3"/>
+              </a:lnRef>
+              <a:fillRef idx="3">
+                <a:schemeClr val="accent3"/>
+              </a:fillRef>
+              <a:effectRef idx="3">
+                <a:schemeClr val="accent3"/>
+              </a:effectRef>
+              <a:fontRef idx="minor">
+                <a:schemeClr val="lt1"/>
+              </a:fontRef>
+            </p:style>
+          </p:pic>
+          <p:pic>
+            <p:nvPicPr>
+              <p:cNvPr id="51" name="Drop Down" descr="C:\Users\t-dantay\Documents\First24\arrowsimple1.png">
+                <a:extLst>
+                  <a:ext uri="{FF2B5EF4-FFF2-40B4-BE49-F238E27FC236}">
+                    <a16:creationId xmlns:a16="http://schemas.microsoft.com/office/drawing/2014/main" id="{ADBDEF7C-A3CF-A387-36D4-F4731FCF067D}"/>
+                  </a:ext>
+                </a:extLst>
+              </p:cNvPr>
+              <p:cNvPicPr>
+                <a:picLocks noChangeAspect="1" noChangeArrowheads="1"/>
+              </p:cNvPicPr>
+              <p:nvPr/>
+            </p:nvPicPr>
+            <p:blipFill>
+              <a:blip r:embed="rId8" cstate="print">
+                <a:extLst>
+                  <a:ext uri="{28A0092B-C50C-407E-A947-70E740481C1C}">
+                    <a14:useLocalDpi xmlns:a14="http://schemas.microsoft.com/office/drawing/2010/main" val="0"/>
+                  </a:ext>
+                </a:extLst>
+              </a:blip>
+              <a:srcRect/>
+              <a:stretch>
+                <a:fillRect/>
+              </a:stretch>
+            </p:blipFill>
+            <p:spPr bwMode="auto">
+              <a:xfrm rot="5400000">
+                <a:off x="7476150" y="409426"/>
+                <a:ext cx="91440" cy="91440"/>
+              </a:xfrm>
+              <a:prstGeom prst="rect">
+                <a:avLst/>
+              </a:prstGeom>
+              <a:grpFill/>
+              <a:ln/>
+            </p:spPr>
+            <p:style>
+              <a:lnRef idx="0">
+                <a:schemeClr val="accent3"/>
+              </a:lnRef>
+              <a:fillRef idx="3">
+                <a:schemeClr val="accent3"/>
+              </a:fillRef>
+              <a:effectRef idx="3">
+                <a:schemeClr val="accent3"/>
+              </a:effectRef>
+              <a:fontRef idx="minor">
+                <a:schemeClr val="lt1"/>
+              </a:fontRef>
+            </p:style>
+          </p:pic>
           <p:grpSp>
             <p:nvGrpSpPr>
-              <p:cNvPr id="48" name="Group 47">
+              <p:cNvPr id="52" name="X">
                 <a:extLst>
                   <a:ext uri="{FF2B5EF4-FFF2-40B4-BE49-F238E27FC236}">
-                    <a16:creationId xmlns:a16="http://schemas.microsoft.com/office/drawing/2014/main" id="{E0FF4317-84AC-0D61-01DB-EF34804C2811}"/>
+                    <a16:creationId xmlns:a16="http://schemas.microsoft.com/office/drawing/2014/main" id="{CE2C1DF4-C371-5DB0-4170-9A638BB586C2}"/>
                   </a:ext>
                 </a:extLst>
               </p:cNvPr>
@@ -10735,274 +10821,93 @@
             </p:nvGrpSpPr>
             <p:grpSpPr>
               <a:xfrm>
-                <a:off x="7260350" y="363706"/>
-                <a:ext cx="744325" cy="182880"/>
-                <a:chOff x="7260350" y="363706"/>
-                <a:chExt cx="744325" cy="182880"/>
+                <a:off x="7913235" y="409426"/>
+                <a:ext cx="91440" cy="91440"/>
+                <a:chOff x="4687215" y="1739180"/>
+                <a:chExt cx="91440" cy="91440"/>
               </a:xfrm>
               <a:grpFill/>
             </p:grpSpPr>
-            <p:pic>
-              <p:nvPicPr>
-                <p:cNvPr id="49" name="Search" descr="C:\Users\t-dantay\Documents\Placeholders\search.png">
+            <p:cxnSp>
+              <p:nvCxnSpPr>
+                <p:cNvPr id="53" name="Straight Connector 52">
                   <a:extLst>
                     <a:ext uri="{FF2B5EF4-FFF2-40B4-BE49-F238E27FC236}">
-                      <a16:creationId xmlns:a16="http://schemas.microsoft.com/office/drawing/2014/main" id="{FD82769E-3CDB-07BF-9A02-9A4686FF6587}"/>
+                      <a16:creationId xmlns:a16="http://schemas.microsoft.com/office/drawing/2014/main" id="{7798EED9-2F8E-2CA0-4855-5C0508C5362C}"/>
                     </a:ext>
                   </a:extLst>
                 </p:cNvPr>
-                <p:cNvPicPr>
-                  <a:picLocks noChangeAspect="1" noChangeArrowheads="1"/>
-                </p:cNvPicPr>
+                <p:cNvCxnSpPr/>
                 <p:nvPr/>
-              </p:nvPicPr>
-              <p:blipFill>
-                <a:blip r:embed="rId6" cstate="print">
-                  <a:extLst>
-                    <a:ext uri="{28A0092B-C50C-407E-A947-70E740481C1C}">
-                      <a14:useLocalDpi xmlns:a14="http://schemas.microsoft.com/office/drawing/2010/main" val="0"/>
-                    </a:ext>
-                  </a:extLst>
-                </a:blip>
-                <a:srcRect/>
-                <a:stretch>
-                  <a:fillRect/>
-                </a:stretch>
-              </p:blipFill>
-              <p:spPr bwMode="auto">
-                <a:xfrm flipH="1">
-                  <a:off x="7260350" y="363706"/>
-                  <a:ext cx="182880" cy="182880"/>
+              </p:nvCxnSpPr>
+              <p:spPr>
+                <a:xfrm flipV="1">
+                  <a:off x="4687215" y="1739180"/>
+                  <a:ext cx="91440" cy="91440"/>
                 </a:xfrm>
-                <a:prstGeom prst="rect">
+                <a:prstGeom prst="line">
                   <a:avLst/>
                 </a:prstGeom>
                 <a:grpFill/>
                 <a:ln/>
               </p:spPr>
               <p:style>
-                <a:lnRef idx="0">
-                  <a:schemeClr val="accent3"/>
+                <a:lnRef idx="2">
+                  <a:schemeClr val="accent3">
+                    <a:shade val="50000"/>
+                  </a:schemeClr>
                 </a:lnRef>
-                <a:fillRef idx="3">
+                <a:fillRef idx="1">
                   <a:schemeClr val="accent3"/>
                 </a:fillRef>
-                <a:effectRef idx="3">
+                <a:effectRef idx="0">
                   <a:schemeClr val="accent3"/>
                 </a:effectRef>
                 <a:fontRef idx="minor">
                   <a:schemeClr val="lt1"/>
                 </a:fontRef>
               </p:style>
-            </p:pic>
-            <p:pic>
-              <p:nvPicPr>
-                <p:cNvPr id="50" name="Refresh" descr="C:\Users\t-dantay\Documents\First24\arrowrepeat1.png">
+            </p:cxnSp>
+            <p:cxnSp>
+              <p:nvCxnSpPr>
+                <p:cNvPr id="54" name="Straight Connector 53">
                   <a:extLst>
                     <a:ext uri="{FF2B5EF4-FFF2-40B4-BE49-F238E27FC236}">
-                      <a16:creationId xmlns:a16="http://schemas.microsoft.com/office/drawing/2014/main" id="{430EDECB-06B4-7D1F-C284-A31DF1AD8F56}"/>
+                      <a16:creationId xmlns:a16="http://schemas.microsoft.com/office/drawing/2014/main" id="{C04AE3B0-0B4A-10F4-9102-FA7B8E6FF8C5}"/>
                     </a:ext>
                   </a:extLst>
                 </p:cNvPr>
-                <p:cNvPicPr>
-                  <a:picLocks noChangeAspect="1" noChangeArrowheads="1"/>
-                </p:cNvPicPr>
+                <p:cNvCxnSpPr/>
                 <p:nvPr/>
-              </p:nvPicPr>
-              <p:blipFill>
-                <a:blip r:embed="rId7" cstate="print">
-                  <a:extLst>
-                    <a:ext uri="{28A0092B-C50C-407E-A947-70E740481C1C}">
-                      <a14:useLocalDpi xmlns:a14="http://schemas.microsoft.com/office/drawing/2010/main" val="0"/>
-                    </a:ext>
-                  </a:extLst>
-                </a:blip>
-                <a:srcRect/>
-                <a:stretch>
-                  <a:fillRect/>
-                </a:stretch>
-              </p:blipFill>
-              <p:spPr bwMode="auto">
+              </p:nvCxnSpPr>
+              <p:spPr>
                 <a:xfrm>
-                  <a:off x="7644400" y="363706"/>
-                  <a:ext cx="182880" cy="182880"/>
+                  <a:off x="4687215" y="1739180"/>
+                  <a:ext cx="91440" cy="91440"/>
                 </a:xfrm>
-                <a:prstGeom prst="rect">
+                <a:prstGeom prst="line">
                   <a:avLst/>
                 </a:prstGeom>
                 <a:grpFill/>
                 <a:ln/>
               </p:spPr>
               <p:style>
-                <a:lnRef idx="0">
-                  <a:schemeClr val="accent3"/>
+                <a:lnRef idx="2">
+                  <a:schemeClr val="accent3">
+                    <a:shade val="50000"/>
+                  </a:schemeClr>
                 </a:lnRef>
-                <a:fillRef idx="3">
+                <a:fillRef idx="1">
                   <a:schemeClr val="accent3"/>
                 </a:fillRef>
-                <a:effectRef idx="3">
+                <a:effectRef idx="0">
                   <a:schemeClr val="accent3"/>
                 </a:effectRef>
                 <a:fontRef idx="minor">
                   <a:schemeClr val="lt1"/>
                 </a:fontRef>
               </p:style>
-            </p:pic>
-            <p:pic>
-              <p:nvPicPr>
-                <p:cNvPr id="51" name="Drop Down" descr="C:\Users\t-dantay\Documents\First24\arrowsimple1.png">
-                  <a:extLst>
-                    <a:ext uri="{FF2B5EF4-FFF2-40B4-BE49-F238E27FC236}">
-                      <a16:creationId xmlns:a16="http://schemas.microsoft.com/office/drawing/2014/main" id="{ADBDEF7C-A3CF-A387-36D4-F4731FCF067D}"/>
-                    </a:ext>
-                  </a:extLst>
-                </p:cNvPr>
-                <p:cNvPicPr>
-                  <a:picLocks noChangeAspect="1" noChangeArrowheads="1"/>
-                </p:cNvPicPr>
-                <p:nvPr/>
-              </p:nvPicPr>
-              <p:blipFill>
-                <a:blip r:embed="rId8" cstate="print">
-                  <a:extLst>
-                    <a:ext uri="{28A0092B-C50C-407E-A947-70E740481C1C}">
-                      <a14:useLocalDpi xmlns:a14="http://schemas.microsoft.com/office/drawing/2010/main" val="0"/>
-                    </a:ext>
-                  </a:extLst>
-                </a:blip>
-                <a:srcRect/>
-                <a:stretch>
-                  <a:fillRect/>
-                </a:stretch>
-              </p:blipFill>
-              <p:spPr bwMode="auto">
-                <a:xfrm rot="5400000">
-                  <a:off x="7476150" y="409426"/>
-                  <a:ext cx="91440" cy="91440"/>
-                </a:xfrm>
-                <a:prstGeom prst="rect">
-                  <a:avLst/>
-                </a:prstGeom>
-                <a:grpFill/>
-                <a:ln/>
-              </p:spPr>
-              <p:style>
-                <a:lnRef idx="0">
-                  <a:schemeClr val="accent3"/>
-                </a:lnRef>
-                <a:fillRef idx="3">
-                  <a:schemeClr val="accent3"/>
-                </a:fillRef>
-                <a:effectRef idx="3">
-                  <a:schemeClr val="accent3"/>
-                </a:effectRef>
-                <a:fontRef idx="minor">
-                  <a:schemeClr val="lt1"/>
-                </a:fontRef>
-              </p:style>
-            </p:pic>
-            <p:grpSp>
-              <p:nvGrpSpPr>
-                <p:cNvPr id="52" name="X">
-                  <a:extLst>
-                    <a:ext uri="{FF2B5EF4-FFF2-40B4-BE49-F238E27FC236}">
-                      <a16:creationId xmlns:a16="http://schemas.microsoft.com/office/drawing/2014/main" id="{CE2C1DF4-C371-5DB0-4170-9A638BB586C2}"/>
-                    </a:ext>
-                  </a:extLst>
-                </p:cNvPr>
-                <p:cNvGrpSpPr/>
-                <p:nvPr/>
-              </p:nvGrpSpPr>
-              <p:grpSpPr>
-                <a:xfrm>
-                  <a:off x="7913235" y="409426"/>
-                  <a:ext cx="91440" cy="91440"/>
-                  <a:chOff x="4687215" y="1739180"/>
-                  <a:chExt cx="91440" cy="91440"/>
-                </a:xfrm>
-                <a:grpFill/>
-              </p:grpSpPr>
-              <p:cxnSp>
-                <p:nvCxnSpPr>
-                  <p:cNvPr id="53" name="Straight Connector 52">
-                    <a:extLst>
-                      <a:ext uri="{FF2B5EF4-FFF2-40B4-BE49-F238E27FC236}">
-                        <a16:creationId xmlns:a16="http://schemas.microsoft.com/office/drawing/2014/main" id="{7798EED9-2F8E-2CA0-4855-5C0508C5362C}"/>
-                      </a:ext>
-                    </a:extLst>
-                  </p:cNvPr>
-                  <p:cNvCxnSpPr/>
-                  <p:nvPr/>
-                </p:nvCxnSpPr>
-                <p:spPr>
-                  <a:xfrm flipV="1">
-                    <a:off x="4687215" y="1739180"/>
-                    <a:ext cx="91440" cy="91440"/>
-                  </a:xfrm>
-                  <a:prstGeom prst="line">
-                    <a:avLst/>
-                  </a:prstGeom>
-                  <a:grpFill/>
-                  <a:ln/>
-                </p:spPr>
-                <p:style>
-                  <a:lnRef idx="2">
-                    <a:schemeClr val="accent3">
-                      <a:shade val="50000"/>
-                    </a:schemeClr>
-                  </a:lnRef>
-                  <a:fillRef idx="1">
-                    <a:schemeClr val="accent3"/>
-                  </a:fillRef>
-                  <a:effectRef idx="0">
-                    <a:schemeClr val="accent3"/>
-                  </a:effectRef>
-                  <a:fontRef idx="minor">
-                    <a:schemeClr val="lt1"/>
-                  </a:fontRef>
-                </p:style>
-              </p:cxnSp>
-              <p:cxnSp>
-                <p:nvCxnSpPr>
-                  <p:cNvPr id="54" name="Straight Connector 53">
-                    <a:extLst>
-                      <a:ext uri="{FF2B5EF4-FFF2-40B4-BE49-F238E27FC236}">
-                        <a16:creationId xmlns:a16="http://schemas.microsoft.com/office/drawing/2014/main" id="{C04AE3B0-0B4A-10F4-9102-FA7B8E6FF8C5}"/>
-                      </a:ext>
-                    </a:extLst>
-                  </p:cNvPr>
-                  <p:cNvCxnSpPr/>
-                  <p:nvPr/>
-                </p:nvCxnSpPr>
-                <p:spPr>
-                  <a:xfrm>
-                    <a:off x="4687215" y="1739180"/>
-                    <a:ext cx="91440" cy="91440"/>
-                  </a:xfrm>
-                  <a:prstGeom prst="line">
-                    <a:avLst/>
-                  </a:prstGeom>
-                  <a:grpFill/>
-                  <a:ln/>
-                </p:spPr>
-                <p:style>
-                  <a:lnRef idx="2">
-                    <a:schemeClr val="accent3">
-                      <a:shade val="50000"/>
-                    </a:schemeClr>
-                  </a:lnRef>
-                  <a:fillRef idx="1">
-                    <a:schemeClr val="accent3"/>
-                  </a:fillRef>
-                  <a:effectRef idx="0">
-                    <a:schemeClr val="accent3"/>
-                  </a:effectRef>
-                  <a:fontRef idx="minor">
-                    <a:schemeClr val="lt1"/>
-                  </a:fontRef>
-                </p:style>
-              </p:cxnSp>
-            </p:grpSp>
+            </p:cxnSp>
           </p:grpSp>
         </p:grpSp>
       </p:grpSp>
@@ -12314,6 +12219,61 @@
           </a:prstGeom>
         </p:spPr>
       </p:pic>
+      <p:sp>
+        <p:nvSpPr>
+          <p:cNvPr id="72" name="UrlBar">
+            <a:extLst>
+              <a:ext uri="{FF2B5EF4-FFF2-40B4-BE49-F238E27FC236}">
+                <a16:creationId xmlns:a16="http://schemas.microsoft.com/office/drawing/2014/main" id="{65F3AC42-F21E-3F8B-4D4D-940B9D6A429B}"/>
+              </a:ext>
+            </a:extLst>
+          </p:cNvPr>
+          <p:cNvSpPr/>
+          <p:nvPr/>
+        </p:nvSpPr>
+        <p:spPr>
+          <a:xfrm>
+            <a:off x="1221472" y="318505"/>
+            <a:ext cx="9532968" cy="228600"/>
+          </a:xfrm>
+          <a:prstGeom prst="rect">
+            <a:avLst/>
+          </a:prstGeom>
+          <a:solidFill>
+            <a:srgbClr val="671627"/>
+          </a:solidFill>
+          <a:ln/>
+        </p:spPr>
+        <p:style>
+          <a:lnRef idx="0">
+            <a:schemeClr val="accent3"/>
+          </a:lnRef>
+          <a:fillRef idx="3">
+            <a:schemeClr val="accent3"/>
+          </a:fillRef>
+          <a:effectRef idx="3">
+            <a:schemeClr val="accent3"/>
+          </a:effectRef>
+          <a:fontRef idx="minor">
+            <a:schemeClr val="lt1"/>
+          </a:fontRef>
+        </p:style>
+        <p:txBody>
+          <a:bodyPr rtlCol="0" anchor="ctr"/>
+          <a:lstStyle/>
+          <a:p>
+            <a:r>
+              <a:rPr lang="en-US" sz="1200" kern="0" dirty="0">
+                <a:solidFill>
+                  <a:schemeClr val="bg1"/>
+                </a:solidFill>
+                <a:latin typeface="Segoe UI"/>
+              </a:rPr>
+              <a:t>http://www.gd-opticalclinic.com/login</a:t>
+            </a:r>
+          </a:p>
+        </p:txBody>
+      </p:sp>
     </p:spTree>
     <p:extLst>
       <p:ext uri="{BB962C8B-B14F-4D97-AF65-F5344CB8AC3E}">

--- a/StoryboardingSECRETARY.pptx
+++ b/StoryboardingSECRETARY.pptx
@@ -2,19 +2,20 @@
 <file path=ppt/presentation.xml><?xml version="1.0" encoding="utf-8"?>
 <p:presentation xmlns:a="http://schemas.openxmlformats.org/drawingml/2006/main" xmlns:r="http://schemas.openxmlformats.org/officeDocument/2006/relationships" xmlns:p="http://schemas.openxmlformats.org/presentationml/2006/main" saveSubsetFonts="1">
   <p:sldMasterIdLst>
-    <p:sldMasterId id="2147483648" r:id="rId13"/>
+    <p:sldMasterId id="2147483648" r:id="rId14"/>
   </p:sldMasterIdLst>
   <p:sldIdLst>
-    <p:sldId id="256" r:id="rId14"/>
-    <p:sldId id="257" r:id="rId15"/>
-    <p:sldId id="259" r:id="rId16"/>
-    <p:sldId id="258" r:id="rId17"/>
-    <p:sldId id="260" r:id="rId18"/>
-    <p:sldId id="261" r:id="rId19"/>
-    <p:sldId id="263" r:id="rId20"/>
-    <p:sldId id="264" r:id="rId21"/>
-    <p:sldId id="262" r:id="rId22"/>
-    <p:sldId id="265" r:id="rId23"/>
+    <p:sldId id="256" r:id="rId15"/>
+    <p:sldId id="257" r:id="rId16"/>
+    <p:sldId id="259" r:id="rId17"/>
+    <p:sldId id="258" r:id="rId18"/>
+    <p:sldId id="260" r:id="rId19"/>
+    <p:sldId id="261" r:id="rId20"/>
+    <p:sldId id="263" r:id="rId21"/>
+    <p:sldId id="264" r:id="rId22"/>
+    <p:sldId id="262" r:id="rId23"/>
+    <p:sldId id="265" r:id="rId24"/>
+    <p:sldId id="266" r:id="rId25"/>
   </p:sldIdLst>
   <p:sldSz cx="12192000" cy="6858000"/>
   <p:notesSz cx="6858000" cy="9144000"/>
@@ -270,7 +271,7 @@
           <a:p>
             <a:fld id="{B695FD90-D5EB-424F-884C-E5E940F314D9}" type="datetimeFigureOut">
               <a:rPr lang="en-PH" smtClean="0"/>
-              <a:t>7 Mar 2024</a:t>
+              <a:t>13 Mar 2024</a:t>
             </a:fld>
             <a:endParaRPr lang="en-PH"/>
           </a:p>
@@ -470,7 +471,7 @@
           <a:p>
             <a:fld id="{B695FD90-D5EB-424F-884C-E5E940F314D9}" type="datetimeFigureOut">
               <a:rPr lang="en-PH" smtClean="0"/>
-              <a:t>7 Mar 2024</a:t>
+              <a:t>13 Mar 2024</a:t>
             </a:fld>
             <a:endParaRPr lang="en-PH"/>
           </a:p>
@@ -680,7 +681,7 @@
           <a:p>
             <a:fld id="{B695FD90-D5EB-424F-884C-E5E940F314D9}" type="datetimeFigureOut">
               <a:rPr lang="en-PH" smtClean="0"/>
-              <a:t>7 Mar 2024</a:t>
+              <a:t>13 Mar 2024</a:t>
             </a:fld>
             <a:endParaRPr lang="en-PH"/>
           </a:p>
@@ -880,7 +881,7 @@
           <a:p>
             <a:fld id="{B695FD90-D5EB-424F-884C-E5E940F314D9}" type="datetimeFigureOut">
               <a:rPr lang="en-PH" smtClean="0"/>
-              <a:t>7 Mar 2024</a:t>
+              <a:t>13 Mar 2024</a:t>
             </a:fld>
             <a:endParaRPr lang="en-PH"/>
           </a:p>
@@ -1156,7 +1157,7 @@
           <a:p>
             <a:fld id="{B695FD90-D5EB-424F-884C-E5E940F314D9}" type="datetimeFigureOut">
               <a:rPr lang="en-PH" smtClean="0"/>
-              <a:t>7 Mar 2024</a:t>
+              <a:t>13 Mar 2024</a:t>
             </a:fld>
             <a:endParaRPr lang="en-PH"/>
           </a:p>
@@ -1424,7 +1425,7 @@
           <a:p>
             <a:fld id="{B695FD90-D5EB-424F-884C-E5E940F314D9}" type="datetimeFigureOut">
               <a:rPr lang="en-PH" smtClean="0"/>
-              <a:t>7 Mar 2024</a:t>
+              <a:t>13 Mar 2024</a:t>
             </a:fld>
             <a:endParaRPr lang="en-PH"/>
           </a:p>
@@ -1839,7 +1840,7 @@
           <a:p>
             <a:fld id="{B695FD90-D5EB-424F-884C-E5E940F314D9}" type="datetimeFigureOut">
               <a:rPr lang="en-PH" smtClean="0"/>
-              <a:t>7 Mar 2024</a:t>
+              <a:t>13 Mar 2024</a:t>
             </a:fld>
             <a:endParaRPr lang="en-PH"/>
           </a:p>
@@ -1981,7 +1982,7 @@
           <a:p>
             <a:fld id="{B695FD90-D5EB-424F-884C-E5E940F314D9}" type="datetimeFigureOut">
               <a:rPr lang="en-PH" smtClean="0"/>
-              <a:t>7 Mar 2024</a:t>
+              <a:t>13 Mar 2024</a:t>
             </a:fld>
             <a:endParaRPr lang="en-PH"/>
           </a:p>
@@ -2094,7 +2095,7 @@
           <a:p>
             <a:fld id="{B695FD90-D5EB-424F-884C-E5E940F314D9}" type="datetimeFigureOut">
               <a:rPr lang="en-PH" smtClean="0"/>
-              <a:t>7 Mar 2024</a:t>
+              <a:t>13 Mar 2024</a:t>
             </a:fld>
             <a:endParaRPr lang="en-PH"/>
           </a:p>
@@ -2407,7 +2408,7 @@
           <a:p>
             <a:fld id="{B695FD90-D5EB-424F-884C-E5E940F314D9}" type="datetimeFigureOut">
               <a:rPr lang="en-PH" smtClean="0"/>
-              <a:t>7 Mar 2024</a:t>
+              <a:t>13 Mar 2024</a:t>
             </a:fld>
             <a:endParaRPr lang="en-PH"/>
           </a:p>
@@ -2696,7 +2697,7 @@
           <a:p>
             <a:fld id="{B695FD90-D5EB-424F-884C-E5E940F314D9}" type="datetimeFigureOut">
               <a:rPr lang="en-PH" smtClean="0"/>
-              <a:t>7 Mar 2024</a:t>
+              <a:t>13 Mar 2024</a:t>
             </a:fld>
             <a:endParaRPr lang="en-PH"/>
           </a:p>
@@ -2939,7 +2940,7 @@
           <a:p>
             <a:fld id="{B695FD90-D5EB-424F-884C-E5E940F314D9}" type="datetimeFigureOut">
               <a:rPr lang="en-PH" smtClean="0"/>
-              <a:t>7 Mar 2024</a:t>
+              <a:t>13 Mar 2024</a:t>
             </a:fld>
             <a:endParaRPr lang="en-PH"/>
           </a:p>
@@ -6073,7 +6074,18 @@
                     </a:solidFill>
                     <a:latin typeface="Segoe UI"/>
                   </a:rPr>
-                  <a:t>http://www.gd-opticalclinic.com/homepage</a:t>
+                  <a:t>http://www.gd-opticalclinic.com/</a:t>
+                </a:r>
+                <a:r>
+                  <a:rPr lang="en-US" sz="1200" kern="0" dirty="0">
+                    <a:solidFill>
+                      <a:schemeClr val="bg1">
+                        <a:lumMod val="75000"/>
+                      </a:schemeClr>
+                    </a:solidFill>
+                    <a:latin typeface="Segoe UI"/>
+                  </a:rPr>
+                  <a:t>homepage</a:t>
                 </a:r>
               </a:p>
             </p:txBody>
@@ -6749,10 +6761,10 @@
       </p:sp>
       <p:pic>
         <p:nvPicPr>
-          <p:cNvPr id="4" name="Graphic 3" descr="Ringer">
-            <a:extLst>
-              <a:ext uri="{FF2B5EF4-FFF2-40B4-BE49-F238E27FC236}">
-                <a16:creationId xmlns:a16="http://schemas.microsoft.com/office/drawing/2014/main" id="{4AB95472-982F-6184-5023-D128D0344C02}"/>
+          <p:cNvPr id="6" name="Picture 5">
+            <a:extLst>
+              <a:ext uri="{FF2B5EF4-FFF2-40B4-BE49-F238E27FC236}">
+                <a16:creationId xmlns:a16="http://schemas.microsoft.com/office/drawing/2014/main" id="{50CEB0FB-36C3-F649-A150-BBEEC2510E52}"/>
               </a:ext>
             </a:extLst>
           </p:cNvPr>
@@ -6763,45 +6775,6 @@
         </p:nvPicPr>
         <p:blipFill>
           <a:blip r:embed="rId13">
-            <a:extLst>
-              <a:ext uri="{28A0092B-C50C-407E-A947-70E740481C1C}">
-                <a14:useLocalDpi xmlns:a14="http://schemas.microsoft.com/office/drawing/2010/main" val="0"/>
-              </a:ext>
-              <a:ext uri="{96DAC541-7B7A-43D3-8B79-37D633B846F1}">
-                <asvg:svgBlip xmlns:asvg="http://schemas.microsoft.com/office/drawing/2016/SVG/main" r:embed="rId14"/>
-              </a:ext>
-            </a:extLst>
-          </a:blip>
-          <a:stretch>
-            <a:fillRect/>
-          </a:stretch>
-        </p:blipFill>
-        <p:spPr>
-          <a:xfrm>
-            <a:off x="10626136" y="779287"/>
-            <a:ext cx="309288" cy="309288"/>
-          </a:xfrm>
-          <a:prstGeom prst="rect">
-            <a:avLst/>
-          </a:prstGeom>
-        </p:spPr>
-      </p:pic>
-      <p:pic>
-        <p:nvPicPr>
-          <p:cNvPr id="6" name="Picture 5">
-            <a:extLst>
-              <a:ext uri="{FF2B5EF4-FFF2-40B4-BE49-F238E27FC236}">
-                <a16:creationId xmlns:a16="http://schemas.microsoft.com/office/drawing/2014/main" id="{50CEB0FB-36C3-F649-A150-BBEEC2510E52}"/>
-              </a:ext>
-            </a:extLst>
-          </p:cNvPr>
-          <p:cNvPicPr>
-            <a:picLocks noChangeAspect="1"/>
-          </p:cNvPicPr>
-          <p:nvPr/>
-        </p:nvPicPr>
-        <p:blipFill>
-          <a:blip r:embed="rId15">
             <a:extLst>
               <a:ext uri="{28A0092B-C50C-407E-A947-70E740481C1C}">
                 <a14:useLocalDpi xmlns:a14="http://schemas.microsoft.com/office/drawing/2010/main" val="0"/>
@@ -6873,7 +6846,7 @@
         </p:nvSpPr>
         <p:spPr>
           <a:xfrm>
-            <a:off x="608352" y="6284761"/>
+            <a:off x="588970" y="6340941"/>
             <a:ext cx="979755" cy="369332"/>
           </a:xfrm>
           <a:prstGeom prst="rect">
@@ -6918,13 +6891,13 @@
           <p:nvPr/>
         </p:nvPicPr>
         <p:blipFill>
-          <a:blip r:embed="rId16">
+          <a:blip r:embed="rId14">
             <a:extLst>
               <a:ext uri="{28A0092B-C50C-407E-A947-70E740481C1C}">
                 <a14:useLocalDpi xmlns:a14="http://schemas.microsoft.com/office/drawing/2010/main" val="0"/>
               </a:ext>
               <a:ext uri="{96DAC541-7B7A-43D3-8B79-37D633B846F1}">
-                <asvg:svgBlip xmlns:asvg="http://schemas.microsoft.com/office/drawing/2016/SVG/main" r:embed="rId17"/>
+                <asvg:svgBlip xmlns:asvg="http://schemas.microsoft.com/office/drawing/2016/SVG/main" r:embed="rId15"/>
               </a:ext>
             </a:extLst>
           </a:blip>
@@ -6934,7 +6907,7 @@
         </p:blipFill>
         <p:spPr>
           <a:xfrm>
-            <a:off x="292503" y="6287746"/>
+            <a:off x="273121" y="6343926"/>
             <a:ext cx="315384" cy="315384"/>
           </a:xfrm>
           <a:prstGeom prst="rect">
@@ -7244,7 +7217,7 @@
         </p:nvSpPr>
         <p:spPr>
           <a:xfrm>
-            <a:off x="78227" y="6173343"/>
+            <a:off x="73841" y="6251715"/>
             <a:ext cx="1693247" cy="524447"/>
           </a:xfrm>
           <a:prstGeom prst="rect">
@@ -7375,10 +7348,3777 @@
           </a:p>
         </p:txBody>
       </p:sp>
+      <p:sp>
+        <p:nvSpPr>
+          <p:cNvPr id="2" name="Rectangle: Rounded Corners 1">
+            <a:extLst>
+              <a:ext uri="{FF2B5EF4-FFF2-40B4-BE49-F238E27FC236}">
+                <a16:creationId xmlns:a16="http://schemas.microsoft.com/office/drawing/2014/main" id="{C7D583AE-322B-1511-FF81-13E72F0BA4A1}"/>
+              </a:ext>
+            </a:extLst>
+          </p:cNvPr>
+          <p:cNvSpPr/>
+          <p:nvPr/>
+        </p:nvSpPr>
+        <p:spPr>
+          <a:xfrm>
+            <a:off x="1908107" y="1525847"/>
+            <a:ext cx="2189526" cy="1249960"/>
+          </a:xfrm>
+          <a:prstGeom prst="roundRect">
+            <a:avLst/>
+          </a:prstGeom>
+          <a:gradFill flip="none" rotWithShape="1">
+            <a:gsLst>
+              <a:gs pos="0">
+                <a:srgbClr val="00B0F0">
+                  <a:shade val="30000"/>
+                  <a:satMod val="115000"/>
+                </a:srgbClr>
+              </a:gs>
+              <a:gs pos="50000">
+                <a:srgbClr val="00B0F0">
+                  <a:shade val="67500"/>
+                  <a:satMod val="115000"/>
+                </a:srgbClr>
+              </a:gs>
+              <a:gs pos="100000">
+                <a:srgbClr val="00B0F0">
+                  <a:shade val="100000"/>
+                  <a:satMod val="115000"/>
+                </a:srgbClr>
+              </a:gs>
+            </a:gsLst>
+            <a:lin ang="8100000" scaled="1"/>
+            <a:tileRect/>
+          </a:gradFill>
+          <a:ln>
+            <a:noFill/>
+          </a:ln>
+        </p:spPr>
+        <p:style>
+          <a:lnRef idx="2">
+            <a:schemeClr val="accent1">
+              <a:shade val="50000"/>
+            </a:schemeClr>
+          </a:lnRef>
+          <a:fillRef idx="1">
+            <a:schemeClr val="accent1"/>
+          </a:fillRef>
+          <a:effectRef idx="0">
+            <a:schemeClr val="accent1"/>
+          </a:effectRef>
+          <a:fontRef idx="minor">
+            <a:schemeClr val="lt1"/>
+          </a:fontRef>
+        </p:style>
+        <p:txBody>
+          <a:bodyPr rtlCol="0" anchor="ctr"/>
+          <a:lstStyle/>
+          <a:p>
+            <a:pPr algn="ctr"/>
+            <a:endParaRPr lang="en-PH"/>
+          </a:p>
+        </p:txBody>
+      </p:sp>
+      <p:sp>
+        <p:nvSpPr>
+          <p:cNvPr id="3" name="TextBox 2">
+            <a:extLst>
+              <a:ext uri="{FF2B5EF4-FFF2-40B4-BE49-F238E27FC236}">
+                <a16:creationId xmlns:a16="http://schemas.microsoft.com/office/drawing/2014/main" id="{ED8656DB-A3A6-463E-0896-1159B49BCAC8}"/>
+              </a:ext>
+            </a:extLst>
+          </p:cNvPr>
+          <p:cNvSpPr txBox="1"/>
+          <p:nvPr/>
+        </p:nvSpPr>
+        <p:spPr>
+          <a:xfrm>
+            <a:off x="2261896" y="1636110"/>
+            <a:ext cx="1711302" cy="400110"/>
+          </a:xfrm>
+          <a:prstGeom prst="rect">
+            <a:avLst/>
+          </a:prstGeom>
+          <a:noFill/>
+        </p:spPr>
+        <p:txBody>
+          <a:bodyPr wrap="none" rtlCol="0">
+            <a:spAutoFit/>
+          </a:bodyPr>
+          <a:lstStyle/>
+          <a:p>
+            <a:r>
+              <a:rPr lang="en-US" sz="2000" dirty="0">
+                <a:ln w="3175">
+                  <a:noFill/>
+                </a:ln>
+                <a:solidFill>
+                  <a:schemeClr val="bg1"/>
+                </a:solidFill>
+                <a:latin typeface="Adobe Garamond Pro Bold" panose="02020702060506020403" pitchFamily="18" charset="0"/>
+              </a:rPr>
+              <a:t>Patients Today</a:t>
+            </a:r>
+            <a:endParaRPr lang="en-PH" sz="2000" dirty="0">
+              <a:ln w="3175">
+                <a:noFill/>
+              </a:ln>
+              <a:solidFill>
+                <a:schemeClr val="bg1"/>
+              </a:solidFill>
+              <a:latin typeface="Adobe Garamond Pro Bold" panose="02020702060506020403" pitchFamily="18" charset="0"/>
+            </a:endParaRPr>
+          </a:p>
+        </p:txBody>
+      </p:sp>
+      <p:pic>
+        <p:nvPicPr>
+          <p:cNvPr id="68" name="Graphic 67" descr="User">
+            <a:extLst>
+              <a:ext uri="{FF2B5EF4-FFF2-40B4-BE49-F238E27FC236}">
+                <a16:creationId xmlns:a16="http://schemas.microsoft.com/office/drawing/2014/main" id="{CE4F983D-4E5F-2BA5-738C-820404059A89}"/>
+              </a:ext>
+            </a:extLst>
+          </p:cNvPr>
+          <p:cNvPicPr>
+            <a:picLocks noChangeAspect="1"/>
+          </p:cNvPicPr>
+          <p:nvPr/>
+        </p:nvPicPr>
+        <p:blipFill>
+          <a:blip r:embed="rId16">
+            <a:extLst>
+              <a:ext uri="{28A0092B-C50C-407E-A947-70E740481C1C}">
+                <a14:useLocalDpi xmlns:a14="http://schemas.microsoft.com/office/drawing/2010/main" val="0"/>
+              </a:ext>
+              <a:ext uri="{96DAC541-7B7A-43D3-8B79-37D633B846F1}">
+                <asvg:svgBlip xmlns:asvg="http://schemas.microsoft.com/office/drawing/2016/SVG/main" r:embed="rId17"/>
+              </a:ext>
+            </a:extLst>
+          </a:blip>
+          <a:stretch>
+            <a:fillRect/>
+          </a:stretch>
+        </p:blipFill>
+        <p:spPr>
+          <a:xfrm>
+            <a:off x="1952608" y="1651837"/>
+            <a:ext cx="309288" cy="308994"/>
+          </a:xfrm>
+          <a:prstGeom prst="rect">
+            <a:avLst/>
+          </a:prstGeom>
+        </p:spPr>
+      </p:pic>
+      <p:sp>
+        <p:nvSpPr>
+          <p:cNvPr id="69" name="TextBox 68">
+            <a:extLst>
+              <a:ext uri="{FF2B5EF4-FFF2-40B4-BE49-F238E27FC236}">
+                <a16:creationId xmlns:a16="http://schemas.microsoft.com/office/drawing/2014/main" id="{92BD6F84-DFB9-EA77-1A44-196483FD5274}"/>
+              </a:ext>
+            </a:extLst>
+          </p:cNvPr>
+          <p:cNvSpPr txBox="1"/>
+          <p:nvPr/>
+        </p:nvSpPr>
+        <p:spPr>
+          <a:xfrm>
+            <a:off x="3527959" y="2298310"/>
+            <a:ext cx="450764" cy="400110"/>
+          </a:xfrm>
+          <a:prstGeom prst="rect">
+            <a:avLst/>
+          </a:prstGeom>
+          <a:noFill/>
+        </p:spPr>
+        <p:txBody>
+          <a:bodyPr wrap="none" rtlCol="0">
+            <a:spAutoFit/>
+          </a:bodyPr>
+          <a:lstStyle/>
+          <a:p>
+            <a:r>
+              <a:rPr lang="en-US" sz="2000" dirty="0">
+                <a:ln w="3175">
+                  <a:noFill/>
+                </a:ln>
+                <a:solidFill>
+                  <a:schemeClr val="bg1"/>
+                </a:solidFill>
+                <a:latin typeface="Adobe Garamond Pro Bold" panose="02020702060506020403" pitchFamily="18" charset="0"/>
+              </a:rPr>
+              <a:t>10</a:t>
+            </a:r>
+            <a:endParaRPr lang="en-PH" sz="2000" dirty="0">
+              <a:ln w="3175">
+                <a:noFill/>
+              </a:ln>
+              <a:solidFill>
+                <a:schemeClr val="bg1"/>
+              </a:solidFill>
+              <a:latin typeface="Adobe Garamond Pro Bold" panose="02020702060506020403" pitchFamily="18" charset="0"/>
+            </a:endParaRPr>
+          </a:p>
+        </p:txBody>
+      </p:sp>
+      <p:sp>
+        <p:nvSpPr>
+          <p:cNvPr id="71" name="Rectangle: Rounded Corners 70">
+            <a:extLst>
+              <a:ext uri="{FF2B5EF4-FFF2-40B4-BE49-F238E27FC236}">
+                <a16:creationId xmlns:a16="http://schemas.microsoft.com/office/drawing/2014/main" id="{36843DA9-82B9-5AA5-BD0F-EAB657DB9065}"/>
+              </a:ext>
+            </a:extLst>
+          </p:cNvPr>
+          <p:cNvSpPr/>
+          <p:nvPr/>
+        </p:nvSpPr>
+        <p:spPr>
+          <a:xfrm>
+            <a:off x="4406921" y="1525847"/>
+            <a:ext cx="2189526" cy="1249960"/>
+          </a:xfrm>
+          <a:prstGeom prst="roundRect">
+            <a:avLst/>
+          </a:prstGeom>
+          <a:gradFill flip="none" rotWithShape="1">
+            <a:gsLst>
+              <a:gs pos="0">
+                <a:srgbClr val="00B050">
+                  <a:shade val="30000"/>
+                  <a:satMod val="115000"/>
+                </a:srgbClr>
+              </a:gs>
+              <a:gs pos="50000">
+                <a:srgbClr val="00B050">
+                  <a:shade val="67500"/>
+                  <a:satMod val="115000"/>
+                </a:srgbClr>
+              </a:gs>
+              <a:gs pos="100000">
+                <a:srgbClr val="00B050">
+                  <a:shade val="100000"/>
+                  <a:satMod val="115000"/>
+                </a:srgbClr>
+              </a:gs>
+            </a:gsLst>
+            <a:lin ang="8100000" scaled="1"/>
+            <a:tileRect/>
+          </a:gradFill>
+          <a:ln>
+            <a:noFill/>
+          </a:ln>
+        </p:spPr>
+        <p:style>
+          <a:lnRef idx="2">
+            <a:schemeClr val="accent1">
+              <a:shade val="50000"/>
+            </a:schemeClr>
+          </a:lnRef>
+          <a:fillRef idx="1">
+            <a:schemeClr val="accent1"/>
+          </a:fillRef>
+          <a:effectRef idx="0">
+            <a:schemeClr val="accent1"/>
+          </a:effectRef>
+          <a:fontRef idx="minor">
+            <a:schemeClr val="lt1"/>
+          </a:fontRef>
+        </p:style>
+        <p:txBody>
+          <a:bodyPr rtlCol="0" anchor="ctr"/>
+          <a:lstStyle/>
+          <a:p>
+            <a:pPr algn="ctr"/>
+            <a:endParaRPr lang="en-PH"/>
+          </a:p>
+        </p:txBody>
+      </p:sp>
+      <p:sp>
+        <p:nvSpPr>
+          <p:cNvPr id="73" name="TextBox 72">
+            <a:extLst>
+              <a:ext uri="{FF2B5EF4-FFF2-40B4-BE49-F238E27FC236}">
+                <a16:creationId xmlns:a16="http://schemas.microsoft.com/office/drawing/2014/main" id="{ADD535E4-E346-E621-7149-4E9A5B786741}"/>
+              </a:ext>
+            </a:extLst>
+          </p:cNvPr>
+          <p:cNvSpPr txBox="1"/>
+          <p:nvPr/>
+        </p:nvSpPr>
+        <p:spPr>
+          <a:xfrm>
+            <a:off x="4782261" y="1626016"/>
+            <a:ext cx="1616340" cy="400110"/>
+          </a:xfrm>
+          <a:prstGeom prst="rect">
+            <a:avLst/>
+          </a:prstGeom>
+          <a:noFill/>
+        </p:spPr>
+        <p:txBody>
+          <a:bodyPr wrap="none" rtlCol="0">
+            <a:spAutoFit/>
+          </a:bodyPr>
+          <a:lstStyle/>
+          <a:p>
+            <a:r>
+              <a:rPr lang="en-US" sz="2000" dirty="0">
+                <a:ln w="3175">
+                  <a:noFill/>
+                </a:ln>
+                <a:solidFill>
+                  <a:schemeClr val="bg1"/>
+                </a:solidFill>
+                <a:latin typeface="Adobe Garamond Pro Bold" panose="02020702060506020403" pitchFamily="18" charset="0"/>
+              </a:rPr>
+              <a:t>Total Patients</a:t>
+            </a:r>
+            <a:endParaRPr lang="en-PH" sz="2000" dirty="0">
+              <a:ln w="3175">
+                <a:noFill/>
+              </a:ln>
+              <a:solidFill>
+                <a:schemeClr val="bg1"/>
+              </a:solidFill>
+              <a:latin typeface="Adobe Garamond Pro Bold" panose="02020702060506020403" pitchFamily="18" charset="0"/>
+            </a:endParaRPr>
+          </a:p>
+        </p:txBody>
+      </p:sp>
+      <p:sp>
+        <p:nvSpPr>
+          <p:cNvPr id="75" name="TextBox 74">
+            <a:extLst>
+              <a:ext uri="{FF2B5EF4-FFF2-40B4-BE49-F238E27FC236}">
+                <a16:creationId xmlns:a16="http://schemas.microsoft.com/office/drawing/2014/main" id="{DE961C30-43FD-819F-0ABF-7DB03A0893EC}"/>
+              </a:ext>
+            </a:extLst>
+          </p:cNvPr>
+          <p:cNvSpPr txBox="1"/>
+          <p:nvPr/>
+        </p:nvSpPr>
+        <p:spPr>
+          <a:xfrm>
+            <a:off x="6050455" y="2298310"/>
+            <a:ext cx="450764" cy="400110"/>
+          </a:xfrm>
+          <a:prstGeom prst="rect">
+            <a:avLst/>
+          </a:prstGeom>
+          <a:noFill/>
+        </p:spPr>
+        <p:txBody>
+          <a:bodyPr wrap="none" rtlCol="0">
+            <a:spAutoFit/>
+          </a:bodyPr>
+          <a:lstStyle/>
+          <a:p>
+            <a:r>
+              <a:rPr lang="en-US" sz="2000" dirty="0">
+                <a:ln w="3175">
+                  <a:noFill/>
+                </a:ln>
+                <a:solidFill>
+                  <a:schemeClr val="bg1"/>
+                </a:solidFill>
+                <a:latin typeface="Adobe Garamond Pro Bold" panose="02020702060506020403" pitchFamily="18" charset="0"/>
+              </a:rPr>
+              <a:t>15</a:t>
+            </a:r>
+            <a:endParaRPr lang="en-PH" sz="2000" dirty="0">
+              <a:ln w="3175">
+                <a:noFill/>
+              </a:ln>
+              <a:solidFill>
+                <a:schemeClr val="bg1"/>
+              </a:solidFill>
+              <a:latin typeface="Adobe Garamond Pro Bold" panose="02020702060506020403" pitchFamily="18" charset="0"/>
+            </a:endParaRPr>
+          </a:p>
+        </p:txBody>
+      </p:sp>
+      <p:pic>
+        <p:nvPicPr>
+          <p:cNvPr id="7" name="Graphic 6" descr="Bar chart">
+            <a:extLst>
+              <a:ext uri="{FF2B5EF4-FFF2-40B4-BE49-F238E27FC236}">
+                <a16:creationId xmlns:a16="http://schemas.microsoft.com/office/drawing/2014/main" id="{F1290CD1-FFA8-7ECE-2D64-26312B85270D}"/>
+              </a:ext>
+            </a:extLst>
+          </p:cNvPr>
+          <p:cNvPicPr>
+            <a:picLocks noChangeAspect="1"/>
+          </p:cNvPicPr>
+          <p:nvPr/>
+        </p:nvPicPr>
+        <p:blipFill>
+          <a:blip r:embed="rId18">
+            <a:extLst>
+              <a:ext uri="{28A0092B-C50C-407E-A947-70E740481C1C}">
+                <a14:useLocalDpi xmlns:a14="http://schemas.microsoft.com/office/drawing/2010/main" val="0"/>
+              </a:ext>
+              <a:ext uri="{96DAC541-7B7A-43D3-8B79-37D633B846F1}">
+                <asvg:svgBlip xmlns:asvg="http://schemas.microsoft.com/office/drawing/2016/SVG/main" r:embed="rId19"/>
+              </a:ext>
+            </a:extLst>
+          </a:blip>
+          <a:stretch>
+            <a:fillRect/>
+          </a:stretch>
+        </p:blipFill>
+        <p:spPr>
+          <a:xfrm flipH="1">
+            <a:off x="4475104" y="1646149"/>
+            <a:ext cx="307157" cy="307157"/>
+          </a:xfrm>
+          <a:prstGeom prst="rect">
+            <a:avLst/>
+          </a:prstGeom>
+        </p:spPr>
+      </p:pic>
     </p:spTree>
     <p:extLst>
       <p:ext uri="{BB962C8B-B14F-4D97-AF65-F5344CB8AC3E}">
         <p14:creationId xmlns:p14="http://schemas.microsoft.com/office/powerpoint/2010/main" val="3002716800"/>
+      </p:ext>
+    </p:extLst>
+  </p:cSld>
+  <p:clrMapOvr>
+    <a:masterClrMapping/>
+  </p:clrMapOvr>
+</p:sld>
+</file>
+
+<file path=ppt/slides/slide11.xml><?xml version="1.0" encoding="utf-8"?>
+<p:sld xmlns:a="http://schemas.openxmlformats.org/drawingml/2006/main" xmlns:r="http://schemas.openxmlformats.org/officeDocument/2006/relationships" xmlns:p="http://schemas.openxmlformats.org/presentationml/2006/main">
+  <p:cSld>
+    <p:spTree>
+      <p:nvGrpSpPr>
+        <p:cNvPr id="1" name=""/>
+        <p:cNvGrpSpPr/>
+        <p:nvPr/>
+      </p:nvGrpSpPr>
+      <p:grpSpPr>
+        <a:xfrm>
+          <a:off x="0" y="0"/>
+          <a:ext cx="0" cy="0"/>
+          <a:chOff x="0" y="0"/>
+          <a:chExt cx="0" cy="0"/>
+        </a:xfrm>
+      </p:grpSpPr>
+      <p:grpSp>
+        <p:nvGrpSpPr>
+          <p:cNvPr id="38" name="WebBrowser">
+            <a:extLst>
+              <a:ext uri="{FF2B5EF4-FFF2-40B4-BE49-F238E27FC236}">
+                <a16:creationId xmlns:a16="http://schemas.microsoft.com/office/drawing/2014/main" id="{7ABB4B96-6FAE-A7D7-EE9E-D79BB2920FA8}"/>
+              </a:ext>
+            </a:extLst>
+          </p:cNvPr>
+          <p:cNvGrpSpPr/>
+          <p:nvPr>
+            <p:custDataLst>
+              <p:custData r:id="rId1"/>
+            </p:custDataLst>
+          </p:nvPr>
+        </p:nvGrpSpPr>
+        <p:grpSpPr>
+          <a:xfrm>
+            <a:off x="-11600" y="0"/>
+            <a:ext cx="12203600" cy="6858000"/>
+            <a:chOff x="0" y="22341"/>
+            <a:chExt cx="9144000" cy="6858000"/>
+          </a:xfrm>
+          <a:solidFill>
+            <a:srgbClr val="671627"/>
+          </a:solidFill>
+        </p:grpSpPr>
+        <p:sp>
+          <p:nvSpPr>
+            <p:cNvPr id="39" name="Background">
+              <a:extLst>
+                <a:ext uri="{FF2B5EF4-FFF2-40B4-BE49-F238E27FC236}">
+                  <a16:creationId xmlns:a16="http://schemas.microsoft.com/office/drawing/2014/main" id="{A083B4AD-EFFB-AA93-8CC4-55F495E7F0F9}"/>
+                </a:ext>
+              </a:extLst>
+            </p:cNvPr>
+            <p:cNvSpPr/>
+            <p:nvPr/>
+          </p:nvSpPr>
+          <p:spPr>
+            <a:xfrm>
+              <a:off x="0" y="22341"/>
+              <a:ext cx="9144000" cy="6858000"/>
+            </a:xfrm>
+            <a:prstGeom prst="rect">
+              <a:avLst/>
+            </a:prstGeom>
+            <a:grpFill/>
+            <a:ln/>
+          </p:spPr>
+          <p:style>
+            <a:lnRef idx="0">
+              <a:schemeClr val="accent3"/>
+            </a:lnRef>
+            <a:fillRef idx="3">
+              <a:schemeClr val="accent3"/>
+            </a:fillRef>
+            <a:effectRef idx="3">
+              <a:schemeClr val="accent3"/>
+            </a:effectRef>
+            <a:fontRef idx="minor">
+              <a:schemeClr val="lt1"/>
+            </a:fontRef>
+          </p:style>
+          <p:txBody>
+            <a:bodyPr rtlCol="0" anchor="ctr"/>
+            <a:lstStyle/>
+            <a:p>
+              <a:pPr algn="ctr"/>
+              <a:endParaRPr lang="en-US" sz="1050" kern="0" dirty="0">
+                <a:solidFill>
+                  <a:prstClr val="white"/>
+                </a:solidFill>
+                <a:latin typeface="Segoe UI"/>
+              </a:endParaRPr>
+            </a:p>
+          </p:txBody>
+        </p:sp>
+        <p:sp>
+          <p:nvSpPr>
+            <p:cNvPr id="40" name="WindowTitle">
+              <a:extLst>
+                <a:ext uri="{FF2B5EF4-FFF2-40B4-BE49-F238E27FC236}">
+                  <a16:creationId xmlns:a16="http://schemas.microsoft.com/office/drawing/2014/main" id="{7ECC229E-CA9C-9948-E882-237B0E9065EF}"/>
+                </a:ext>
+              </a:extLst>
+            </p:cNvPr>
+            <p:cNvSpPr txBox="1"/>
+            <p:nvPr/>
+          </p:nvSpPr>
+          <p:spPr>
+            <a:xfrm>
+              <a:off x="84529" y="47774"/>
+              <a:ext cx="1187404" cy="230832"/>
+            </a:xfrm>
+            <a:prstGeom prst="rect">
+              <a:avLst/>
+            </a:prstGeom>
+            <a:grpFill/>
+            <a:ln/>
+          </p:spPr>
+          <p:style>
+            <a:lnRef idx="0">
+              <a:schemeClr val="accent3"/>
+            </a:lnRef>
+            <a:fillRef idx="3">
+              <a:schemeClr val="accent3"/>
+            </a:fillRef>
+            <a:effectRef idx="3">
+              <a:schemeClr val="accent3"/>
+            </a:effectRef>
+            <a:fontRef idx="minor">
+              <a:schemeClr val="lt1"/>
+            </a:fontRef>
+          </p:style>
+          <p:txBody>
+            <a:bodyPr wrap="square" lIns="91440" tIns="18288" rIns="91440" bIns="27432" rtlCol="0" anchor="ctr" anchorCtr="0">
+              <a:spAutoFit/>
+            </a:bodyPr>
+            <a:lstStyle/>
+            <a:p>
+              <a:r>
+                <a:rPr lang="en-US" sz="1200" dirty="0">
+                  <a:solidFill>
+                    <a:prstClr val="white"/>
+                  </a:solidFill>
+                  <a:latin typeface="Segoe UI" pitchFamily="34" charset="0"/>
+                  <a:ea typeface="Segoe UI" pitchFamily="34" charset="0"/>
+                  <a:cs typeface="Segoe UI" pitchFamily="34" charset="0"/>
+                </a:rPr>
+                <a:t>     GD Optical Clinic</a:t>
+              </a:r>
+            </a:p>
+          </p:txBody>
+        </p:sp>
+        <p:grpSp>
+          <p:nvGrpSpPr>
+            <p:cNvPr id="41" name="Group 40">
+              <a:extLst>
+                <a:ext uri="{FF2B5EF4-FFF2-40B4-BE49-F238E27FC236}">
+                  <a16:creationId xmlns:a16="http://schemas.microsoft.com/office/drawing/2014/main" id="{B244DF97-E046-2FDC-3D62-827905324FE2}"/>
+                </a:ext>
+              </a:extLst>
+            </p:cNvPr>
+            <p:cNvGrpSpPr/>
+            <p:nvPr/>
+          </p:nvGrpSpPr>
+          <p:grpSpPr>
+            <a:xfrm>
+              <a:off x="109396" y="326800"/>
+              <a:ext cx="320040" cy="316520"/>
+              <a:chOff x="99871" y="262164"/>
+              <a:chExt cx="320040" cy="316520"/>
+            </a:xfrm>
+            <a:grpFill/>
+          </p:grpSpPr>
+          <p:sp>
+            <p:nvSpPr>
+              <p:cNvPr id="65" name="Oval 64">
+                <a:extLst>
+                  <a:ext uri="{FF2B5EF4-FFF2-40B4-BE49-F238E27FC236}">
+                    <a16:creationId xmlns:a16="http://schemas.microsoft.com/office/drawing/2014/main" id="{9B4E3AB0-E608-059F-89F7-17F5923B872C}"/>
+                  </a:ext>
+                </a:extLst>
+              </p:cNvPr>
+              <p:cNvSpPr/>
+              <p:nvPr/>
+            </p:nvSpPr>
+            <p:spPr>
+              <a:xfrm>
+                <a:off x="99871" y="262164"/>
+                <a:ext cx="320040" cy="316520"/>
+              </a:xfrm>
+              <a:prstGeom prst="ellipse">
+                <a:avLst/>
+              </a:prstGeom>
+              <a:solidFill>
+                <a:schemeClr val="bg1">
+                  <a:lumMod val="75000"/>
+                </a:schemeClr>
+              </a:solidFill>
+              <a:ln/>
+            </p:spPr>
+            <p:style>
+              <a:lnRef idx="0">
+                <a:schemeClr val="accent3"/>
+              </a:lnRef>
+              <a:fillRef idx="3">
+                <a:schemeClr val="accent3"/>
+              </a:fillRef>
+              <a:effectRef idx="3">
+                <a:schemeClr val="accent3"/>
+              </a:effectRef>
+              <a:fontRef idx="minor">
+                <a:schemeClr val="lt1"/>
+              </a:fontRef>
+            </p:style>
+            <p:txBody>
+              <a:bodyPr rtlCol="0" anchor="ctr"/>
+              <a:lstStyle/>
+              <a:p>
+                <a:pPr algn="ctr"/>
+                <a:endParaRPr lang="en-US" sz="1050" u="sng">
+                  <a:solidFill>
+                    <a:prstClr val="white"/>
+                  </a:solidFill>
+                </a:endParaRPr>
+              </a:p>
+            </p:txBody>
+          </p:sp>
+          <p:sp>
+            <p:nvSpPr>
+              <p:cNvPr id="66" name="Left Arrow 29">
+                <a:extLst>
+                  <a:ext uri="{FF2B5EF4-FFF2-40B4-BE49-F238E27FC236}">
+                    <a16:creationId xmlns:a16="http://schemas.microsoft.com/office/drawing/2014/main" id="{54C77D54-1F96-4688-32FE-A62917EE63E8}"/>
+                  </a:ext>
+                </a:extLst>
+              </p:cNvPr>
+              <p:cNvSpPr/>
+              <p:nvPr/>
+            </p:nvSpPr>
+            <p:spPr>
+              <a:xfrm>
+                <a:off x="137156" y="315926"/>
+                <a:ext cx="223134" cy="208997"/>
+              </a:xfrm>
+              <a:prstGeom prst="leftArrow">
+                <a:avLst/>
+              </a:prstGeom>
+              <a:solidFill>
+                <a:schemeClr val="bg1"/>
+              </a:solidFill>
+              <a:ln>
+                <a:solidFill>
+                  <a:schemeClr val="tx1"/>
+                </a:solidFill>
+              </a:ln>
+            </p:spPr>
+            <p:style>
+              <a:lnRef idx="0">
+                <a:schemeClr val="accent3"/>
+              </a:lnRef>
+              <a:fillRef idx="3">
+                <a:schemeClr val="accent3"/>
+              </a:fillRef>
+              <a:effectRef idx="3">
+                <a:schemeClr val="accent3"/>
+              </a:effectRef>
+              <a:fontRef idx="minor">
+                <a:schemeClr val="lt1"/>
+              </a:fontRef>
+            </p:style>
+            <p:txBody>
+              <a:bodyPr rtlCol="0" anchor="ctr"/>
+              <a:lstStyle/>
+              <a:p>
+                <a:pPr algn="ctr"/>
+                <a:endParaRPr lang="en-US" sz="1050" kern="0">
+                  <a:solidFill>
+                    <a:prstClr val="white"/>
+                  </a:solidFill>
+                  <a:latin typeface="Segoe UI"/>
+                </a:endParaRPr>
+              </a:p>
+            </p:txBody>
+          </p:sp>
+        </p:grpSp>
+        <p:grpSp>
+          <p:nvGrpSpPr>
+            <p:cNvPr id="42" name="Group 41">
+              <a:extLst>
+                <a:ext uri="{FF2B5EF4-FFF2-40B4-BE49-F238E27FC236}">
+                  <a16:creationId xmlns:a16="http://schemas.microsoft.com/office/drawing/2014/main" id="{C6A45DC5-85D7-CBC0-83FE-81E66C90C7D5}"/>
+                </a:ext>
+              </a:extLst>
+            </p:cNvPr>
+            <p:cNvGrpSpPr/>
+            <p:nvPr/>
+          </p:nvGrpSpPr>
+          <p:grpSpPr>
+            <a:xfrm>
+              <a:off x="481469" y="326799"/>
+              <a:ext cx="320040" cy="316520"/>
+              <a:chOff x="471944" y="262163"/>
+              <a:chExt cx="320040" cy="316520"/>
+            </a:xfrm>
+            <a:grpFill/>
+          </p:grpSpPr>
+          <p:sp>
+            <p:nvSpPr>
+              <p:cNvPr id="63" name="Oval 62">
+                <a:extLst>
+                  <a:ext uri="{FF2B5EF4-FFF2-40B4-BE49-F238E27FC236}">
+                    <a16:creationId xmlns:a16="http://schemas.microsoft.com/office/drawing/2014/main" id="{6E22429E-9EF3-76D9-0B06-F6B8488FCE0B}"/>
+                  </a:ext>
+                </a:extLst>
+              </p:cNvPr>
+              <p:cNvSpPr/>
+              <p:nvPr/>
+            </p:nvSpPr>
+            <p:spPr>
+              <a:xfrm>
+                <a:off x="471944" y="262163"/>
+                <a:ext cx="320040" cy="316520"/>
+              </a:xfrm>
+              <a:prstGeom prst="ellipse">
+                <a:avLst/>
+              </a:prstGeom>
+              <a:solidFill>
+                <a:schemeClr val="bg1">
+                  <a:lumMod val="85000"/>
+                </a:schemeClr>
+              </a:solidFill>
+              <a:ln/>
+            </p:spPr>
+            <p:style>
+              <a:lnRef idx="0">
+                <a:schemeClr val="accent3"/>
+              </a:lnRef>
+              <a:fillRef idx="3">
+                <a:schemeClr val="accent3"/>
+              </a:fillRef>
+              <a:effectRef idx="3">
+                <a:schemeClr val="accent3"/>
+              </a:effectRef>
+              <a:fontRef idx="minor">
+                <a:schemeClr val="lt1"/>
+              </a:fontRef>
+            </p:style>
+            <p:txBody>
+              <a:bodyPr rtlCol="0" anchor="ctr"/>
+              <a:lstStyle/>
+              <a:p>
+                <a:pPr algn="ctr"/>
+                <a:endParaRPr lang="en-US" sz="1050" u="sng">
+                  <a:solidFill>
+                    <a:prstClr val="white"/>
+                  </a:solidFill>
+                </a:endParaRPr>
+              </a:p>
+            </p:txBody>
+          </p:sp>
+          <p:sp>
+            <p:nvSpPr>
+              <p:cNvPr id="64" name="Right Arrow 27">
+                <a:extLst>
+                  <a:ext uri="{FF2B5EF4-FFF2-40B4-BE49-F238E27FC236}">
+                    <a16:creationId xmlns:a16="http://schemas.microsoft.com/office/drawing/2014/main" id="{4DE9DE5E-754E-B093-C01F-5FC635680031}"/>
+                  </a:ext>
+                </a:extLst>
+              </p:cNvPr>
+              <p:cNvSpPr/>
+              <p:nvPr/>
+            </p:nvSpPr>
+            <p:spPr>
+              <a:xfrm>
+                <a:off x="509047" y="315924"/>
+                <a:ext cx="257146" cy="208999"/>
+              </a:xfrm>
+              <a:prstGeom prst="rightArrow">
+                <a:avLst/>
+              </a:prstGeom>
+              <a:solidFill>
+                <a:schemeClr val="bg1"/>
+              </a:solidFill>
+              <a:ln>
+                <a:solidFill>
+                  <a:schemeClr val="tx1"/>
+                </a:solidFill>
+              </a:ln>
+            </p:spPr>
+            <p:style>
+              <a:lnRef idx="0">
+                <a:schemeClr val="accent3"/>
+              </a:lnRef>
+              <a:fillRef idx="3">
+                <a:schemeClr val="accent3"/>
+              </a:fillRef>
+              <a:effectRef idx="3">
+                <a:schemeClr val="accent3"/>
+              </a:effectRef>
+              <a:fontRef idx="minor">
+                <a:schemeClr val="lt1"/>
+              </a:fontRef>
+            </p:style>
+            <p:txBody>
+              <a:bodyPr rtlCol="0" anchor="ctr"/>
+              <a:lstStyle/>
+              <a:p>
+                <a:pPr algn="ctr"/>
+                <a:endParaRPr lang="en-US" sz="1050" kern="0">
+                  <a:solidFill>
+                    <a:prstClr val="white"/>
+                  </a:solidFill>
+                  <a:latin typeface="Segoe UI"/>
+                </a:endParaRPr>
+              </a:p>
+            </p:txBody>
+          </p:sp>
+        </p:grpSp>
+        <p:grpSp>
+          <p:nvGrpSpPr>
+            <p:cNvPr id="43" name="Minimize - Maximize - Close">
+              <a:extLst>
+                <a:ext uri="{FF2B5EF4-FFF2-40B4-BE49-F238E27FC236}">
+                  <a16:creationId xmlns:a16="http://schemas.microsoft.com/office/drawing/2014/main" id="{B1D150C9-A91E-81D3-FFD1-12BA5EE14299}"/>
+                </a:ext>
+              </a:extLst>
+            </p:cNvPr>
+            <p:cNvGrpSpPr/>
+            <p:nvPr/>
+          </p:nvGrpSpPr>
+          <p:grpSpPr>
+            <a:xfrm>
+              <a:off x="8632311" y="92599"/>
+              <a:ext cx="384527" cy="78032"/>
+              <a:chOff x="9347642" y="131588"/>
+              <a:chExt cx="384527" cy="78032"/>
+            </a:xfrm>
+            <a:grpFill/>
+          </p:grpSpPr>
+          <p:cxnSp>
+            <p:nvCxnSpPr>
+              <p:cNvPr id="58" name="Line">
+                <a:extLst>
+                  <a:ext uri="{FF2B5EF4-FFF2-40B4-BE49-F238E27FC236}">
+                    <a16:creationId xmlns:a16="http://schemas.microsoft.com/office/drawing/2014/main" id="{C486DC6E-DC1B-3AB9-BCFD-BE0576D8571B}"/>
+                  </a:ext>
+                </a:extLst>
+              </p:cNvPr>
+              <p:cNvCxnSpPr/>
+              <p:nvPr/>
+            </p:nvCxnSpPr>
+            <p:spPr>
+              <a:xfrm>
+                <a:off x="9661396" y="131588"/>
+                <a:ext cx="70773" cy="76200"/>
+              </a:xfrm>
+              <a:prstGeom prst="line">
+                <a:avLst/>
+              </a:prstGeom>
+              <a:grpFill/>
+              <a:ln/>
+            </p:spPr>
+            <p:style>
+              <a:lnRef idx="2">
+                <a:schemeClr val="accent3">
+                  <a:shade val="50000"/>
+                </a:schemeClr>
+              </a:lnRef>
+              <a:fillRef idx="1">
+                <a:schemeClr val="accent3"/>
+              </a:fillRef>
+              <a:effectRef idx="0">
+                <a:schemeClr val="accent3"/>
+              </a:effectRef>
+              <a:fontRef idx="minor">
+                <a:schemeClr val="lt1"/>
+              </a:fontRef>
+            </p:style>
+          </p:cxnSp>
+          <p:cxnSp>
+            <p:nvCxnSpPr>
+              <p:cNvPr id="59" name="Line">
+                <a:extLst>
+                  <a:ext uri="{FF2B5EF4-FFF2-40B4-BE49-F238E27FC236}">
+                    <a16:creationId xmlns:a16="http://schemas.microsoft.com/office/drawing/2014/main" id="{94226876-BA69-08F2-7ECF-2E238B23CEDF}"/>
+                  </a:ext>
+                </a:extLst>
+              </p:cNvPr>
+              <p:cNvCxnSpPr/>
+              <p:nvPr/>
+            </p:nvCxnSpPr>
+            <p:spPr>
+              <a:xfrm flipH="1">
+                <a:off x="9661395" y="131588"/>
+                <a:ext cx="70773" cy="76200"/>
+              </a:xfrm>
+              <a:prstGeom prst="line">
+                <a:avLst/>
+              </a:prstGeom>
+              <a:grpFill/>
+              <a:ln/>
+            </p:spPr>
+            <p:style>
+              <a:lnRef idx="2">
+                <a:schemeClr val="accent3">
+                  <a:shade val="50000"/>
+                </a:schemeClr>
+              </a:lnRef>
+              <a:fillRef idx="1">
+                <a:schemeClr val="accent3"/>
+              </a:fillRef>
+              <a:effectRef idx="0">
+                <a:schemeClr val="accent3"/>
+              </a:effectRef>
+              <a:fontRef idx="minor">
+                <a:schemeClr val="lt1"/>
+              </a:fontRef>
+            </p:style>
+          </p:cxnSp>
+          <p:sp>
+            <p:nvSpPr>
+              <p:cNvPr id="60" name="Line">
+                <a:extLst>
+                  <a:ext uri="{FF2B5EF4-FFF2-40B4-BE49-F238E27FC236}">
+                    <a16:creationId xmlns:a16="http://schemas.microsoft.com/office/drawing/2014/main" id="{C0E43118-7114-4CE4-E091-29C0C50522F7}"/>
+                  </a:ext>
+                </a:extLst>
+              </p:cNvPr>
+              <p:cNvSpPr/>
+              <p:nvPr/>
+            </p:nvSpPr>
+            <p:spPr>
+              <a:xfrm rot="10800000" flipV="1">
+                <a:off x="9499472" y="143255"/>
+                <a:ext cx="91440" cy="9144"/>
+              </a:xfrm>
+              <a:prstGeom prst="rect">
+                <a:avLst/>
+              </a:prstGeom>
+              <a:grpFill/>
+              <a:ln/>
+            </p:spPr>
+            <p:style>
+              <a:lnRef idx="0">
+                <a:schemeClr val="accent3"/>
+              </a:lnRef>
+              <a:fillRef idx="3">
+                <a:schemeClr val="accent3"/>
+              </a:fillRef>
+              <a:effectRef idx="3">
+                <a:schemeClr val="accent3"/>
+              </a:effectRef>
+              <a:fontRef idx="minor">
+                <a:schemeClr val="lt1"/>
+              </a:fontRef>
+            </p:style>
+            <p:txBody>
+              <a:bodyPr rtlCol="0" anchor="ctr"/>
+              <a:lstStyle/>
+              <a:p>
+                <a:pPr algn="ctr"/>
+                <a:endParaRPr lang="en-US" sz="1050" dirty="0">
+                  <a:solidFill>
+                    <a:prstClr val="white"/>
+                  </a:solidFill>
+                </a:endParaRPr>
+              </a:p>
+            </p:txBody>
+          </p:sp>
+          <p:sp>
+            <p:nvSpPr>
+              <p:cNvPr id="61" name="Line">
+                <a:extLst>
+                  <a:ext uri="{FF2B5EF4-FFF2-40B4-BE49-F238E27FC236}">
+                    <a16:creationId xmlns:a16="http://schemas.microsoft.com/office/drawing/2014/main" id="{C9050FE6-6851-3915-7628-8F3FA0C5E3A9}"/>
+                  </a:ext>
+                </a:extLst>
+              </p:cNvPr>
+              <p:cNvSpPr/>
+              <p:nvPr/>
+            </p:nvSpPr>
+            <p:spPr>
+              <a:xfrm rot="10800000" flipV="1">
+                <a:off x="9498658" y="135261"/>
+                <a:ext cx="91440" cy="72527"/>
+              </a:xfrm>
+              <a:prstGeom prst="rect">
+                <a:avLst/>
+              </a:prstGeom>
+              <a:grpFill/>
+              <a:ln/>
+            </p:spPr>
+            <p:style>
+              <a:lnRef idx="0">
+                <a:schemeClr val="accent3"/>
+              </a:lnRef>
+              <a:fillRef idx="3">
+                <a:schemeClr val="accent3"/>
+              </a:fillRef>
+              <a:effectRef idx="3">
+                <a:schemeClr val="accent3"/>
+              </a:effectRef>
+              <a:fontRef idx="minor">
+                <a:schemeClr val="lt1"/>
+              </a:fontRef>
+            </p:style>
+            <p:txBody>
+              <a:bodyPr rtlCol="0" anchor="ctr"/>
+              <a:lstStyle/>
+              <a:p>
+                <a:pPr algn="ctr"/>
+                <a:endParaRPr lang="en-US" sz="1050" dirty="0">
+                  <a:solidFill>
+                    <a:prstClr val="white"/>
+                  </a:solidFill>
+                </a:endParaRPr>
+              </a:p>
+            </p:txBody>
+          </p:sp>
+          <p:sp>
+            <p:nvSpPr>
+              <p:cNvPr id="62" name="Line">
+                <a:extLst>
+                  <a:ext uri="{FF2B5EF4-FFF2-40B4-BE49-F238E27FC236}">
+                    <a16:creationId xmlns:a16="http://schemas.microsoft.com/office/drawing/2014/main" id="{6F20424A-3D3C-AAA0-B5DE-276B46FD2AF7}"/>
+                  </a:ext>
+                </a:extLst>
+              </p:cNvPr>
+              <p:cNvSpPr/>
+              <p:nvPr/>
+            </p:nvSpPr>
+            <p:spPr>
+              <a:xfrm rot="10800000" flipV="1">
+                <a:off x="9347642" y="200476"/>
+                <a:ext cx="91440" cy="9144"/>
+              </a:xfrm>
+              <a:prstGeom prst="rect">
+                <a:avLst/>
+              </a:prstGeom>
+              <a:grpFill/>
+              <a:ln/>
+            </p:spPr>
+            <p:style>
+              <a:lnRef idx="0">
+                <a:schemeClr val="accent3"/>
+              </a:lnRef>
+              <a:fillRef idx="3">
+                <a:schemeClr val="accent3"/>
+              </a:fillRef>
+              <a:effectRef idx="3">
+                <a:schemeClr val="accent3"/>
+              </a:effectRef>
+              <a:fontRef idx="minor">
+                <a:schemeClr val="lt1"/>
+              </a:fontRef>
+            </p:style>
+            <p:txBody>
+              <a:bodyPr rtlCol="0" anchor="ctr"/>
+              <a:lstStyle/>
+              <a:p>
+                <a:pPr algn="ctr"/>
+                <a:endParaRPr lang="en-US" sz="1050" dirty="0">
+                  <a:solidFill>
+                    <a:prstClr val="white"/>
+                  </a:solidFill>
+                </a:endParaRPr>
+              </a:p>
+            </p:txBody>
+          </p:sp>
+        </p:grpSp>
+        <p:sp>
+          <p:nvSpPr>
+            <p:cNvPr id="44" name="WebPageBody">
+              <a:extLst>
+                <a:ext uri="{FF2B5EF4-FFF2-40B4-BE49-F238E27FC236}">
+                  <a16:creationId xmlns:a16="http://schemas.microsoft.com/office/drawing/2014/main" id="{A5E04EB6-6AF6-1C8E-1245-B8D1DE592809}"/>
+                </a:ext>
+              </a:extLst>
+            </p:cNvPr>
+            <p:cNvSpPr/>
+            <p:nvPr/>
+          </p:nvSpPr>
+          <p:spPr>
+            <a:xfrm>
+              <a:off x="67501" y="734466"/>
+              <a:ext cx="8991600" cy="6066801"/>
+            </a:xfrm>
+            <a:prstGeom prst="rect">
+              <a:avLst/>
+            </a:prstGeom>
+            <a:solidFill>
+              <a:schemeClr val="bg1">
+                <a:lumMod val="95000"/>
+              </a:schemeClr>
+            </a:solidFill>
+            <a:ln/>
+          </p:spPr>
+          <p:style>
+            <a:lnRef idx="0">
+              <a:schemeClr val="accent3"/>
+            </a:lnRef>
+            <a:fillRef idx="3">
+              <a:schemeClr val="accent3"/>
+            </a:fillRef>
+            <a:effectRef idx="3">
+              <a:schemeClr val="accent3"/>
+            </a:effectRef>
+            <a:fontRef idx="minor">
+              <a:schemeClr val="lt1"/>
+            </a:fontRef>
+          </p:style>
+          <p:txBody>
+            <a:bodyPr rtlCol="0" anchor="ctr"/>
+            <a:lstStyle/>
+            <a:p>
+              <a:pPr algn="ctr"/>
+              <a:endParaRPr lang="en-US" sz="1050" kern="0">
+                <a:solidFill>
+                  <a:prstClr val="white"/>
+                </a:solidFill>
+                <a:latin typeface="Segoe UI"/>
+              </a:endParaRPr>
+            </a:p>
+          </p:txBody>
+        </p:sp>
+        <p:grpSp>
+          <p:nvGrpSpPr>
+            <p:cNvPr id="45" name="Group 44">
+              <a:extLst>
+                <a:ext uri="{FF2B5EF4-FFF2-40B4-BE49-F238E27FC236}">
+                  <a16:creationId xmlns:a16="http://schemas.microsoft.com/office/drawing/2014/main" id="{6F64AAAA-8AAE-C9AE-BB0F-70743159B0EC}"/>
+                </a:ext>
+              </a:extLst>
+            </p:cNvPr>
+            <p:cNvGrpSpPr/>
+            <p:nvPr/>
+          </p:nvGrpSpPr>
+          <p:grpSpPr>
+            <a:xfrm>
+              <a:off x="8386335" y="360579"/>
+              <a:ext cx="640645" cy="183940"/>
+              <a:chOff x="8303527" y="360579"/>
+              <a:chExt cx="640645" cy="183940"/>
+            </a:xfrm>
+            <a:grpFill/>
+          </p:grpSpPr>
+          <p:pic>
+            <p:nvPicPr>
+              <p:cNvPr id="55" name="Picture 2" descr="C:\Users\t-dantay\Documents\Placeholders\home.png">
+                <a:extLst>
+                  <a:ext uri="{FF2B5EF4-FFF2-40B4-BE49-F238E27FC236}">
+                    <a16:creationId xmlns:a16="http://schemas.microsoft.com/office/drawing/2014/main" id="{97C9360E-C7A3-6987-32CC-F7BE63E47110}"/>
+                  </a:ext>
+                </a:extLst>
+              </p:cNvPr>
+              <p:cNvPicPr>
+                <a:picLocks noChangeAspect="1" noChangeArrowheads="1"/>
+              </p:cNvPicPr>
+              <p:nvPr/>
+            </p:nvPicPr>
+            <p:blipFill>
+              <a:blip r:embed="rId3" cstate="print">
+                <a:extLst>
+                  <a:ext uri="{28A0092B-C50C-407E-A947-70E740481C1C}">
+                    <a14:useLocalDpi xmlns:a14="http://schemas.microsoft.com/office/drawing/2010/main" val="0"/>
+                  </a:ext>
+                </a:extLst>
+              </a:blip>
+              <a:srcRect/>
+              <a:stretch>
+                <a:fillRect/>
+              </a:stretch>
+            </p:blipFill>
+            <p:spPr bwMode="auto">
+              <a:xfrm>
+                <a:off x="8303527" y="361109"/>
+                <a:ext cx="185783" cy="182880"/>
+              </a:xfrm>
+              <a:prstGeom prst="rect">
+                <a:avLst/>
+              </a:prstGeom>
+              <a:grpFill/>
+              <a:ln/>
+            </p:spPr>
+            <p:style>
+              <a:lnRef idx="0">
+                <a:schemeClr val="accent3"/>
+              </a:lnRef>
+              <a:fillRef idx="3">
+                <a:schemeClr val="accent3"/>
+              </a:fillRef>
+              <a:effectRef idx="3">
+                <a:schemeClr val="accent3"/>
+              </a:effectRef>
+              <a:fontRef idx="minor">
+                <a:schemeClr val="lt1"/>
+              </a:fontRef>
+            </p:style>
+          </p:pic>
+          <p:pic>
+            <p:nvPicPr>
+              <p:cNvPr id="56" name="Picture 2" descr="C:\Users\t-dantay\Documents\Placeholders\setting.png">
+                <a:extLst>
+                  <a:ext uri="{FF2B5EF4-FFF2-40B4-BE49-F238E27FC236}">
+                    <a16:creationId xmlns:a16="http://schemas.microsoft.com/office/drawing/2014/main" id="{3D71377F-3163-DE20-529A-E083D09B9BCB}"/>
+                  </a:ext>
+                </a:extLst>
+              </p:cNvPr>
+              <p:cNvPicPr>
+                <a:picLocks noChangeAspect="1" noChangeArrowheads="1"/>
+              </p:cNvPicPr>
+              <p:nvPr/>
+            </p:nvPicPr>
+            <p:blipFill rotWithShape="1">
+              <a:blip r:embed="rId4" cstate="print">
+                <a:extLst>
+                  <a:ext uri="{28A0092B-C50C-407E-A947-70E740481C1C}">
+                    <a14:useLocalDpi xmlns:a14="http://schemas.microsoft.com/office/drawing/2010/main" val="0"/>
+                  </a:ext>
+                </a:extLst>
+              </a:blip>
+              <a:srcRect t="13480" r="35484"/>
+              <a:stretch/>
+            </p:blipFill>
+            <p:spPr bwMode="auto">
+              <a:xfrm>
+                <a:off x="8761292" y="360579"/>
+                <a:ext cx="182880" cy="183940"/>
+              </a:xfrm>
+              <a:prstGeom prst="rect">
+                <a:avLst/>
+              </a:prstGeom>
+              <a:grpFill/>
+              <a:ln/>
+            </p:spPr>
+            <p:style>
+              <a:lnRef idx="0">
+                <a:schemeClr val="accent3"/>
+              </a:lnRef>
+              <a:fillRef idx="3">
+                <a:schemeClr val="accent3"/>
+              </a:fillRef>
+              <a:effectRef idx="3">
+                <a:schemeClr val="accent3"/>
+              </a:effectRef>
+              <a:fontRef idx="minor">
+                <a:schemeClr val="lt1"/>
+              </a:fontRef>
+            </p:style>
+          </p:pic>
+          <p:pic>
+            <p:nvPicPr>
+              <p:cNvPr id="57" name="Picture 2" descr="C:\Users\t-dantay\Documents\Placeholders\star.png">
+                <a:extLst>
+                  <a:ext uri="{FF2B5EF4-FFF2-40B4-BE49-F238E27FC236}">
+                    <a16:creationId xmlns:a16="http://schemas.microsoft.com/office/drawing/2014/main" id="{C78C18D6-91E8-04B1-C3BE-F9186AAFDB1E}"/>
+                  </a:ext>
+                </a:extLst>
+              </p:cNvPr>
+              <p:cNvPicPr>
+                <a:picLocks noChangeAspect="1" noChangeArrowheads="1"/>
+              </p:cNvPicPr>
+              <p:nvPr/>
+            </p:nvPicPr>
+            <p:blipFill>
+              <a:blip r:embed="rId5" cstate="print">
+                <a:extLst>
+                  <a:ext uri="{28A0092B-C50C-407E-A947-70E740481C1C}">
+                    <a14:useLocalDpi xmlns:a14="http://schemas.microsoft.com/office/drawing/2010/main" val="0"/>
+                  </a:ext>
+                </a:extLst>
+              </a:blip>
+              <a:srcRect/>
+              <a:stretch>
+                <a:fillRect/>
+              </a:stretch>
+            </p:blipFill>
+            <p:spPr bwMode="auto">
+              <a:xfrm>
+                <a:off x="8529364" y="361109"/>
+                <a:ext cx="191874" cy="182880"/>
+              </a:xfrm>
+              <a:prstGeom prst="rect">
+                <a:avLst/>
+              </a:prstGeom>
+              <a:grpFill/>
+              <a:ln/>
+            </p:spPr>
+            <p:style>
+              <a:lnRef idx="0">
+                <a:schemeClr val="accent3"/>
+              </a:lnRef>
+              <a:fillRef idx="3">
+                <a:schemeClr val="accent3"/>
+              </a:fillRef>
+              <a:effectRef idx="3">
+                <a:schemeClr val="accent3"/>
+              </a:effectRef>
+              <a:fontRef idx="minor">
+                <a:schemeClr val="lt1"/>
+              </a:fontRef>
+            </p:style>
+          </p:pic>
+        </p:grpSp>
+        <p:grpSp>
+          <p:nvGrpSpPr>
+            <p:cNvPr id="46" name="Group 45">
+              <a:extLst>
+                <a:ext uri="{FF2B5EF4-FFF2-40B4-BE49-F238E27FC236}">
+                  <a16:creationId xmlns:a16="http://schemas.microsoft.com/office/drawing/2014/main" id="{8BC08941-FF7F-2C86-DCD4-F18136448069}"/>
+                </a:ext>
+              </a:extLst>
+            </p:cNvPr>
+            <p:cNvGrpSpPr/>
+            <p:nvPr/>
+          </p:nvGrpSpPr>
+          <p:grpSpPr>
+            <a:xfrm>
+              <a:off x="923925" y="340846"/>
+              <a:ext cx="7142930" cy="228600"/>
+              <a:chOff x="923925" y="340846"/>
+              <a:chExt cx="7142930" cy="228600"/>
+            </a:xfrm>
+            <a:grpFill/>
+          </p:grpSpPr>
+          <p:sp>
+            <p:nvSpPr>
+              <p:cNvPr id="47" name="UrlBar">
+                <a:extLst>
+                  <a:ext uri="{FF2B5EF4-FFF2-40B4-BE49-F238E27FC236}">
+                    <a16:creationId xmlns:a16="http://schemas.microsoft.com/office/drawing/2014/main" id="{DFA4182D-DE04-583E-C15F-D4AF238DB634}"/>
+                  </a:ext>
+                </a:extLst>
+              </p:cNvPr>
+              <p:cNvSpPr/>
+              <p:nvPr/>
+            </p:nvSpPr>
+            <p:spPr>
+              <a:xfrm>
+                <a:off x="923925" y="340846"/>
+                <a:ext cx="7142930" cy="228600"/>
+              </a:xfrm>
+              <a:prstGeom prst="rect">
+                <a:avLst/>
+              </a:prstGeom>
+              <a:grpFill/>
+              <a:ln/>
+            </p:spPr>
+            <p:style>
+              <a:lnRef idx="0">
+                <a:schemeClr val="accent3"/>
+              </a:lnRef>
+              <a:fillRef idx="3">
+                <a:schemeClr val="accent3"/>
+              </a:fillRef>
+              <a:effectRef idx="3">
+                <a:schemeClr val="accent3"/>
+              </a:effectRef>
+              <a:fontRef idx="minor">
+                <a:schemeClr val="lt1"/>
+              </a:fontRef>
+            </p:style>
+            <p:txBody>
+              <a:bodyPr rtlCol="0" anchor="ctr"/>
+              <a:lstStyle/>
+              <a:p>
+                <a:r>
+                  <a:rPr lang="en-US" sz="1200" kern="0" dirty="0">
+                    <a:solidFill>
+                      <a:schemeClr val="bg1"/>
+                    </a:solidFill>
+                    <a:latin typeface="Segoe UI"/>
+                  </a:rPr>
+                  <a:t>http://www.gd-opticalclinic.com/</a:t>
+                </a:r>
+                <a:r>
+                  <a:rPr lang="en-US" sz="1200" kern="0" dirty="0">
+                    <a:solidFill>
+                      <a:schemeClr val="bg1">
+                        <a:lumMod val="75000"/>
+                      </a:schemeClr>
+                    </a:solidFill>
+                    <a:latin typeface="Segoe UI"/>
+                  </a:rPr>
+                  <a:t>add_patients</a:t>
+                </a:r>
+              </a:p>
+            </p:txBody>
+          </p:sp>
+          <p:grpSp>
+            <p:nvGrpSpPr>
+              <p:cNvPr id="48" name="Group 47">
+                <a:extLst>
+                  <a:ext uri="{FF2B5EF4-FFF2-40B4-BE49-F238E27FC236}">
+                    <a16:creationId xmlns:a16="http://schemas.microsoft.com/office/drawing/2014/main" id="{E0FF4317-84AC-0D61-01DB-EF34804C2811}"/>
+                  </a:ext>
+                </a:extLst>
+              </p:cNvPr>
+              <p:cNvGrpSpPr/>
+              <p:nvPr/>
+            </p:nvGrpSpPr>
+            <p:grpSpPr>
+              <a:xfrm>
+                <a:off x="7260350" y="363706"/>
+                <a:ext cx="744325" cy="182880"/>
+                <a:chOff x="7260350" y="363706"/>
+                <a:chExt cx="744325" cy="182880"/>
+              </a:xfrm>
+              <a:grpFill/>
+            </p:grpSpPr>
+            <p:pic>
+              <p:nvPicPr>
+                <p:cNvPr id="49" name="Search" descr="C:\Users\t-dantay\Documents\Placeholders\search.png">
+                  <a:extLst>
+                    <a:ext uri="{FF2B5EF4-FFF2-40B4-BE49-F238E27FC236}">
+                      <a16:creationId xmlns:a16="http://schemas.microsoft.com/office/drawing/2014/main" id="{FD82769E-3CDB-07BF-9A02-9A4686FF6587}"/>
+                    </a:ext>
+                  </a:extLst>
+                </p:cNvPr>
+                <p:cNvPicPr>
+                  <a:picLocks noChangeAspect="1" noChangeArrowheads="1"/>
+                </p:cNvPicPr>
+                <p:nvPr/>
+              </p:nvPicPr>
+              <p:blipFill>
+                <a:blip r:embed="rId6" cstate="print">
+                  <a:extLst>
+                    <a:ext uri="{28A0092B-C50C-407E-A947-70E740481C1C}">
+                      <a14:useLocalDpi xmlns:a14="http://schemas.microsoft.com/office/drawing/2010/main" val="0"/>
+                    </a:ext>
+                  </a:extLst>
+                </a:blip>
+                <a:srcRect/>
+                <a:stretch>
+                  <a:fillRect/>
+                </a:stretch>
+              </p:blipFill>
+              <p:spPr bwMode="auto">
+                <a:xfrm flipH="1">
+                  <a:off x="7260350" y="363706"/>
+                  <a:ext cx="182880" cy="182880"/>
+                </a:xfrm>
+                <a:prstGeom prst="rect">
+                  <a:avLst/>
+                </a:prstGeom>
+                <a:grpFill/>
+                <a:ln/>
+              </p:spPr>
+              <p:style>
+                <a:lnRef idx="0">
+                  <a:schemeClr val="accent3"/>
+                </a:lnRef>
+                <a:fillRef idx="3">
+                  <a:schemeClr val="accent3"/>
+                </a:fillRef>
+                <a:effectRef idx="3">
+                  <a:schemeClr val="accent3"/>
+                </a:effectRef>
+                <a:fontRef idx="minor">
+                  <a:schemeClr val="lt1"/>
+                </a:fontRef>
+              </p:style>
+            </p:pic>
+            <p:pic>
+              <p:nvPicPr>
+                <p:cNvPr id="50" name="Refresh" descr="C:\Users\t-dantay\Documents\First24\arrowrepeat1.png">
+                  <a:extLst>
+                    <a:ext uri="{FF2B5EF4-FFF2-40B4-BE49-F238E27FC236}">
+                      <a16:creationId xmlns:a16="http://schemas.microsoft.com/office/drawing/2014/main" id="{430EDECB-06B4-7D1F-C284-A31DF1AD8F56}"/>
+                    </a:ext>
+                  </a:extLst>
+                </p:cNvPr>
+                <p:cNvPicPr>
+                  <a:picLocks noChangeAspect="1" noChangeArrowheads="1"/>
+                </p:cNvPicPr>
+                <p:nvPr/>
+              </p:nvPicPr>
+              <p:blipFill>
+                <a:blip r:embed="rId7" cstate="print">
+                  <a:extLst>
+                    <a:ext uri="{28A0092B-C50C-407E-A947-70E740481C1C}">
+                      <a14:useLocalDpi xmlns:a14="http://schemas.microsoft.com/office/drawing/2010/main" val="0"/>
+                    </a:ext>
+                  </a:extLst>
+                </a:blip>
+                <a:srcRect/>
+                <a:stretch>
+                  <a:fillRect/>
+                </a:stretch>
+              </p:blipFill>
+              <p:spPr bwMode="auto">
+                <a:xfrm>
+                  <a:off x="7644400" y="363706"/>
+                  <a:ext cx="182880" cy="182880"/>
+                </a:xfrm>
+                <a:prstGeom prst="rect">
+                  <a:avLst/>
+                </a:prstGeom>
+                <a:grpFill/>
+                <a:ln/>
+              </p:spPr>
+              <p:style>
+                <a:lnRef idx="0">
+                  <a:schemeClr val="accent3"/>
+                </a:lnRef>
+                <a:fillRef idx="3">
+                  <a:schemeClr val="accent3"/>
+                </a:fillRef>
+                <a:effectRef idx="3">
+                  <a:schemeClr val="accent3"/>
+                </a:effectRef>
+                <a:fontRef idx="minor">
+                  <a:schemeClr val="lt1"/>
+                </a:fontRef>
+              </p:style>
+            </p:pic>
+            <p:pic>
+              <p:nvPicPr>
+                <p:cNvPr id="51" name="Drop Down" descr="C:\Users\t-dantay\Documents\First24\arrowsimple1.png">
+                  <a:extLst>
+                    <a:ext uri="{FF2B5EF4-FFF2-40B4-BE49-F238E27FC236}">
+                      <a16:creationId xmlns:a16="http://schemas.microsoft.com/office/drawing/2014/main" id="{ADBDEF7C-A3CF-A387-36D4-F4731FCF067D}"/>
+                    </a:ext>
+                  </a:extLst>
+                </p:cNvPr>
+                <p:cNvPicPr>
+                  <a:picLocks noChangeAspect="1" noChangeArrowheads="1"/>
+                </p:cNvPicPr>
+                <p:nvPr/>
+              </p:nvPicPr>
+              <p:blipFill>
+                <a:blip r:embed="rId8" cstate="print">
+                  <a:extLst>
+                    <a:ext uri="{28A0092B-C50C-407E-A947-70E740481C1C}">
+                      <a14:useLocalDpi xmlns:a14="http://schemas.microsoft.com/office/drawing/2010/main" val="0"/>
+                    </a:ext>
+                  </a:extLst>
+                </a:blip>
+                <a:srcRect/>
+                <a:stretch>
+                  <a:fillRect/>
+                </a:stretch>
+              </p:blipFill>
+              <p:spPr bwMode="auto">
+                <a:xfrm rot="5400000">
+                  <a:off x="7476150" y="409426"/>
+                  <a:ext cx="91440" cy="91440"/>
+                </a:xfrm>
+                <a:prstGeom prst="rect">
+                  <a:avLst/>
+                </a:prstGeom>
+                <a:grpFill/>
+                <a:ln/>
+              </p:spPr>
+              <p:style>
+                <a:lnRef idx="0">
+                  <a:schemeClr val="accent3"/>
+                </a:lnRef>
+                <a:fillRef idx="3">
+                  <a:schemeClr val="accent3"/>
+                </a:fillRef>
+                <a:effectRef idx="3">
+                  <a:schemeClr val="accent3"/>
+                </a:effectRef>
+                <a:fontRef idx="minor">
+                  <a:schemeClr val="lt1"/>
+                </a:fontRef>
+              </p:style>
+            </p:pic>
+            <p:grpSp>
+              <p:nvGrpSpPr>
+                <p:cNvPr id="52" name="X">
+                  <a:extLst>
+                    <a:ext uri="{FF2B5EF4-FFF2-40B4-BE49-F238E27FC236}">
+                      <a16:creationId xmlns:a16="http://schemas.microsoft.com/office/drawing/2014/main" id="{CE2C1DF4-C371-5DB0-4170-9A638BB586C2}"/>
+                    </a:ext>
+                  </a:extLst>
+                </p:cNvPr>
+                <p:cNvGrpSpPr/>
+                <p:nvPr/>
+              </p:nvGrpSpPr>
+              <p:grpSpPr>
+                <a:xfrm>
+                  <a:off x="7913235" y="409426"/>
+                  <a:ext cx="91440" cy="91440"/>
+                  <a:chOff x="4687215" y="1739180"/>
+                  <a:chExt cx="91440" cy="91440"/>
+                </a:xfrm>
+                <a:grpFill/>
+              </p:grpSpPr>
+              <p:cxnSp>
+                <p:nvCxnSpPr>
+                  <p:cNvPr id="53" name="Straight Connector 52">
+                    <a:extLst>
+                      <a:ext uri="{FF2B5EF4-FFF2-40B4-BE49-F238E27FC236}">
+                        <a16:creationId xmlns:a16="http://schemas.microsoft.com/office/drawing/2014/main" id="{7798EED9-2F8E-2CA0-4855-5C0508C5362C}"/>
+                      </a:ext>
+                    </a:extLst>
+                  </p:cNvPr>
+                  <p:cNvCxnSpPr/>
+                  <p:nvPr/>
+                </p:nvCxnSpPr>
+                <p:spPr>
+                  <a:xfrm flipV="1">
+                    <a:off x="4687215" y="1739180"/>
+                    <a:ext cx="91440" cy="91440"/>
+                  </a:xfrm>
+                  <a:prstGeom prst="line">
+                    <a:avLst/>
+                  </a:prstGeom>
+                  <a:grpFill/>
+                  <a:ln/>
+                </p:spPr>
+                <p:style>
+                  <a:lnRef idx="2">
+                    <a:schemeClr val="accent3">
+                      <a:shade val="50000"/>
+                    </a:schemeClr>
+                  </a:lnRef>
+                  <a:fillRef idx="1">
+                    <a:schemeClr val="accent3"/>
+                  </a:fillRef>
+                  <a:effectRef idx="0">
+                    <a:schemeClr val="accent3"/>
+                  </a:effectRef>
+                  <a:fontRef idx="minor">
+                    <a:schemeClr val="lt1"/>
+                  </a:fontRef>
+                </p:style>
+              </p:cxnSp>
+              <p:cxnSp>
+                <p:nvCxnSpPr>
+                  <p:cNvPr id="54" name="Straight Connector 53">
+                    <a:extLst>
+                      <a:ext uri="{FF2B5EF4-FFF2-40B4-BE49-F238E27FC236}">
+                        <a16:creationId xmlns:a16="http://schemas.microsoft.com/office/drawing/2014/main" id="{C04AE3B0-0B4A-10F4-9102-FA7B8E6FF8C5}"/>
+                      </a:ext>
+                    </a:extLst>
+                  </p:cNvPr>
+                  <p:cNvCxnSpPr/>
+                  <p:nvPr/>
+                </p:nvCxnSpPr>
+                <p:spPr>
+                  <a:xfrm>
+                    <a:off x="4687215" y="1739180"/>
+                    <a:ext cx="91440" cy="91440"/>
+                  </a:xfrm>
+                  <a:prstGeom prst="line">
+                    <a:avLst/>
+                  </a:prstGeom>
+                  <a:grpFill/>
+                  <a:ln/>
+                </p:spPr>
+                <p:style>
+                  <a:lnRef idx="2">
+                    <a:schemeClr val="accent3">
+                      <a:shade val="50000"/>
+                    </a:schemeClr>
+                  </a:lnRef>
+                  <a:fillRef idx="1">
+                    <a:schemeClr val="accent3"/>
+                  </a:fillRef>
+                  <a:effectRef idx="0">
+                    <a:schemeClr val="accent3"/>
+                  </a:effectRef>
+                  <a:fontRef idx="minor">
+                    <a:schemeClr val="lt1"/>
+                  </a:fontRef>
+                </p:style>
+              </p:cxnSp>
+            </p:grpSp>
+          </p:grpSp>
+        </p:grpSp>
+      </p:grpSp>
+      <p:pic>
+        <p:nvPicPr>
+          <p:cNvPr id="70" name="Picture 69">
+            <a:extLst>
+              <a:ext uri="{FF2B5EF4-FFF2-40B4-BE49-F238E27FC236}">
+                <a16:creationId xmlns:a16="http://schemas.microsoft.com/office/drawing/2014/main" id="{33217557-E528-38D8-F251-409BDE1416A5}"/>
+              </a:ext>
+            </a:extLst>
+          </p:cNvPr>
+          <p:cNvPicPr>
+            <a:picLocks noChangeAspect="1"/>
+          </p:cNvPicPr>
+          <p:nvPr/>
+        </p:nvPicPr>
+        <p:blipFill>
+          <a:blip r:embed="rId9">
+            <a:extLst>
+              <a:ext uri="{28A0092B-C50C-407E-A947-70E740481C1C}">
+                <a14:useLocalDpi xmlns:a14="http://schemas.microsoft.com/office/drawing/2010/main" val="0"/>
+              </a:ext>
+            </a:extLst>
+          </a:blip>
+          <a:srcRect/>
+          <a:stretch/>
+        </p:blipFill>
+        <p:spPr>
+          <a:xfrm>
+            <a:off x="78401" y="694856"/>
+            <a:ext cx="12000206" cy="6089214"/>
+          </a:xfrm>
+          <a:prstGeom prst="rect">
+            <a:avLst/>
+          </a:prstGeom>
+        </p:spPr>
+      </p:pic>
+      <p:pic>
+        <p:nvPicPr>
+          <p:cNvPr id="78" name="Picture 77">
+            <a:extLst>
+              <a:ext uri="{FF2B5EF4-FFF2-40B4-BE49-F238E27FC236}">
+                <a16:creationId xmlns:a16="http://schemas.microsoft.com/office/drawing/2014/main" id="{BE49F987-81FC-6CEB-456E-9A1F00E9662F}"/>
+              </a:ext>
+            </a:extLst>
+          </p:cNvPr>
+          <p:cNvPicPr>
+            <a:picLocks noChangeAspect="1"/>
+          </p:cNvPicPr>
+          <p:nvPr/>
+        </p:nvPicPr>
+        <p:blipFill>
+          <a:blip r:embed="rId10">
+            <a:extLst>
+              <a:ext uri="{28A0092B-C50C-407E-A947-70E740481C1C}">
+                <a14:useLocalDpi xmlns:a14="http://schemas.microsoft.com/office/drawing/2010/main" val="0"/>
+              </a:ext>
+            </a:extLst>
+          </a:blip>
+          <a:stretch>
+            <a:fillRect/>
+          </a:stretch>
+        </p:blipFill>
+        <p:spPr>
+          <a:xfrm>
+            <a:off x="106222" y="44480"/>
+            <a:ext cx="268732" cy="203956"/>
+          </a:xfrm>
+          <a:prstGeom prst="rect">
+            <a:avLst/>
+          </a:prstGeom>
+        </p:spPr>
+      </p:pic>
+      <p:pic>
+        <p:nvPicPr>
+          <p:cNvPr id="87" name="Picture 86">
+            <a:extLst>
+              <a:ext uri="{FF2B5EF4-FFF2-40B4-BE49-F238E27FC236}">
+                <a16:creationId xmlns:a16="http://schemas.microsoft.com/office/drawing/2014/main" id="{71CB4DC1-F56E-0EFB-7507-750172886889}"/>
+              </a:ext>
+            </a:extLst>
+          </p:cNvPr>
+          <p:cNvPicPr>
+            <a:picLocks noChangeAspect="1"/>
+          </p:cNvPicPr>
+          <p:nvPr/>
+        </p:nvPicPr>
+        <p:blipFill>
+          <a:blip r:embed="rId10">
+            <a:extLst>
+              <a:ext uri="{28A0092B-C50C-407E-A947-70E740481C1C}">
+                <a14:useLocalDpi xmlns:a14="http://schemas.microsoft.com/office/drawing/2010/main" val="0"/>
+              </a:ext>
+            </a:extLst>
+          </a:blip>
+          <a:stretch>
+            <a:fillRect/>
+          </a:stretch>
+        </p:blipFill>
+        <p:spPr>
+          <a:xfrm>
+            <a:off x="89415" y="675601"/>
+            <a:ext cx="721561" cy="547633"/>
+          </a:xfrm>
+          <a:prstGeom prst="rect">
+            <a:avLst/>
+          </a:prstGeom>
+          <a:ln>
+            <a:noFill/>
+          </a:ln>
+          <a:effectLst>
+            <a:outerShdw blurRad="44450" dist="27940" dir="5400000" algn="ctr">
+              <a:srgbClr val="000000">
+                <a:alpha val="32000"/>
+              </a:srgbClr>
+            </a:outerShdw>
+          </a:effectLst>
+          <a:scene3d>
+            <a:camera prst="orthographicFront">
+              <a:rot lat="0" lon="0" rev="0"/>
+            </a:camera>
+            <a:lightRig rig="balanced" dir="t">
+              <a:rot lat="0" lon="0" rev="8700000"/>
+            </a:lightRig>
+          </a:scene3d>
+          <a:sp3d>
+            <a:bevelT w="190500" h="38100"/>
+          </a:sp3d>
+        </p:spPr>
+      </p:pic>
+      <p:sp>
+        <p:nvSpPr>
+          <p:cNvPr id="88" name="TextBox 87">
+            <a:extLst>
+              <a:ext uri="{FF2B5EF4-FFF2-40B4-BE49-F238E27FC236}">
+                <a16:creationId xmlns:a16="http://schemas.microsoft.com/office/drawing/2014/main" id="{F33E13C9-A7D3-8773-E2D8-0A381EF9AEAA}"/>
+              </a:ext>
+            </a:extLst>
+          </p:cNvPr>
+          <p:cNvSpPr txBox="1"/>
+          <p:nvPr/>
+        </p:nvSpPr>
+        <p:spPr>
+          <a:xfrm>
+            <a:off x="798402" y="735854"/>
+            <a:ext cx="5459114" cy="461665"/>
+          </a:xfrm>
+          <a:prstGeom prst="rect">
+            <a:avLst/>
+          </a:prstGeom>
+          <a:noFill/>
+        </p:spPr>
+        <p:txBody>
+          <a:bodyPr wrap="square" rtlCol="0">
+            <a:spAutoFit/>
+          </a:bodyPr>
+          <a:lstStyle/>
+          <a:p>
+            <a:r>
+              <a:rPr lang="en-PH" sz="2400" i="0" dirty="0">
+                <a:ln w="3175">
+                  <a:solidFill>
+                    <a:schemeClr val="tx1"/>
+                  </a:solidFill>
+                </a:ln>
+                <a:solidFill>
+                  <a:srgbClr val="01ADF0"/>
+                </a:solidFill>
+                <a:effectLst>
+                  <a:outerShdw blurRad="38100" dist="38100" dir="2700000" algn="tl">
+                    <a:srgbClr val="000000">
+                      <a:alpha val="43137"/>
+                    </a:srgbClr>
+                  </a:outerShdw>
+                </a:effectLst>
+                <a:latin typeface="Swis721 Blk BT" panose="020B0904030502020204" pitchFamily="34" charset="0"/>
+                <a:ea typeface="Adobe Fan Heiti Std B" panose="020B0700000000000000" pitchFamily="34" charset="-128"/>
+                <a:cs typeface="Aharoni" panose="02010803020104030203" pitchFamily="2" charset="-79"/>
+              </a:rPr>
+              <a:t>GD</a:t>
+            </a:r>
+            <a:r>
+              <a:rPr lang="en-PH" sz="2400" i="0" dirty="0">
+                <a:ln w="3175">
+                  <a:solidFill>
+                    <a:schemeClr val="tx1"/>
+                  </a:solidFill>
+                </a:ln>
+                <a:effectLst>
+                  <a:outerShdw blurRad="38100" dist="38100" dir="2700000" algn="tl">
+                    <a:srgbClr val="000000">
+                      <a:alpha val="43137"/>
+                    </a:srgbClr>
+                  </a:outerShdw>
+                </a:effectLst>
+                <a:latin typeface="Swis721 Blk BT" panose="020B0904030502020204" pitchFamily="34" charset="0"/>
+                <a:ea typeface="Adobe Fan Heiti Std B" panose="020B0700000000000000" pitchFamily="34" charset="-128"/>
+                <a:cs typeface="Aharoni" panose="02010803020104030203" pitchFamily="2" charset="-79"/>
+              </a:rPr>
+              <a:t> </a:t>
+            </a:r>
+            <a:r>
+              <a:rPr lang="en-PH" sz="2400" i="0" dirty="0">
+                <a:ln w="3175">
+                  <a:solidFill>
+                    <a:schemeClr val="tx1"/>
+                  </a:solidFill>
+                </a:ln>
+                <a:solidFill>
+                  <a:schemeClr val="bg1"/>
+                </a:solidFill>
+                <a:effectLst>
+                  <a:outerShdw blurRad="38100" dist="38100" dir="2700000" algn="tl">
+                    <a:srgbClr val="000000">
+                      <a:alpha val="43137"/>
+                    </a:srgbClr>
+                  </a:outerShdw>
+                </a:effectLst>
+                <a:latin typeface="Swis721 Blk BT" panose="020B0904030502020204" pitchFamily="34" charset="0"/>
+                <a:ea typeface="Adobe Fan Heiti Std B" panose="020B0700000000000000" pitchFamily="34" charset="-128"/>
+                <a:cs typeface="Aharoni" panose="02010803020104030203" pitchFamily="2" charset="-79"/>
+              </a:rPr>
+              <a:t>OPTICAL CLINIC</a:t>
+            </a:r>
+            <a:endParaRPr lang="en-PH" sz="2400" dirty="0">
+              <a:ln w="3175">
+                <a:solidFill>
+                  <a:schemeClr val="tx1"/>
+                </a:solidFill>
+              </a:ln>
+              <a:solidFill>
+                <a:schemeClr val="bg1"/>
+              </a:solidFill>
+              <a:effectLst>
+                <a:outerShdw blurRad="38100" dist="38100" dir="2700000" algn="tl">
+                  <a:srgbClr val="000000">
+                    <a:alpha val="43137"/>
+                  </a:srgbClr>
+                </a:outerShdw>
+              </a:effectLst>
+              <a:latin typeface="Swis721 Blk BT" panose="020B0904030502020204" pitchFamily="34" charset="0"/>
+              <a:ea typeface="Adobe Fan Heiti Std B" panose="020B0700000000000000" pitchFamily="34" charset="-128"/>
+              <a:cs typeface="Aharoni" panose="02010803020104030203" pitchFamily="2" charset="-79"/>
+            </a:endParaRPr>
+          </a:p>
+        </p:txBody>
+      </p:sp>
+      <p:sp>
+        <p:nvSpPr>
+          <p:cNvPr id="91" name="TextBox 90">
+            <a:extLst>
+              <a:ext uri="{FF2B5EF4-FFF2-40B4-BE49-F238E27FC236}">
+                <a16:creationId xmlns:a16="http://schemas.microsoft.com/office/drawing/2014/main" id="{65DC2F73-3D4E-1CDF-7D95-76B423F3A417}"/>
+              </a:ext>
+            </a:extLst>
+          </p:cNvPr>
+          <p:cNvSpPr txBox="1"/>
+          <p:nvPr/>
+        </p:nvSpPr>
+        <p:spPr>
+          <a:xfrm>
+            <a:off x="11306173" y="735854"/>
+            <a:ext cx="971160" cy="261610"/>
+          </a:xfrm>
+          <a:prstGeom prst="rect">
+            <a:avLst/>
+          </a:prstGeom>
+          <a:noFill/>
+        </p:spPr>
+        <p:txBody>
+          <a:bodyPr wrap="square" rtlCol="0">
+            <a:spAutoFit/>
+          </a:bodyPr>
+          <a:lstStyle/>
+          <a:p>
+            <a:r>
+              <a:rPr lang="en-US" sz="1100" b="1" dirty="0">
+                <a:latin typeface="Adobe Fan Heiti Std B" panose="020B0700000000000000" pitchFamily="34" charset="-128"/>
+                <a:ea typeface="Adobe Fan Heiti Std B" panose="020B0700000000000000" pitchFamily="34" charset="-128"/>
+                <a:cs typeface="Aharoni" panose="02010803020104030203" pitchFamily="2" charset="-79"/>
+              </a:rPr>
+              <a:t>Raphyy</a:t>
+            </a:r>
+            <a:endParaRPr lang="en-PH" sz="1100" b="1" dirty="0">
+              <a:latin typeface="Adobe Fan Heiti Std B" panose="020B0700000000000000" pitchFamily="34" charset="-128"/>
+              <a:ea typeface="Adobe Fan Heiti Std B" panose="020B0700000000000000" pitchFamily="34" charset="-128"/>
+              <a:cs typeface="Aharoni" panose="02010803020104030203" pitchFamily="2" charset="-79"/>
+            </a:endParaRPr>
+          </a:p>
+        </p:txBody>
+      </p:sp>
+      <p:pic>
+        <p:nvPicPr>
+          <p:cNvPr id="96" name="Graphic 95" descr="User">
+            <a:extLst>
+              <a:ext uri="{FF2B5EF4-FFF2-40B4-BE49-F238E27FC236}">
+                <a16:creationId xmlns:a16="http://schemas.microsoft.com/office/drawing/2014/main" id="{8D4671ED-F017-5ABB-A1ED-4F41ACA80094}"/>
+              </a:ext>
+            </a:extLst>
+          </p:cNvPr>
+          <p:cNvPicPr>
+            <a:picLocks noChangeAspect="1"/>
+          </p:cNvPicPr>
+          <p:nvPr/>
+        </p:nvPicPr>
+        <p:blipFill>
+          <a:blip r:embed="rId11">
+            <a:extLst>
+              <a:ext uri="{28A0092B-C50C-407E-A947-70E740481C1C}">
+                <a14:useLocalDpi xmlns:a14="http://schemas.microsoft.com/office/drawing/2010/main" val="0"/>
+              </a:ext>
+              <a:ext uri="{96DAC541-7B7A-43D3-8B79-37D633B846F1}">
+                <asvg:svgBlip xmlns:asvg="http://schemas.microsoft.com/office/drawing/2016/SVG/main" r:embed="rId12"/>
+              </a:ext>
+            </a:extLst>
+          </a:blip>
+          <a:stretch>
+            <a:fillRect/>
+          </a:stretch>
+        </p:blipFill>
+        <p:spPr>
+          <a:xfrm>
+            <a:off x="11022666" y="776994"/>
+            <a:ext cx="309288" cy="308994"/>
+          </a:xfrm>
+          <a:prstGeom prst="rect">
+            <a:avLst/>
+          </a:prstGeom>
+        </p:spPr>
+      </p:pic>
+      <p:sp>
+        <p:nvSpPr>
+          <p:cNvPr id="72" name="TextBox 71">
+            <a:extLst>
+              <a:ext uri="{FF2B5EF4-FFF2-40B4-BE49-F238E27FC236}">
+                <a16:creationId xmlns:a16="http://schemas.microsoft.com/office/drawing/2014/main" id="{3896AE3F-8D18-B836-B963-574890E793E2}"/>
+              </a:ext>
+            </a:extLst>
+          </p:cNvPr>
+          <p:cNvSpPr txBox="1"/>
+          <p:nvPr/>
+        </p:nvSpPr>
+        <p:spPr>
+          <a:xfrm>
+            <a:off x="11308082" y="940972"/>
+            <a:ext cx="971160" cy="230832"/>
+          </a:xfrm>
+          <a:prstGeom prst="rect">
+            <a:avLst/>
+          </a:prstGeom>
+          <a:noFill/>
+        </p:spPr>
+        <p:txBody>
+          <a:bodyPr wrap="square" rtlCol="0">
+            <a:spAutoFit/>
+          </a:bodyPr>
+          <a:lstStyle/>
+          <a:p>
+            <a:r>
+              <a:rPr lang="en-US" sz="900" b="1" dirty="0">
+                <a:solidFill>
+                  <a:schemeClr val="tx1">
+                    <a:lumMod val="65000"/>
+                    <a:lumOff val="35000"/>
+                  </a:schemeClr>
+                </a:solidFill>
+                <a:latin typeface="Adobe Fan Heiti Std B" panose="020B0700000000000000" pitchFamily="34" charset="-128"/>
+                <a:ea typeface="Adobe Fan Heiti Std B" panose="020B0700000000000000" pitchFamily="34" charset="-128"/>
+                <a:cs typeface="Aharoni" panose="02010803020104030203" pitchFamily="2" charset="-79"/>
+              </a:rPr>
+              <a:t>Secretary</a:t>
+            </a:r>
+            <a:endParaRPr lang="en-PH" sz="900" b="1" dirty="0">
+              <a:solidFill>
+                <a:schemeClr val="tx1">
+                  <a:lumMod val="65000"/>
+                  <a:lumOff val="35000"/>
+                </a:schemeClr>
+              </a:solidFill>
+              <a:latin typeface="Adobe Fan Heiti Std B" panose="020B0700000000000000" pitchFamily="34" charset="-128"/>
+              <a:ea typeface="Adobe Fan Heiti Std B" panose="020B0700000000000000" pitchFamily="34" charset="-128"/>
+              <a:cs typeface="Aharoni" panose="02010803020104030203" pitchFamily="2" charset="-79"/>
+            </a:endParaRPr>
+          </a:p>
+        </p:txBody>
+      </p:sp>
+      <p:pic>
+        <p:nvPicPr>
+          <p:cNvPr id="6" name="Picture 5">
+            <a:extLst>
+              <a:ext uri="{FF2B5EF4-FFF2-40B4-BE49-F238E27FC236}">
+                <a16:creationId xmlns:a16="http://schemas.microsoft.com/office/drawing/2014/main" id="{50CEB0FB-36C3-F649-A150-BBEEC2510E52}"/>
+              </a:ext>
+            </a:extLst>
+          </p:cNvPr>
+          <p:cNvPicPr>
+            <a:picLocks noChangeAspect="1"/>
+          </p:cNvPicPr>
+          <p:nvPr/>
+        </p:nvPicPr>
+        <p:blipFill>
+          <a:blip r:embed="rId13">
+            <a:extLst>
+              <a:ext uri="{28A0092B-C50C-407E-A947-70E740481C1C}">
+                <a14:useLocalDpi xmlns:a14="http://schemas.microsoft.com/office/drawing/2010/main" val="0"/>
+              </a:ext>
+            </a:extLst>
+          </a:blip>
+          <a:srcRect/>
+          <a:stretch/>
+        </p:blipFill>
+        <p:spPr>
+          <a:xfrm>
+            <a:off x="78315" y="1259229"/>
+            <a:ext cx="12000206" cy="5524841"/>
+          </a:xfrm>
+          <a:prstGeom prst="rect">
+            <a:avLst/>
+          </a:prstGeom>
+        </p:spPr>
+      </p:pic>
+      <p:cxnSp>
+        <p:nvCxnSpPr>
+          <p:cNvPr id="23" name="Straight Connector 22">
+            <a:extLst>
+              <a:ext uri="{FF2B5EF4-FFF2-40B4-BE49-F238E27FC236}">
+                <a16:creationId xmlns:a16="http://schemas.microsoft.com/office/drawing/2014/main" id="{26EE522D-F16F-0864-D92E-52A624487827}"/>
+              </a:ext>
+            </a:extLst>
+          </p:cNvPr>
+          <p:cNvCxnSpPr>
+            <a:cxnSpLocks/>
+          </p:cNvCxnSpPr>
+          <p:nvPr/>
+        </p:nvCxnSpPr>
+        <p:spPr>
+          <a:xfrm>
+            <a:off x="1771650" y="1259229"/>
+            <a:ext cx="0" cy="5519697"/>
+          </a:xfrm>
+          <a:prstGeom prst="line">
+            <a:avLst/>
+          </a:prstGeom>
+        </p:spPr>
+        <p:style>
+          <a:lnRef idx="1">
+            <a:schemeClr val="accent3"/>
+          </a:lnRef>
+          <a:fillRef idx="0">
+            <a:schemeClr val="accent3"/>
+          </a:fillRef>
+          <a:effectRef idx="0">
+            <a:schemeClr val="accent3"/>
+          </a:effectRef>
+          <a:fontRef idx="minor">
+            <a:schemeClr val="tx1"/>
+          </a:fontRef>
+        </p:style>
+      </p:cxnSp>
+      <p:sp>
+        <p:nvSpPr>
+          <p:cNvPr id="83" name="TextBox 82">
+            <a:extLst>
+              <a:ext uri="{FF2B5EF4-FFF2-40B4-BE49-F238E27FC236}">
+                <a16:creationId xmlns:a16="http://schemas.microsoft.com/office/drawing/2014/main" id="{B1B2AAE7-AD1F-DD7A-F7C2-77F35E2776D4}"/>
+              </a:ext>
+            </a:extLst>
+          </p:cNvPr>
+          <p:cNvSpPr txBox="1"/>
+          <p:nvPr/>
+        </p:nvSpPr>
+        <p:spPr>
+          <a:xfrm>
+            <a:off x="588970" y="6340941"/>
+            <a:ext cx="979755" cy="369332"/>
+          </a:xfrm>
+          <a:prstGeom prst="rect">
+            <a:avLst/>
+          </a:prstGeom>
+          <a:noFill/>
+        </p:spPr>
+        <p:txBody>
+          <a:bodyPr wrap="none" rtlCol="0">
+            <a:spAutoFit/>
+          </a:bodyPr>
+          <a:lstStyle/>
+          <a:p>
+            <a:r>
+              <a:rPr lang="en-US" dirty="0">
+                <a:latin typeface="Adobe Hebrew" panose="02040503050201020203" pitchFamily="18" charset="-79"/>
+                <a:ea typeface="Adobe Gothic Std B" panose="020B0800000000000000" pitchFamily="34" charset="-128"/>
+                <a:cs typeface="Adobe Hebrew" panose="02040503050201020203" pitchFamily="18" charset="-79"/>
+              </a:rPr>
+              <a:t>Log Out</a:t>
+            </a:r>
+            <a:endParaRPr lang="en-PH" dirty="0">
+              <a:latin typeface="Adobe Hebrew" panose="02040503050201020203" pitchFamily="18" charset="-79"/>
+              <a:ea typeface="Adobe Gothic Std B" panose="020B0800000000000000" pitchFamily="34" charset="-128"/>
+              <a:cs typeface="Adobe Hebrew" panose="02040503050201020203" pitchFamily="18" charset="-79"/>
+            </a:endParaRPr>
+          </a:p>
+        </p:txBody>
+      </p:sp>
+      <p:pic>
+        <p:nvPicPr>
+          <p:cNvPr id="32" name="Graphic 31" descr="Power">
+            <a:extLst>
+              <a:ext uri="{FF2B5EF4-FFF2-40B4-BE49-F238E27FC236}">
+                <a16:creationId xmlns:a16="http://schemas.microsoft.com/office/drawing/2014/main" id="{5DD65011-9825-699D-74F7-B7B6AA912C43}"/>
+              </a:ext>
+            </a:extLst>
+          </p:cNvPr>
+          <p:cNvPicPr>
+            <a:picLocks noChangeAspect="1"/>
+          </p:cNvPicPr>
+          <p:nvPr/>
+        </p:nvPicPr>
+        <p:blipFill>
+          <a:blip r:embed="rId14">
+            <a:extLst>
+              <a:ext uri="{28A0092B-C50C-407E-A947-70E740481C1C}">
+                <a14:useLocalDpi xmlns:a14="http://schemas.microsoft.com/office/drawing/2010/main" val="0"/>
+              </a:ext>
+              <a:ext uri="{96DAC541-7B7A-43D3-8B79-37D633B846F1}">
+                <asvg:svgBlip xmlns:asvg="http://schemas.microsoft.com/office/drawing/2016/SVG/main" r:embed="rId15"/>
+              </a:ext>
+            </a:extLst>
+          </a:blip>
+          <a:stretch>
+            <a:fillRect/>
+          </a:stretch>
+        </p:blipFill>
+        <p:spPr>
+          <a:xfrm>
+            <a:off x="273121" y="6343926"/>
+            <a:ext cx="315384" cy="315384"/>
+          </a:xfrm>
+          <a:prstGeom prst="rect">
+            <a:avLst/>
+          </a:prstGeom>
+        </p:spPr>
+      </p:pic>
+      <p:sp>
+        <p:nvSpPr>
+          <p:cNvPr id="85" name="Rectangle 84">
+            <a:extLst>
+              <a:ext uri="{FF2B5EF4-FFF2-40B4-BE49-F238E27FC236}">
+                <a16:creationId xmlns:a16="http://schemas.microsoft.com/office/drawing/2014/main" id="{B1257531-8287-AA46-D21E-7BA9B1573ED4}"/>
+              </a:ext>
+            </a:extLst>
+          </p:cNvPr>
+          <p:cNvSpPr/>
+          <p:nvPr/>
+        </p:nvSpPr>
+        <p:spPr>
+          <a:xfrm>
+            <a:off x="78227" y="2653480"/>
+            <a:ext cx="1693248" cy="524447"/>
+          </a:xfrm>
+          <a:prstGeom prst="rect">
+            <a:avLst/>
+          </a:prstGeom>
+          <a:noFill/>
+          <a:ln>
+            <a:solidFill>
+              <a:schemeClr val="bg2">
+                <a:lumMod val="75000"/>
+              </a:schemeClr>
+            </a:solidFill>
+          </a:ln>
+        </p:spPr>
+        <p:style>
+          <a:lnRef idx="2">
+            <a:schemeClr val="accent5">
+              <a:shade val="50000"/>
+            </a:schemeClr>
+          </a:lnRef>
+          <a:fillRef idx="1">
+            <a:schemeClr val="accent5"/>
+          </a:fillRef>
+          <a:effectRef idx="0">
+            <a:schemeClr val="accent5"/>
+          </a:effectRef>
+          <a:fontRef idx="minor">
+            <a:schemeClr val="lt1"/>
+          </a:fontRef>
+        </p:style>
+        <p:txBody>
+          <a:bodyPr rtlCol="0" anchor="ctr"/>
+          <a:lstStyle/>
+          <a:p>
+            <a:pPr algn="ctr"/>
+            <a:endParaRPr lang="en-PH"/>
+          </a:p>
+        </p:txBody>
+      </p:sp>
+      <p:sp>
+        <p:nvSpPr>
+          <p:cNvPr id="80" name="TextBox 79">
+            <a:extLst>
+              <a:ext uri="{FF2B5EF4-FFF2-40B4-BE49-F238E27FC236}">
+                <a16:creationId xmlns:a16="http://schemas.microsoft.com/office/drawing/2014/main" id="{C91DD33F-6652-F4B5-66A0-293241585688}"/>
+              </a:ext>
+            </a:extLst>
+          </p:cNvPr>
+          <p:cNvSpPr txBox="1"/>
+          <p:nvPr/>
+        </p:nvSpPr>
+        <p:spPr>
+          <a:xfrm>
+            <a:off x="89414" y="2752290"/>
+            <a:ext cx="1633781" cy="369332"/>
+          </a:xfrm>
+          <a:prstGeom prst="rect">
+            <a:avLst/>
+          </a:prstGeom>
+          <a:noFill/>
+        </p:spPr>
+        <p:txBody>
+          <a:bodyPr wrap="none" rtlCol="0">
+            <a:spAutoFit/>
+          </a:bodyPr>
+          <a:lstStyle/>
+          <a:p>
+            <a:r>
+              <a:rPr lang="en-US" dirty="0">
+                <a:latin typeface="Adobe Gothic Std B" panose="020B0800000000000000" pitchFamily="34" charset="-128"/>
+                <a:ea typeface="Adobe Gothic Std B" panose="020B0800000000000000" pitchFamily="34" charset="-128"/>
+              </a:rPr>
+              <a:t>View Patients</a:t>
+            </a:r>
+            <a:endParaRPr lang="en-PH" dirty="0">
+              <a:latin typeface="Adobe Gothic Std B" panose="020B0800000000000000" pitchFamily="34" charset="-128"/>
+              <a:ea typeface="Adobe Gothic Std B" panose="020B0800000000000000" pitchFamily="34" charset="-128"/>
+            </a:endParaRPr>
+          </a:p>
+        </p:txBody>
+      </p:sp>
+      <p:sp>
+        <p:nvSpPr>
+          <p:cNvPr id="82" name="TextBox 81">
+            <a:extLst>
+              <a:ext uri="{FF2B5EF4-FFF2-40B4-BE49-F238E27FC236}">
+                <a16:creationId xmlns:a16="http://schemas.microsoft.com/office/drawing/2014/main" id="{7E02B501-8F44-E83D-4E22-B5C0EB0E5418}"/>
+              </a:ext>
+            </a:extLst>
+          </p:cNvPr>
+          <p:cNvSpPr txBox="1"/>
+          <p:nvPr/>
+        </p:nvSpPr>
+        <p:spPr>
+          <a:xfrm>
+            <a:off x="142401" y="3388262"/>
+            <a:ext cx="1502334" cy="369332"/>
+          </a:xfrm>
+          <a:prstGeom prst="rect">
+            <a:avLst/>
+          </a:prstGeom>
+          <a:noFill/>
+        </p:spPr>
+        <p:txBody>
+          <a:bodyPr wrap="none" rtlCol="0">
+            <a:spAutoFit/>
+          </a:bodyPr>
+          <a:lstStyle/>
+          <a:p>
+            <a:r>
+              <a:rPr lang="en-US" dirty="0">
+                <a:latin typeface="Adobe Gothic Std B" panose="020B0800000000000000" pitchFamily="34" charset="-128"/>
+                <a:ea typeface="Adobe Gothic Std B" panose="020B0800000000000000" pitchFamily="34" charset="-128"/>
+              </a:rPr>
+              <a:t>Certification</a:t>
+            </a:r>
+            <a:endParaRPr lang="en-PH" dirty="0">
+              <a:latin typeface="Adobe Gothic Std B" panose="020B0800000000000000" pitchFamily="34" charset="-128"/>
+              <a:ea typeface="Adobe Gothic Std B" panose="020B0800000000000000" pitchFamily="34" charset="-128"/>
+            </a:endParaRPr>
+          </a:p>
+        </p:txBody>
+      </p:sp>
+      <p:sp>
+        <p:nvSpPr>
+          <p:cNvPr id="86" name="Rectangle 85">
+            <a:extLst>
+              <a:ext uri="{FF2B5EF4-FFF2-40B4-BE49-F238E27FC236}">
+                <a16:creationId xmlns:a16="http://schemas.microsoft.com/office/drawing/2014/main" id="{208B5079-3886-E1F8-0D05-19305BC2FAE5}"/>
+              </a:ext>
+            </a:extLst>
+          </p:cNvPr>
+          <p:cNvSpPr/>
+          <p:nvPr/>
+        </p:nvSpPr>
+        <p:spPr>
+          <a:xfrm>
+            <a:off x="78227" y="3292031"/>
+            <a:ext cx="1693247" cy="524447"/>
+          </a:xfrm>
+          <a:prstGeom prst="rect">
+            <a:avLst/>
+          </a:prstGeom>
+          <a:noFill/>
+          <a:ln>
+            <a:solidFill>
+              <a:schemeClr val="bg2">
+                <a:lumMod val="75000"/>
+              </a:schemeClr>
+            </a:solidFill>
+          </a:ln>
+        </p:spPr>
+        <p:style>
+          <a:lnRef idx="2">
+            <a:schemeClr val="accent5">
+              <a:shade val="50000"/>
+            </a:schemeClr>
+          </a:lnRef>
+          <a:fillRef idx="1">
+            <a:schemeClr val="accent5"/>
+          </a:fillRef>
+          <a:effectRef idx="0">
+            <a:schemeClr val="accent5"/>
+          </a:effectRef>
+          <a:fontRef idx="minor">
+            <a:schemeClr val="lt1"/>
+          </a:fontRef>
+        </p:style>
+        <p:txBody>
+          <a:bodyPr rtlCol="0" anchor="ctr"/>
+          <a:lstStyle/>
+          <a:p>
+            <a:pPr algn="ctr"/>
+            <a:endParaRPr lang="en-PH"/>
+          </a:p>
+        </p:txBody>
+      </p:sp>
+      <p:sp>
+        <p:nvSpPr>
+          <p:cNvPr id="89" name="Rectangle 88">
+            <a:extLst>
+              <a:ext uri="{FF2B5EF4-FFF2-40B4-BE49-F238E27FC236}">
+                <a16:creationId xmlns:a16="http://schemas.microsoft.com/office/drawing/2014/main" id="{97FBE3C1-034A-9C5F-2CE8-79C3E92AA614}"/>
+              </a:ext>
+            </a:extLst>
+          </p:cNvPr>
+          <p:cNvSpPr/>
+          <p:nvPr/>
+        </p:nvSpPr>
+        <p:spPr>
+          <a:xfrm>
+            <a:off x="73841" y="6251715"/>
+            <a:ext cx="1693247" cy="524447"/>
+          </a:xfrm>
+          <a:prstGeom prst="rect">
+            <a:avLst/>
+          </a:prstGeom>
+          <a:noFill/>
+          <a:ln>
+            <a:solidFill>
+              <a:schemeClr val="bg2">
+                <a:lumMod val="75000"/>
+              </a:schemeClr>
+            </a:solidFill>
+          </a:ln>
+        </p:spPr>
+        <p:style>
+          <a:lnRef idx="2">
+            <a:schemeClr val="accent5">
+              <a:shade val="50000"/>
+            </a:schemeClr>
+          </a:lnRef>
+          <a:fillRef idx="1">
+            <a:schemeClr val="accent5"/>
+          </a:fillRef>
+          <a:effectRef idx="0">
+            <a:schemeClr val="accent5"/>
+          </a:effectRef>
+          <a:fontRef idx="minor">
+            <a:schemeClr val="lt1"/>
+          </a:fontRef>
+        </p:style>
+        <p:txBody>
+          <a:bodyPr rtlCol="0" anchor="ctr"/>
+          <a:lstStyle/>
+          <a:p>
+            <a:pPr algn="ctr"/>
+            <a:endParaRPr lang="en-PH"/>
+          </a:p>
+        </p:txBody>
+      </p:sp>
+      <p:sp>
+        <p:nvSpPr>
+          <p:cNvPr id="98" name="Rectangle 97">
+            <a:extLst>
+              <a:ext uri="{FF2B5EF4-FFF2-40B4-BE49-F238E27FC236}">
+                <a16:creationId xmlns:a16="http://schemas.microsoft.com/office/drawing/2014/main" id="{4A776F10-BACA-1ABD-DA26-619EB021DDC3}"/>
+              </a:ext>
+            </a:extLst>
+          </p:cNvPr>
+          <p:cNvSpPr/>
+          <p:nvPr/>
+        </p:nvSpPr>
+        <p:spPr>
+          <a:xfrm>
+            <a:off x="78227" y="1340870"/>
+            <a:ext cx="1693247" cy="524447"/>
+          </a:xfrm>
+          <a:prstGeom prst="rect">
+            <a:avLst/>
+          </a:prstGeom>
+          <a:noFill/>
+          <a:ln>
+            <a:solidFill>
+              <a:schemeClr val="bg2">
+                <a:lumMod val="75000"/>
+              </a:schemeClr>
+            </a:solidFill>
+          </a:ln>
+        </p:spPr>
+        <p:style>
+          <a:lnRef idx="2">
+            <a:schemeClr val="accent5">
+              <a:shade val="50000"/>
+            </a:schemeClr>
+          </a:lnRef>
+          <a:fillRef idx="1">
+            <a:schemeClr val="accent5"/>
+          </a:fillRef>
+          <a:effectRef idx="0">
+            <a:schemeClr val="accent5"/>
+          </a:effectRef>
+          <a:fontRef idx="minor">
+            <a:schemeClr val="lt1"/>
+          </a:fontRef>
+        </p:style>
+        <p:txBody>
+          <a:bodyPr rtlCol="0" anchor="ctr"/>
+          <a:lstStyle/>
+          <a:p>
+            <a:pPr algn="ctr"/>
+            <a:endParaRPr lang="en-PH"/>
+          </a:p>
+        </p:txBody>
+      </p:sp>
+      <p:sp>
+        <p:nvSpPr>
+          <p:cNvPr id="99" name="TextBox 98">
+            <a:extLst>
+              <a:ext uri="{FF2B5EF4-FFF2-40B4-BE49-F238E27FC236}">
+                <a16:creationId xmlns:a16="http://schemas.microsoft.com/office/drawing/2014/main" id="{2AC5A076-993C-13A0-AA0C-6649EDB941BD}"/>
+              </a:ext>
+            </a:extLst>
+          </p:cNvPr>
+          <p:cNvSpPr txBox="1"/>
+          <p:nvPr/>
+        </p:nvSpPr>
+        <p:spPr>
+          <a:xfrm>
+            <a:off x="510738" y="1441350"/>
+            <a:ext cx="819455" cy="369332"/>
+          </a:xfrm>
+          <a:prstGeom prst="rect">
+            <a:avLst/>
+          </a:prstGeom>
+          <a:noFill/>
+        </p:spPr>
+        <p:txBody>
+          <a:bodyPr wrap="none" rtlCol="0">
+            <a:spAutoFit/>
+          </a:bodyPr>
+          <a:lstStyle/>
+          <a:p>
+            <a:r>
+              <a:rPr lang="en-US" dirty="0">
+                <a:latin typeface="Adobe Gothic Std B" panose="020B0800000000000000" pitchFamily="34" charset="-128"/>
+                <a:ea typeface="Adobe Gothic Std B" panose="020B0800000000000000" pitchFamily="34" charset="-128"/>
+              </a:rPr>
+              <a:t>Home</a:t>
+            </a:r>
+            <a:endParaRPr lang="en-PH" dirty="0">
+              <a:latin typeface="Adobe Gothic Std B" panose="020B0800000000000000" pitchFamily="34" charset="-128"/>
+              <a:ea typeface="Adobe Gothic Std B" panose="020B0800000000000000" pitchFamily="34" charset="-128"/>
+            </a:endParaRPr>
+          </a:p>
+        </p:txBody>
+      </p:sp>
+      <p:sp>
+        <p:nvSpPr>
+          <p:cNvPr id="67" name="Rectangle 66">
+            <a:extLst>
+              <a:ext uri="{FF2B5EF4-FFF2-40B4-BE49-F238E27FC236}">
+                <a16:creationId xmlns:a16="http://schemas.microsoft.com/office/drawing/2014/main" id="{0AD20C50-FB3E-8E03-3215-B78728565870}"/>
+              </a:ext>
+            </a:extLst>
+          </p:cNvPr>
+          <p:cNvSpPr/>
+          <p:nvPr/>
+        </p:nvSpPr>
+        <p:spPr>
+          <a:xfrm>
+            <a:off x="73841" y="2025213"/>
+            <a:ext cx="1693247" cy="524447"/>
+          </a:xfrm>
+          <a:prstGeom prst="rect">
+            <a:avLst/>
+          </a:prstGeom>
+          <a:solidFill>
+            <a:srgbClr val="01ADF0"/>
+          </a:solidFill>
+        </p:spPr>
+        <p:style>
+          <a:lnRef idx="2">
+            <a:schemeClr val="accent5">
+              <a:shade val="50000"/>
+            </a:schemeClr>
+          </a:lnRef>
+          <a:fillRef idx="1">
+            <a:schemeClr val="accent5"/>
+          </a:fillRef>
+          <a:effectRef idx="0">
+            <a:schemeClr val="accent5"/>
+          </a:effectRef>
+          <a:fontRef idx="minor">
+            <a:schemeClr val="lt1"/>
+          </a:fontRef>
+        </p:style>
+        <p:txBody>
+          <a:bodyPr rtlCol="0" anchor="ctr"/>
+          <a:lstStyle/>
+          <a:p>
+            <a:pPr algn="ctr"/>
+            <a:endParaRPr lang="en-PH"/>
+          </a:p>
+        </p:txBody>
+      </p:sp>
+      <p:sp>
+        <p:nvSpPr>
+          <p:cNvPr id="30" name="TextBox 29">
+            <a:extLst>
+              <a:ext uri="{FF2B5EF4-FFF2-40B4-BE49-F238E27FC236}">
+                <a16:creationId xmlns:a16="http://schemas.microsoft.com/office/drawing/2014/main" id="{CE8A6B20-DA6A-00BC-031D-5E1BC521DCB4}"/>
+              </a:ext>
+            </a:extLst>
+          </p:cNvPr>
+          <p:cNvSpPr txBox="1"/>
+          <p:nvPr/>
+        </p:nvSpPr>
+        <p:spPr>
+          <a:xfrm>
+            <a:off x="153062" y="2129033"/>
+            <a:ext cx="1544012" cy="369332"/>
+          </a:xfrm>
+          <a:prstGeom prst="rect">
+            <a:avLst/>
+          </a:prstGeom>
+          <a:noFill/>
+        </p:spPr>
+        <p:txBody>
+          <a:bodyPr wrap="none" rtlCol="0">
+            <a:spAutoFit/>
+          </a:bodyPr>
+          <a:lstStyle/>
+          <a:p>
+            <a:r>
+              <a:rPr lang="en-US" dirty="0">
+                <a:latin typeface="Adobe Gothic Std B" panose="020B0800000000000000" pitchFamily="34" charset="-128"/>
+                <a:ea typeface="Adobe Gothic Std B" panose="020B0800000000000000" pitchFamily="34" charset="-128"/>
+              </a:rPr>
+              <a:t>Add Patients</a:t>
+            </a:r>
+            <a:endParaRPr lang="en-PH" dirty="0">
+              <a:latin typeface="Adobe Gothic Std B" panose="020B0800000000000000" pitchFamily="34" charset="-128"/>
+              <a:ea typeface="Adobe Gothic Std B" panose="020B0800000000000000" pitchFamily="34" charset="-128"/>
+            </a:endParaRPr>
+          </a:p>
+        </p:txBody>
+      </p:sp>
+      <p:sp>
+        <p:nvSpPr>
+          <p:cNvPr id="4" name="Rectangle 3">
+            <a:extLst>
+              <a:ext uri="{FF2B5EF4-FFF2-40B4-BE49-F238E27FC236}">
+                <a16:creationId xmlns:a16="http://schemas.microsoft.com/office/drawing/2014/main" id="{6967DAC4-A60A-5475-987D-98C04212CAB2}"/>
+              </a:ext>
+            </a:extLst>
+          </p:cNvPr>
+          <p:cNvSpPr/>
+          <p:nvPr/>
+        </p:nvSpPr>
+        <p:spPr>
+          <a:xfrm>
+            <a:off x="1898798" y="1344482"/>
+            <a:ext cx="10052221" cy="5365791"/>
+          </a:xfrm>
+          <a:prstGeom prst="rect">
+            <a:avLst/>
+          </a:prstGeom>
+          <a:solidFill>
+            <a:schemeClr val="bg1">
+              <a:lumMod val="95000"/>
+            </a:schemeClr>
+          </a:solidFill>
+          <a:ln>
+            <a:solidFill>
+              <a:schemeClr val="bg1">
+                <a:lumMod val="50000"/>
+              </a:schemeClr>
+            </a:solidFill>
+          </a:ln>
+          <a:effectLst>
+            <a:softEdge rad="12700"/>
+          </a:effectLst>
+        </p:spPr>
+        <p:style>
+          <a:lnRef idx="2">
+            <a:schemeClr val="accent1">
+              <a:shade val="50000"/>
+            </a:schemeClr>
+          </a:lnRef>
+          <a:fillRef idx="1">
+            <a:schemeClr val="accent1"/>
+          </a:fillRef>
+          <a:effectRef idx="0">
+            <a:schemeClr val="accent1"/>
+          </a:effectRef>
+          <a:fontRef idx="minor">
+            <a:schemeClr val="lt1"/>
+          </a:fontRef>
+        </p:style>
+        <p:txBody>
+          <a:bodyPr rtlCol="0" anchor="ctr"/>
+          <a:lstStyle/>
+          <a:p>
+            <a:pPr algn="ctr"/>
+            <a:endParaRPr lang="en-PH" dirty="0"/>
+          </a:p>
+        </p:txBody>
+      </p:sp>
+      <p:sp>
+        <p:nvSpPr>
+          <p:cNvPr id="5" name="Rectangle 4">
+            <a:extLst>
+              <a:ext uri="{FF2B5EF4-FFF2-40B4-BE49-F238E27FC236}">
+                <a16:creationId xmlns:a16="http://schemas.microsoft.com/office/drawing/2014/main" id="{6C4ABA2B-E87D-788B-745E-FCE93FA76505}"/>
+              </a:ext>
+            </a:extLst>
+          </p:cNvPr>
+          <p:cNvSpPr/>
+          <p:nvPr/>
+        </p:nvSpPr>
+        <p:spPr>
+          <a:xfrm>
+            <a:off x="1895913" y="1340870"/>
+            <a:ext cx="10055103" cy="465464"/>
+          </a:xfrm>
+          <a:prstGeom prst="rect">
+            <a:avLst/>
+          </a:prstGeom>
+          <a:solidFill>
+            <a:srgbClr val="01ADF0"/>
+          </a:solidFill>
+          <a:ln>
+            <a:solidFill>
+              <a:schemeClr val="bg1">
+                <a:lumMod val="50000"/>
+              </a:schemeClr>
+            </a:solidFill>
+          </a:ln>
+          <a:effectLst>
+            <a:outerShdw blurRad="50800" dist="38100" dir="5400000" algn="t" rotWithShape="0">
+              <a:prstClr val="black">
+                <a:alpha val="40000"/>
+              </a:prstClr>
+            </a:outerShdw>
+          </a:effectLst>
+        </p:spPr>
+        <p:style>
+          <a:lnRef idx="2">
+            <a:schemeClr val="accent1">
+              <a:shade val="50000"/>
+            </a:schemeClr>
+          </a:lnRef>
+          <a:fillRef idx="1">
+            <a:schemeClr val="accent1"/>
+          </a:fillRef>
+          <a:effectRef idx="0">
+            <a:schemeClr val="accent1"/>
+          </a:effectRef>
+          <a:fontRef idx="minor">
+            <a:schemeClr val="lt1"/>
+          </a:fontRef>
+        </p:style>
+        <p:txBody>
+          <a:bodyPr rtlCol="0" anchor="ctr"/>
+          <a:lstStyle/>
+          <a:p>
+            <a:pPr algn="ctr"/>
+            <a:endParaRPr lang="en-PH"/>
+          </a:p>
+        </p:txBody>
+      </p:sp>
+      <p:sp>
+        <p:nvSpPr>
+          <p:cNvPr id="74" name="TextBox 73">
+            <a:extLst>
+              <a:ext uri="{FF2B5EF4-FFF2-40B4-BE49-F238E27FC236}">
+                <a16:creationId xmlns:a16="http://schemas.microsoft.com/office/drawing/2014/main" id="{9B7DEC1E-ACA9-224E-4044-4A0B2D24D997}"/>
+              </a:ext>
+            </a:extLst>
+          </p:cNvPr>
+          <p:cNvSpPr txBox="1"/>
+          <p:nvPr/>
+        </p:nvSpPr>
+        <p:spPr>
+          <a:xfrm>
+            <a:off x="6219981" y="1382329"/>
+            <a:ext cx="1439818" cy="369332"/>
+          </a:xfrm>
+          <a:prstGeom prst="rect">
+            <a:avLst/>
+          </a:prstGeom>
+          <a:noFill/>
+        </p:spPr>
+        <p:txBody>
+          <a:bodyPr wrap="none" rtlCol="0">
+            <a:spAutoFit/>
+          </a:bodyPr>
+          <a:lstStyle/>
+          <a:p>
+            <a:r>
+              <a:rPr lang="en-US" dirty="0">
+                <a:latin typeface="Bodoni Bd BT" panose="02070803080706020303" pitchFamily="18" charset="0"/>
+                <a:ea typeface="Adobe Gothic Std B" panose="020B0800000000000000" pitchFamily="34" charset="-128"/>
+              </a:rPr>
+              <a:t>Fill up Form</a:t>
+            </a:r>
+            <a:endParaRPr lang="en-PH" dirty="0">
+              <a:latin typeface="Bodoni Bd BT" panose="02070803080706020303" pitchFamily="18" charset="0"/>
+              <a:ea typeface="Adobe Gothic Std B" panose="020B0800000000000000" pitchFamily="34" charset="-128"/>
+            </a:endParaRPr>
+          </a:p>
+        </p:txBody>
+      </p:sp>
+      <p:sp>
+        <p:nvSpPr>
+          <p:cNvPr id="108" name="Rectangle: Rounded Corners 107">
+            <a:extLst>
+              <a:ext uri="{FF2B5EF4-FFF2-40B4-BE49-F238E27FC236}">
+                <a16:creationId xmlns:a16="http://schemas.microsoft.com/office/drawing/2014/main" id="{C6B5F80F-1757-7668-052E-CF515611838C}"/>
+              </a:ext>
+            </a:extLst>
+          </p:cNvPr>
+          <p:cNvSpPr/>
+          <p:nvPr/>
+        </p:nvSpPr>
+        <p:spPr>
+          <a:xfrm>
+            <a:off x="2043661" y="2135954"/>
+            <a:ext cx="2519667" cy="299211"/>
+          </a:xfrm>
+          <a:prstGeom prst="roundRect">
+            <a:avLst/>
+          </a:prstGeom>
+          <a:noFill/>
+          <a:ln>
+            <a:solidFill>
+              <a:schemeClr val="tx1"/>
+            </a:solidFill>
+          </a:ln>
+        </p:spPr>
+        <p:style>
+          <a:lnRef idx="2">
+            <a:schemeClr val="accent1">
+              <a:shade val="50000"/>
+            </a:schemeClr>
+          </a:lnRef>
+          <a:fillRef idx="1">
+            <a:schemeClr val="accent1"/>
+          </a:fillRef>
+          <a:effectRef idx="0">
+            <a:schemeClr val="accent1"/>
+          </a:effectRef>
+          <a:fontRef idx="minor">
+            <a:schemeClr val="lt1"/>
+          </a:fontRef>
+        </p:style>
+        <p:txBody>
+          <a:bodyPr rtlCol="0" anchor="ctr"/>
+          <a:lstStyle/>
+          <a:p>
+            <a:pPr algn="ctr"/>
+            <a:endParaRPr lang="en-PH" sz="1400"/>
+          </a:p>
+        </p:txBody>
+      </p:sp>
+      <p:sp>
+        <p:nvSpPr>
+          <p:cNvPr id="109" name="TextBox 108">
+            <a:extLst>
+              <a:ext uri="{FF2B5EF4-FFF2-40B4-BE49-F238E27FC236}">
+                <a16:creationId xmlns:a16="http://schemas.microsoft.com/office/drawing/2014/main" id="{2B88C568-5DEC-B8DC-7636-00107796AAB5}"/>
+              </a:ext>
+            </a:extLst>
+          </p:cNvPr>
+          <p:cNvSpPr txBox="1"/>
+          <p:nvPr/>
+        </p:nvSpPr>
+        <p:spPr>
+          <a:xfrm>
+            <a:off x="1947170" y="1867470"/>
+            <a:ext cx="1987826" cy="307777"/>
+          </a:xfrm>
+          <a:prstGeom prst="rect">
+            <a:avLst/>
+          </a:prstGeom>
+          <a:noFill/>
+        </p:spPr>
+        <p:txBody>
+          <a:bodyPr wrap="square" rtlCol="0">
+            <a:spAutoFit/>
+          </a:bodyPr>
+          <a:lstStyle/>
+          <a:p>
+            <a:r>
+              <a:rPr lang="en-PH" sz="1400" dirty="0"/>
+              <a:t>First Name</a:t>
+            </a:r>
+            <a:r>
+              <a:rPr lang="en-PH" sz="1400" dirty="0">
+                <a:solidFill>
+                  <a:srgbClr val="C00000"/>
+                </a:solidFill>
+              </a:rPr>
+              <a:t>*</a:t>
+            </a:r>
+          </a:p>
+        </p:txBody>
+      </p:sp>
+      <p:sp>
+        <p:nvSpPr>
+          <p:cNvPr id="110" name="Rectangle: Rounded Corners 109">
+            <a:extLst>
+              <a:ext uri="{FF2B5EF4-FFF2-40B4-BE49-F238E27FC236}">
+                <a16:creationId xmlns:a16="http://schemas.microsoft.com/office/drawing/2014/main" id="{4EE92F71-CF77-E08F-832A-9F528FF359D4}"/>
+              </a:ext>
+            </a:extLst>
+          </p:cNvPr>
+          <p:cNvSpPr/>
+          <p:nvPr/>
+        </p:nvSpPr>
+        <p:spPr>
+          <a:xfrm>
+            <a:off x="2055277" y="2696889"/>
+            <a:ext cx="2519667" cy="299211"/>
+          </a:xfrm>
+          <a:prstGeom prst="roundRect">
+            <a:avLst/>
+          </a:prstGeom>
+          <a:noFill/>
+          <a:ln>
+            <a:solidFill>
+              <a:schemeClr val="tx1"/>
+            </a:solidFill>
+          </a:ln>
+        </p:spPr>
+        <p:style>
+          <a:lnRef idx="2">
+            <a:schemeClr val="accent1">
+              <a:shade val="50000"/>
+            </a:schemeClr>
+          </a:lnRef>
+          <a:fillRef idx="1">
+            <a:schemeClr val="accent1"/>
+          </a:fillRef>
+          <a:effectRef idx="0">
+            <a:schemeClr val="accent1"/>
+          </a:effectRef>
+          <a:fontRef idx="minor">
+            <a:schemeClr val="lt1"/>
+          </a:fontRef>
+        </p:style>
+        <p:txBody>
+          <a:bodyPr rtlCol="0" anchor="ctr"/>
+          <a:lstStyle/>
+          <a:p>
+            <a:pPr algn="ctr"/>
+            <a:endParaRPr lang="en-PH" sz="1400"/>
+          </a:p>
+        </p:txBody>
+      </p:sp>
+      <p:sp>
+        <p:nvSpPr>
+          <p:cNvPr id="111" name="TextBox 110">
+            <a:extLst>
+              <a:ext uri="{FF2B5EF4-FFF2-40B4-BE49-F238E27FC236}">
+                <a16:creationId xmlns:a16="http://schemas.microsoft.com/office/drawing/2014/main" id="{1056790C-FE08-3D63-718D-72DA5E2F703E}"/>
+              </a:ext>
+            </a:extLst>
+          </p:cNvPr>
+          <p:cNvSpPr txBox="1"/>
+          <p:nvPr/>
+        </p:nvSpPr>
+        <p:spPr>
+          <a:xfrm>
+            <a:off x="1982036" y="2436971"/>
+            <a:ext cx="1987826" cy="307777"/>
+          </a:xfrm>
+          <a:prstGeom prst="rect">
+            <a:avLst/>
+          </a:prstGeom>
+          <a:noFill/>
+        </p:spPr>
+        <p:txBody>
+          <a:bodyPr wrap="square" rtlCol="0">
+            <a:spAutoFit/>
+          </a:bodyPr>
+          <a:lstStyle/>
+          <a:p>
+            <a:r>
+              <a:rPr lang="en-PH" sz="1400" dirty="0"/>
+              <a:t>Last Name</a:t>
+            </a:r>
+            <a:r>
+              <a:rPr lang="en-PH" sz="1400" dirty="0">
+                <a:solidFill>
+                  <a:srgbClr val="C00000"/>
+                </a:solidFill>
+              </a:rPr>
+              <a:t>*</a:t>
+            </a:r>
+          </a:p>
+        </p:txBody>
+      </p:sp>
+      <p:sp>
+        <p:nvSpPr>
+          <p:cNvPr id="112" name="Rectangle: Rounded Corners 111">
+            <a:extLst>
+              <a:ext uri="{FF2B5EF4-FFF2-40B4-BE49-F238E27FC236}">
+                <a16:creationId xmlns:a16="http://schemas.microsoft.com/office/drawing/2014/main" id="{EC733082-8A47-F8C4-8EBD-3E5861532481}"/>
+              </a:ext>
+            </a:extLst>
+          </p:cNvPr>
+          <p:cNvSpPr/>
+          <p:nvPr/>
+        </p:nvSpPr>
+        <p:spPr>
+          <a:xfrm>
+            <a:off x="2055277" y="3251124"/>
+            <a:ext cx="2519667" cy="299211"/>
+          </a:xfrm>
+          <a:prstGeom prst="roundRect">
+            <a:avLst/>
+          </a:prstGeom>
+          <a:noFill/>
+          <a:ln>
+            <a:solidFill>
+              <a:schemeClr val="tx1"/>
+            </a:solidFill>
+          </a:ln>
+        </p:spPr>
+        <p:style>
+          <a:lnRef idx="2">
+            <a:schemeClr val="accent1">
+              <a:shade val="50000"/>
+            </a:schemeClr>
+          </a:lnRef>
+          <a:fillRef idx="1">
+            <a:schemeClr val="accent1"/>
+          </a:fillRef>
+          <a:effectRef idx="0">
+            <a:schemeClr val="accent1"/>
+          </a:effectRef>
+          <a:fontRef idx="minor">
+            <a:schemeClr val="lt1"/>
+          </a:fontRef>
+        </p:style>
+        <p:txBody>
+          <a:bodyPr rtlCol="0" anchor="ctr"/>
+          <a:lstStyle/>
+          <a:p>
+            <a:pPr algn="ctr"/>
+            <a:endParaRPr lang="en-PH" sz="1400"/>
+          </a:p>
+        </p:txBody>
+      </p:sp>
+      <p:sp>
+        <p:nvSpPr>
+          <p:cNvPr id="113" name="TextBox 112">
+            <a:extLst>
+              <a:ext uri="{FF2B5EF4-FFF2-40B4-BE49-F238E27FC236}">
+                <a16:creationId xmlns:a16="http://schemas.microsoft.com/office/drawing/2014/main" id="{3156CA13-336F-7F22-577B-7562D65F7517}"/>
+              </a:ext>
+            </a:extLst>
+          </p:cNvPr>
+          <p:cNvSpPr txBox="1"/>
+          <p:nvPr/>
+        </p:nvSpPr>
+        <p:spPr>
+          <a:xfrm>
+            <a:off x="1968035" y="3017159"/>
+            <a:ext cx="1987826" cy="307777"/>
+          </a:xfrm>
+          <a:prstGeom prst="rect">
+            <a:avLst/>
+          </a:prstGeom>
+          <a:noFill/>
+        </p:spPr>
+        <p:txBody>
+          <a:bodyPr wrap="square" rtlCol="0">
+            <a:spAutoFit/>
+          </a:bodyPr>
+          <a:lstStyle/>
+          <a:p>
+            <a:r>
+              <a:rPr lang="en-PH" sz="1400" dirty="0"/>
+              <a:t>Middle Name</a:t>
+            </a:r>
+            <a:r>
+              <a:rPr lang="en-PH" sz="1400" dirty="0">
+                <a:solidFill>
+                  <a:srgbClr val="C00000"/>
+                </a:solidFill>
+              </a:rPr>
+              <a:t>*</a:t>
+            </a:r>
+          </a:p>
+        </p:txBody>
+      </p:sp>
+      <p:sp>
+        <p:nvSpPr>
+          <p:cNvPr id="114" name="Rectangle: Rounded Corners 113">
+            <a:extLst>
+              <a:ext uri="{FF2B5EF4-FFF2-40B4-BE49-F238E27FC236}">
+                <a16:creationId xmlns:a16="http://schemas.microsoft.com/office/drawing/2014/main" id="{2BE44F78-2600-39BB-A9E7-B9F8D3E35E7C}"/>
+              </a:ext>
+            </a:extLst>
+          </p:cNvPr>
+          <p:cNvSpPr/>
+          <p:nvPr/>
+        </p:nvSpPr>
+        <p:spPr>
+          <a:xfrm>
+            <a:off x="2034169" y="3788038"/>
+            <a:ext cx="2547487" cy="299211"/>
+          </a:xfrm>
+          <a:prstGeom prst="roundRect">
+            <a:avLst/>
+          </a:prstGeom>
+          <a:noFill/>
+          <a:ln>
+            <a:solidFill>
+              <a:schemeClr val="tx1"/>
+            </a:solidFill>
+          </a:ln>
+        </p:spPr>
+        <p:style>
+          <a:lnRef idx="2">
+            <a:schemeClr val="accent1">
+              <a:shade val="50000"/>
+            </a:schemeClr>
+          </a:lnRef>
+          <a:fillRef idx="1">
+            <a:schemeClr val="accent1"/>
+          </a:fillRef>
+          <a:effectRef idx="0">
+            <a:schemeClr val="accent1"/>
+          </a:effectRef>
+          <a:fontRef idx="minor">
+            <a:schemeClr val="lt1"/>
+          </a:fontRef>
+        </p:style>
+        <p:txBody>
+          <a:bodyPr rtlCol="0" anchor="ctr"/>
+          <a:lstStyle/>
+          <a:p>
+            <a:pPr algn="ctr"/>
+            <a:endParaRPr lang="en-PH" sz="1400"/>
+          </a:p>
+        </p:txBody>
+      </p:sp>
+      <p:sp>
+        <p:nvSpPr>
+          <p:cNvPr id="115" name="TextBox 114">
+            <a:extLst>
+              <a:ext uri="{FF2B5EF4-FFF2-40B4-BE49-F238E27FC236}">
+                <a16:creationId xmlns:a16="http://schemas.microsoft.com/office/drawing/2014/main" id="{EDE7327F-7826-E399-FFAF-05A26217A08F}"/>
+              </a:ext>
+            </a:extLst>
+          </p:cNvPr>
+          <p:cNvSpPr txBox="1"/>
+          <p:nvPr/>
+        </p:nvSpPr>
+        <p:spPr>
+          <a:xfrm>
+            <a:off x="1968035" y="3539067"/>
+            <a:ext cx="1987826" cy="307777"/>
+          </a:xfrm>
+          <a:prstGeom prst="rect">
+            <a:avLst/>
+          </a:prstGeom>
+          <a:noFill/>
+        </p:spPr>
+        <p:txBody>
+          <a:bodyPr wrap="square" rtlCol="0">
+            <a:spAutoFit/>
+          </a:bodyPr>
+          <a:lstStyle/>
+          <a:p>
+            <a:r>
+              <a:rPr lang="en-PH" sz="1400" dirty="0"/>
+              <a:t>Address</a:t>
+            </a:r>
+            <a:r>
+              <a:rPr lang="en-PH" sz="1400" dirty="0">
+                <a:solidFill>
+                  <a:srgbClr val="C00000"/>
+                </a:solidFill>
+              </a:rPr>
+              <a:t>*</a:t>
+            </a:r>
+          </a:p>
+        </p:txBody>
+      </p:sp>
+      <p:sp>
+        <p:nvSpPr>
+          <p:cNvPr id="118" name="Rectangle: Rounded Corners 117">
+            <a:extLst>
+              <a:ext uri="{FF2B5EF4-FFF2-40B4-BE49-F238E27FC236}">
+                <a16:creationId xmlns:a16="http://schemas.microsoft.com/office/drawing/2014/main" id="{22B191C5-DCDC-CA93-9C91-44FDD8DA7201}"/>
+              </a:ext>
+            </a:extLst>
+          </p:cNvPr>
+          <p:cNvSpPr/>
+          <p:nvPr/>
+        </p:nvSpPr>
+        <p:spPr>
+          <a:xfrm>
+            <a:off x="2045439" y="4420630"/>
+            <a:ext cx="971896" cy="299211"/>
+          </a:xfrm>
+          <a:prstGeom prst="roundRect">
+            <a:avLst/>
+          </a:prstGeom>
+          <a:noFill/>
+          <a:ln>
+            <a:solidFill>
+              <a:schemeClr val="tx1"/>
+            </a:solidFill>
+          </a:ln>
+        </p:spPr>
+        <p:style>
+          <a:lnRef idx="2">
+            <a:schemeClr val="accent1">
+              <a:shade val="50000"/>
+            </a:schemeClr>
+          </a:lnRef>
+          <a:fillRef idx="1">
+            <a:schemeClr val="accent1"/>
+          </a:fillRef>
+          <a:effectRef idx="0">
+            <a:schemeClr val="accent1"/>
+          </a:effectRef>
+          <a:fontRef idx="minor">
+            <a:schemeClr val="lt1"/>
+          </a:fontRef>
+        </p:style>
+        <p:txBody>
+          <a:bodyPr rtlCol="0" anchor="ctr"/>
+          <a:lstStyle/>
+          <a:p>
+            <a:pPr algn="ctr"/>
+            <a:endParaRPr lang="en-PH" sz="1400"/>
+          </a:p>
+        </p:txBody>
+      </p:sp>
+      <p:sp>
+        <p:nvSpPr>
+          <p:cNvPr id="119" name="TextBox 118">
+            <a:extLst>
+              <a:ext uri="{FF2B5EF4-FFF2-40B4-BE49-F238E27FC236}">
+                <a16:creationId xmlns:a16="http://schemas.microsoft.com/office/drawing/2014/main" id="{BD28E388-014D-B62E-13DE-D1AE2D43A96E}"/>
+              </a:ext>
+            </a:extLst>
+          </p:cNvPr>
+          <p:cNvSpPr txBox="1"/>
+          <p:nvPr/>
+        </p:nvSpPr>
+        <p:spPr>
+          <a:xfrm>
+            <a:off x="1968035" y="4114708"/>
+            <a:ext cx="1987826" cy="307777"/>
+          </a:xfrm>
+          <a:prstGeom prst="rect">
+            <a:avLst/>
+          </a:prstGeom>
+          <a:noFill/>
+        </p:spPr>
+        <p:txBody>
+          <a:bodyPr wrap="square" rtlCol="0">
+            <a:spAutoFit/>
+          </a:bodyPr>
+          <a:lstStyle/>
+          <a:p>
+            <a:r>
+              <a:rPr lang="en-PH" sz="1400" dirty="0"/>
+              <a:t>Date of birth</a:t>
+            </a:r>
+            <a:r>
+              <a:rPr lang="en-PH" sz="1400" dirty="0">
+                <a:solidFill>
+                  <a:srgbClr val="C00000"/>
+                </a:solidFill>
+              </a:rPr>
+              <a:t>*</a:t>
+            </a:r>
+          </a:p>
+        </p:txBody>
+      </p:sp>
+      <p:sp>
+        <p:nvSpPr>
+          <p:cNvPr id="120" name="Rectangle: Rounded Corners 119">
+            <a:extLst>
+              <a:ext uri="{FF2B5EF4-FFF2-40B4-BE49-F238E27FC236}">
+                <a16:creationId xmlns:a16="http://schemas.microsoft.com/office/drawing/2014/main" id="{3B9D8C3A-B791-6F38-A655-6321EC846764}"/>
+              </a:ext>
+            </a:extLst>
+          </p:cNvPr>
+          <p:cNvSpPr/>
+          <p:nvPr/>
+        </p:nvSpPr>
+        <p:spPr>
+          <a:xfrm>
+            <a:off x="2042588" y="5019712"/>
+            <a:ext cx="992496" cy="299211"/>
+          </a:xfrm>
+          <a:prstGeom prst="roundRect">
+            <a:avLst/>
+          </a:prstGeom>
+          <a:noFill/>
+          <a:ln>
+            <a:solidFill>
+              <a:schemeClr val="tx1"/>
+            </a:solidFill>
+          </a:ln>
+        </p:spPr>
+        <p:style>
+          <a:lnRef idx="2">
+            <a:schemeClr val="accent1">
+              <a:shade val="50000"/>
+            </a:schemeClr>
+          </a:lnRef>
+          <a:fillRef idx="1">
+            <a:schemeClr val="accent1"/>
+          </a:fillRef>
+          <a:effectRef idx="0">
+            <a:schemeClr val="accent1"/>
+          </a:effectRef>
+          <a:fontRef idx="minor">
+            <a:schemeClr val="lt1"/>
+          </a:fontRef>
+        </p:style>
+        <p:txBody>
+          <a:bodyPr rtlCol="0" anchor="ctr"/>
+          <a:lstStyle/>
+          <a:p>
+            <a:pPr algn="ctr"/>
+            <a:endParaRPr lang="en-PH" sz="1400"/>
+          </a:p>
+        </p:txBody>
+      </p:sp>
+      <p:sp>
+        <p:nvSpPr>
+          <p:cNvPr id="121" name="TextBox 120">
+            <a:extLst>
+              <a:ext uri="{FF2B5EF4-FFF2-40B4-BE49-F238E27FC236}">
+                <a16:creationId xmlns:a16="http://schemas.microsoft.com/office/drawing/2014/main" id="{F39A21B4-6958-5CEA-57D7-BBA4B5F95FF6}"/>
+              </a:ext>
+            </a:extLst>
+          </p:cNvPr>
+          <p:cNvSpPr txBox="1"/>
+          <p:nvPr/>
+        </p:nvSpPr>
+        <p:spPr>
+          <a:xfrm>
+            <a:off x="1951242" y="4702147"/>
+            <a:ext cx="1987826" cy="307777"/>
+          </a:xfrm>
+          <a:prstGeom prst="rect">
+            <a:avLst/>
+          </a:prstGeom>
+          <a:noFill/>
+        </p:spPr>
+        <p:txBody>
+          <a:bodyPr wrap="square" rtlCol="0">
+            <a:spAutoFit/>
+          </a:bodyPr>
+          <a:lstStyle/>
+          <a:p>
+            <a:r>
+              <a:rPr lang="en-PH" sz="1400" dirty="0"/>
+              <a:t>Gender</a:t>
+            </a:r>
+            <a:r>
+              <a:rPr lang="en-PH" sz="1400" dirty="0">
+                <a:solidFill>
+                  <a:srgbClr val="C00000"/>
+                </a:solidFill>
+              </a:rPr>
+              <a:t>*</a:t>
+            </a:r>
+          </a:p>
+        </p:txBody>
+      </p:sp>
+      <p:sp>
+        <p:nvSpPr>
+          <p:cNvPr id="122" name="Rectangle: Rounded Corners 121">
+            <a:extLst>
+              <a:ext uri="{FF2B5EF4-FFF2-40B4-BE49-F238E27FC236}">
+                <a16:creationId xmlns:a16="http://schemas.microsoft.com/office/drawing/2014/main" id="{3AB82F15-2393-05DD-BECC-9F4A13C61A7D}"/>
+              </a:ext>
+            </a:extLst>
+          </p:cNvPr>
+          <p:cNvSpPr/>
+          <p:nvPr/>
+        </p:nvSpPr>
+        <p:spPr>
+          <a:xfrm>
+            <a:off x="2022365" y="5662954"/>
+            <a:ext cx="1306821" cy="299211"/>
+          </a:xfrm>
+          <a:prstGeom prst="roundRect">
+            <a:avLst/>
+          </a:prstGeom>
+          <a:noFill/>
+          <a:ln>
+            <a:solidFill>
+              <a:schemeClr val="tx1"/>
+            </a:solidFill>
+          </a:ln>
+        </p:spPr>
+        <p:style>
+          <a:lnRef idx="2">
+            <a:schemeClr val="accent1">
+              <a:shade val="50000"/>
+            </a:schemeClr>
+          </a:lnRef>
+          <a:fillRef idx="1">
+            <a:schemeClr val="accent1"/>
+          </a:fillRef>
+          <a:effectRef idx="0">
+            <a:schemeClr val="accent1"/>
+          </a:effectRef>
+          <a:fontRef idx="minor">
+            <a:schemeClr val="lt1"/>
+          </a:fontRef>
+        </p:style>
+        <p:txBody>
+          <a:bodyPr rtlCol="0" anchor="ctr"/>
+          <a:lstStyle/>
+          <a:p>
+            <a:pPr algn="ctr"/>
+            <a:endParaRPr lang="en-PH" sz="1400"/>
+          </a:p>
+        </p:txBody>
+      </p:sp>
+      <p:sp>
+        <p:nvSpPr>
+          <p:cNvPr id="123" name="TextBox 122">
+            <a:extLst>
+              <a:ext uri="{FF2B5EF4-FFF2-40B4-BE49-F238E27FC236}">
+                <a16:creationId xmlns:a16="http://schemas.microsoft.com/office/drawing/2014/main" id="{A8B57B05-60E4-A95E-8687-CB4F837E76A9}"/>
+              </a:ext>
+            </a:extLst>
+          </p:cNvPr>
+          <p:cNvSpPr txBox="1"/>
+          <p:nvPr/>
+        </p:nvSpPr>
+        <p:spPr>
+          <a:xfrm>
+            <a:off x="1947170" y="5337908"/>
+            <a:ext cx="1987826" cy="307777"/>
+          </a:xfrm>
+          <a:prstGeom prst="rect">
+            <a:avLst/>
+          </a:prstGeom>
+          <a:noFill/>
+        </p:spPr>
+        <p:txBody>
+          <a:bodyPr wrap="square" rtlCol="0">
+            <a:spAutoFit/>
+          </a:bodyPr>
+          <a:lstStyle/>
+          <a:p>
+            <a:r>
+              <a:rPr lang="en-PH" sz="1400" dirty="0"/>
+              <a:t>Contact No.</a:t>
+            </a:r>
+            <a:r>
+              <a:rPr lang="en-PH" sz="1400" dirty="0">
+                <a:solidFill>
+                  <a:srgbClr val="C00000"/>
+                </a:solidFill>
+              </a:rPr>
+              <a:t>*</a:t>
+            </a:r>
+          </a:p>
+        </p:txBody>
+      </p:sp>
+      <p:sp>
+        <p:nvSpPr>
+          <p:cNvPr id="124" name="TextBox 123">
+            <a:extLst>
+              <a:ext uri="{FF2B5EF4-FFF2-40B4-BE49-F238E27FC236}">
+                <a16:creationId xmlns:a16="http://schemas.microsoft.com/office/drawing/2014/main" id="{64CB0587-BE95-BF93-17A0-FF65E317A7AB}"/>
+              </a:ext>
+            </a:extLst>
+          </p:cNvPr>
+          <p:cNvSpPr txBox="1"/>
+          <p:nvPr/>
+        </p:nvSpPr>
+        <p:spPr>
+          <a:xfrm>
+            <a:off x="4952064" y="1875394"/>
+            <a:ext cx="1987826" cy="307777"/>
+          </a:xfrm>
+          <a:prstGeom prst="rect">
+            <a:avLst/>
+          </a:prstGeom>
+          <a:noFill/>
+        </p:spPr>
+        <p:txBody>
+          <a:bodyPr wrap="square" rtlCol="0">
+            <a:spAutoFit/>
+          </a:bodyPr>
+          <a:lstStyle/>
+          <a:p>
+            <a:r>
+              <a:rPr lang="en-PH" sz="1400" dirty="0"/>
+              <a:t>Medication History</a:t>
+            </a:r>
+          </a:p>
+        </p:txBody>
+      </p:sp>
+      <p:sp>
+        <p:nvSpPr>
+          <p:cNvPr id="125" name="TextBox 124">
+            <a:extLst>
+              <a:ext uri="{FF2B5EF4-FFF2-40B4-BE49-F238E27FC236}">
+                <a16:creationId xmlns:a16="http://schemas.microsoft.com/office/drawing/2014/main" id="{41BFE797-2070-CBE7-9E60-AC5C672C20D5}"/>
+              </a:ext>
+            </a:extLst>
+          </p:cNvPr>
+          <p:cNvSpPr txBox="1"/>
+          <p:nvPr/>
+        </p:nvSpPr>
+        <p:spPr>
+          <a:xfrm>
+            <a:off x="4951977" y="2122860"/>
+            <a:ext cx="2225583" cy="523220"/>
+          </a:xfrm>
+          <a:prstGeom prst="rect">
+            <a:avLst/>
+          </a:prstGeom>
+          <a:noFill/>
+          <a:ln>
+            <a:noFill/>
+          </a:ln>
+        </p:spPr>
+        <p:txBody>
+          <a:bodyPr wrap="square">
+            <a:spAutoFit/>
+          </a:bodyPr>
+          <a:lstStyle/>
+          <a:p>
+            <a:r>
+              <a:rPr lang="en-US" sz="1400" dirty="0">
+                <a:solidFill>
+                  <a:schemeClr val="bg2">
+                    <a:lumMod val="75000"/>
+                  </a:schemeClr>
+                </a:solidFill>
+                <a:latin typeface="+mj-lt"/>
+              </a:rPr>
+              <a:t>Please list any and all </a:t>
+            </a:r>
+          </a:p>
+          <a:p>
+            <a:r>
+              <a:rPr lang="en-US" sz="1400" dirty="0">
+                <a:solidFill>
+                  <a:schemeClr val="bg2">
+                    <a:lumMod val="75000"/>
+                  </a:schemeClr>
+                </a:solidFill>
+                <a:latin typeface="+mj-lt"/>
+              </a:rPr>
+              <a:t>medications currently taken</a:t>
+            </a:r>
+            <a:endParaRPr lang="en-PH" sz="1400" dirty="0">
+              <a:solidFill>
+                <a:schemeClr val="bg2">
+                  <a:lumMod val="75000"/>
+                </a:schemeClr>
+              </a:solidFill>
+              <a:latin typeface="+mj-lt"/>
+            </a:endParaRPr>
+          </a:p>
+        </p:txBody>
+      </p:sp>
+      <p:sp>
+        <p:nvSpPr>
+          <p:cNvPr id="126" name="Rectangle: Rounded Corners 125">
+            <a:extLst>
+              <a:ext uri="{FF2B5EF4-FFF2-40B4-BE49-F238E27FC236}">
+                <a16:creationId xmlns:a16="http://schemas.microsoft.com/office/drawing/2014/main" id="{68B6A5D7-EA51-C733-F37C-E6A406945A34}"/>
+              </a:ext>
+            </a:extLst>
+          </p:cNvPr>
+          <p:cNvSpPr/>
+          <p:nvPr/>
+        </p:nvSpPr>
+        <p:spPr>
+          <a:xfrm>
+            <a:off x="5012562" y="2150791"/>
+            <a:ext cx="2131711" cy="513236"/>
+          </a:xfrm>
+          <a:prstGeom prst="roundRect">
+            <a:avLst/>
+          </a:prstGeom>
+          <a:noFill/>
+          <a:ln>
+            <a:solidFill>
+              <a:schemeClr val="tx1"/>
+            </a:solidFill>
+          </a:ln>
+        </p:spPr>
+        <p:style>
+          <a:lnRef idx="2">
+            <a:schemeClr val="accent1">
+              <a:shade val="50000"/>
+            </a:schemeClr>
+          </a:lnRef>
+          <a:fillRef idx="1">
+            <a:schemeClr val="accent1"/>
+          </a:fillRef>
+          <a:effectRef idx="0">
+            <a:schemeClr val="accent1"/>
+          </a:effectRef>
+          <a:fontRef idx="minor">
+            <a:schemeClr val="lt1"/>
+          </a:fontRef>
+        </p:style>
+        <p:txBody>
+          <a:bodyPr rtlCol="0" anchor="ctr"/>
+          <a:lstStyle/>
+          <a:p>
+            <a:pPr algn="ctr"/>
+            <a:endParaRPr lang="en-PH"/>
+          </a:p>
+        </p:txBody>
+      </p:sp>
+      <p:sp>
+        <p:nvSpPr>
+          <p:cNvPr id="127" name="Rectangle: Rounded Corners 126">
+            <a:extLst>
+              <a:ext uri="{FF2B5EF4-FFF2-40B4-BE49-F238E27FC236}">
+                <a16:creationId xmlns:a16="http://schemas.microsoft.com/office/drawing/2014/main" id="{6CA6EEFB-66BC-C235-82AE-76B2DF69458E}"/>
+              </a:ext>
+            </a:extLst>
+          </p:cNvPr>
+          <p:cNvSpPr/>
+          <p:nvPr/>
+        </p:nvSpPr>
+        <p:spPr>
+          <a:xfrm>
+            <a:off x="10476558" y="6273716"/>
+            <a:ext cx="1394102" cy="299211"/>
+          </a:xfrm>
+          <a:prstGeom prst="roundRect">
+            <a:avLst/>
+          </a:prstGeom>
+          <a:solidFill>
+            <a:srgbClr val="55C5FD"/>
+          </a:solidFill>
+          <a:ln>
+            <a:solidFill>
+              <a:schemeClr val="tx1"/>
+            </a:solidFill>
+          </a:ln>
+        </p:spPr>
+        <p:style>
+          <a:lnRef idx="2">
+            <a:schemeClr val="accent1">
+              <a:shade val="50000"/>
+            </a:schemeClr>
+          </a:lnRef>
+          <a:fillRef idx="1">
+            <a:schemeClr val="accent1"/>
+          </a:fillRef>
+          <a:effectRef idx="0">
+            <a:schemeClr val="accent1"/>
+          </a:effectRef>
+          <a:fontRef idx="minor">
+            <a:schemeClr val="lt1"/>
+          </a:fontRef>
+        </p:style>
+        <p:txBody>
+          <a:bodyPr rtlCol="0" anchor="ctr"/>
+          <a:lstStyle/>
+          <a:p>
+            <a:pPr algn="ctr"/>
+            <a:endParaRPr lang="en-PH" sz="1400"/>
+          </a:p>
+        </p:txBody>
+      </p:sp>
+      <p:sp>
+        <p:nvSpPr>
+          <p:cNvPr id="128" name="TextBox 127">
+            <a:extLst>
+              <a:ext uri="{FF2B5EF4-FFF2-40B4-BE49-F238E27FC236}">
+                <a16:creationId xmlns:a16="http://schemas.microsoft.com/office/drawing/2014/main" id="{F3B60468-CFF9-3EF2-113A-1381BED45048}"/>
+              </a:ext>
+            </a:extLst>
+          </p:cNvPr>
+          <p:cNvSpPr txBox="1"/>
+          <p:nvPr/>
+        </p:nvSpPr>
+        <p:spPr>
+          <a:xfrm>
+            <a:off x="10625673" y="6253632"/>
+            <a:ext cx="1452891" cy="307777"/>
+          </a:xfrm>
+          <a:prstGeom prst="rect">
+            <a:avLst/>
+          </a:prstGeom>
+          <a:noFill/>
+        </p:spPr>
+        <p:txBody>
+          <a:bodyPr wrap="square" rtlCol="0">
+            <a:spAutoFit/>
+          </a:bodyPr>
+          <a:lstStyle/>
+          <a:p>
+            <a:r>
+              <a:rPr lang="en-PH" sz="1400" dirty="0">
+                <a:latin typeface="Bahnschrift SemiBold Condensed" panose="020B0502040204020203" pitchFamily="34" charset="0"/>
+              </a:rPr>
+              <a:t>Register patient</a:t>
+            </a:r>
+          </a:p>
+        </p:txBody>
+      </p:sp>
+    </p:spTree>
+    <p:extLst>
+      <p:ext uri="{BB962C8B-B14F-4D97-AF65-F5344CB8AC3E}">
+        <p14:creationId xmlns:p14="http://schemas.microsoft.com/office/powerpoint/2010/main" val="810267097"/>
       </p:ext>
     </p:extLst>
   </p:cSld>
@@ -26960,6 +30700,12 @@
 </Control>
 </file>
 
+<file path=customXml/item13.xml><?xml version="1.0" encoding="utf-8"?>
+<Control xmlns="http://schemas.microsoft.com/VisualStudio/2011/storyboarding/control">
+  <Id Name="System.Storyboarding.Backgrounds.WebBrowser" Revision="1" Stencil="System.Storyboarding.Backgrounds" StencilVersion="0.1"/>
+</Control>
+</file>
+
 <file path=customXml/item2.xml><?xml version="1.0" encoding="utf-8"?>
 <Control xmlns="http://schemas.microsoft.com/VisualStudio/2011/storyboarding/control">
   <Id Name="System.Storyboarding.Backgrounds.DesktopTaskbar" Revision="1" Stencil="System.Storyboarding.Backgrounds" StencilVersion="0.1"/>
@@ -27009,6 +30755,14 @@
 </file>
 
 <file path=customXml/itemProps1.xml><?xml version="1.0" encoding="utf-8"?>
+<ds:datastoreItem xmlns:ds="http://schemas.openxmlformats.org/officeDocument/2006/customXml" ds:itemID="{3767892B-D134-4A49-9F5C-9794913330CB}">
+  <ds:schemaRefs>
+    <ds:schemaRef ds:uri="http://schemas.microsoft.com/VisualStudio/2011/storyboarding/control"/>
+  </ds:schemaRefs>
+</ds:datastoreItem>
+</file>
+
+<file path=customXml/itemProps10.xml><?xml version="1.0" encoding="utf-8"?>
 <ds:datastoreItem xmlns:ds="http://schemas.openxmlformats.org/officeDocument/2006/customXml" ds:itemID="{4FCF7891-F40B-405F-8486-B69C0A650CF1}">
   <ds:schemaRefs>
     <ds:schemaRef ds:uri="http://schemas.microsoft.com/VisualStudio/2011/storyboarding/control"/>
@@ -27016,16 +30770,8 @@
 </ds:datastoreItem>
 </file>
 
-<file path=customXml/itemProps10.xml><?xml version="1.0" encoding="utf-8"?>
-<ds:datastoreItem xmlns:ds="http://schemas.openxmlformats.org/officeDocument/2006/customXml" ds:itemID="{22217066-E5A6-4173-9F61-D3A429F0B955}">
-  <ds:schemaRefs>
-    <ds:schemaRef ds:uri="http://schemas.microsoft.com/VisualStudio/2011/storyboarding/control"/>
-  </ds:schemaRefs>
-</ds:datastoreItem>
-</file>
-
 <file path=customXml/itemProps11.xml><?xml version="1.0" encoding="utf-8"?>
-<ds:datastoreItem xmlns:ds="http://schemas.openxmlformats.org/officeDocument/2006/customXml" ds:itemID="{EAA6C5A9-557D-423F-A517-BC82A48CF5BE}">
+<ds:datastoreItem xmlns:ds="http://schemas.openxmlformats.org/officeDocument/2006/customXml" ds:itemID="{6089A32A-2D71-4552-87B0-2AFD9DBE33B9}">
   <ds:schemaRefs>
     <ds:schemaRef ds:uri="http://schemas.microsoft.com/VisualStudio/2011/storyboarding/control"/>
   </ds:schemaRefs>
@@ -27034,6 +30780,14 @@
 
 <file path=customXml/itemProps12.xml><?xml version="1.0" encoding="utf-8"?>
 <ds:datastoreItem xmlns:ds="http://schemas.openxmlformats.org/officeDocument/2006/customXml" ds:itemID="{572094FB-8412-4C4B-B8C5-713D39D23D4F}">
+  <ds:schemaRefs>
+    <ds:schemaRef ds:uri="http://schemas.microsoft.com/VisualStudio/2011/storyboarding/control"/>
+  </ds:schemaRefs>
+</ds:datastoreItem>
+</file>
+
+<file path=customXml/itemProps13.xml><?xml version="1.0" encoding="utf-8"?>
+<ds:datastoreItem xmlns:ds="http://schemas.openxmlformats.org/officeDocument/2006/customXml" ds:itemID="{84FBB57D-AD77-4A1E-8816-DEA541274974}">
   <ds:schemaRefs>
     <ds:schemaRef ds:uri="http://schemas.microsoft.com/VisualStudio/2011/storyboarding/control"/>
   </ds:schemaRefs>
@@ -27057,6 +30811,38 @@
 </file>
 
 <file path=customXml/itemProps4.xml><?xml version="1.0" encoding="utf-8"?>
+<ds:datastoreItem xmlns:ds="http://schemas.openxmlformats.org/officeDocument/2006/customXml" ds:itemID="{B843EA48-7BAF-452B-AE23-578927AEDE72}">
+  <ds:schemaRefs>
+    <ds:schemaRef ds:uri="http://schemas.microsoft.com/VisualStudio/2011/storyboarding/control"/>
+  </ds:schemaRefs>
+</ds:datastoreItem>
+</file>
+
+<file path=customXml/itemProps5.xml><?xml version="1.0" encoding="utf-8"?>
+<ds:datastoreItem xmlns:ds="http://schemas.openxmlformats.org/officeDocument/2006/customXml" ds:itemID="{3925E1C5-1EDB-4695-A890-D1E171BAC8B6}">
+  <ds:schemaRefs>
+    <ds:schemaRef ds:uri="http://schemas.microsoft.com/VisualStudio/2011/storyboarding/control"/>
+  </ds:schemaRefs>
+</ds:datastoreItem>
+</file>
+
+<file path=customXml/itemProps6.xml><?xml version="1.0" encoding="utf-8"?>
+<ds:datastoreItem xmlns:ds="http://schemas.openxmlformats.org/officeDocument/2006/customXml" ds:itemID="{22217066-E5A6-4173-9F61-D3A429F0B955}">
+  <ds:schemaRefs>
+    <ds:schemaRef ds:uri="http://schemas.microsoft.com/VisualStudio/2011/storyboarding/control"/>
+  </ds:schemaRefs>
+</ds:datastoreItem>
+</file>
+
+<file path=customXml/itemProps7.xml><?xml version="1.0" encoding="utf-8"?>
+<ds:datastoreItem xmlns:ds="http://schemas.openxmlformats.org/officeDocument/2006/customXml" ds:itemID="{EAA6C5A9-557D-423F-A517-BC82A48CF5BE}">
+  <ds:schemaRefs>
+    <ds:schemaRef ds:uri="http://schemas.microsoft.com/VisualStudio/2011/storyboarding/control"/>
+  </ds:schemaRefs>
+</ds:datastoreItem>
+</file>
+
+<file path=customXml/itemProps8.xml><?xml version="1.0" encoding="utf-8"?>
 <ds:datastoreItem xmlns:ds="http://schemas.openxmlformats.org/officeDocument/2006/customXml" ds:itemID="{A4160963-0F99-4442-95A1-21443D501E86}">
   <ds:schemaRefs>
     <ds:schemaRef ds:uri="http://schemas.microsoft.com/VisualStudio/2011/storyboarding/control"/>
@@ -27064,42 +30850,10 @@
 </ds:datastoreItem>
 </file>
 
-<file path=customXml/itemProps5.xml><?xml version="1.0" encoding="utf-8"?>
-<ds:datastoreItem xmlns:ds="http://schemas.openxmlformats.org/officeDocument/2006/customXml" ds:itemID="{B843EA48-7BAF-452B-AE23-578927AEDE72}">
-  <ds:schemaRefs>
-    <ds:schemaRef ds:uri="http://schemas.microsoft.com/VisualStudio/2011/storyboarding/control"/>
-  </ds:schemaRefs>
-</ds:datastoreItem>
-</file>
-
-<file path=customXml/itemProps6.xml><?xml version="1.0" encoding="utf-8"?>
-<ds:datastoreItem xmlns:ds="http://schemas.openxmlformats.org/officeDocument/2006/customXml" ds:itemID="{3767892B-D134-4A49-9F5C-9794913330CB}">
-  <ds:schemaRefs>
-    <ds:schemaRef ds:uri="http://schemas.microsoft.com/VisualStudio/2011/storyboarding/control"/>
-  </ds:schemaRefs>
-</ds:datastoreItem>
-</file>
-
-<file path=customXml/itemProps7.xml><?xml version="1.0" encoding="utf-8"?>
+<file path=customXml/itemProps9.xml><?xml version="1.0" encoding="utf-8"?>
 <ds:datastoreItem xmlns:ds="http://schemas.openxmlformats.org/officeDocument/2006/customXml" ds:itemID="{6580B20D-C07E-4471-B9F9-0C63165D6F60}">
   <ds:schemaRefs>
     <ds:schemaRef ds:uri="http://schemas.microsoft.com/VisualStudio/2011/storyboarding/control"/>
   </ds:schemaRefs>
 </ds:datastoreItem>
-</file>
-
-<file path=customXml/itemProps8.xml><?xml version="1.0" encoding="utf-8"?>
-<ds:datastoreItem xmlns:ds="http://schemas.openxmlformats.org/officeDocument/2006/customXml" ds:itemID="{3925E1C5-1EDB-4695-A890-D1E171BAC8B6}">
-  <ds:schemaRefs>
-    <ds:schemaRef ds:uri="http://schemas.microsoft.com/VisualStudio/2011/storyboarding/control"/>
-  </ds:schemaRefs>
-</ds:datastoreItem>
-</file>
-
-<file path=customXml/itemProps9.xml><?xml version="1.0" encoding="utf-8"?>
-<ds:datastoreItem xmlns:ds="http://schemas.openxmlformats.org/officeDocument/2006/customXml" ds:itemID="{6089A32A-2D71-4552-87B0-2AFD9DBE33B9}">
-  <ds:schemaRefs>
-    <ds:schemaRef ds:uri="http://schemas.microsoft.com/VisualStudio/2011/storyboarding/control"/>
-  </ds:schemaRefs>
-</ds:datastoreItem>
 </file>